--- a/apresentacao_hospital.pptx
+++ b/apresentacao_hospital.pptx
@@ -18,6 +18,27 @@
     <p:sldId id="266" r:id="rId12"/>
     <p:sldId id="267" r:id="rId13"/>
     <p:sldId id="268" r:id="rId14"/>
+    <p:sldId id="269" r:id="rId15"/>
+    <p:sldId id="270" r:id="rId16"/>
+    <p:sldId id="271" r:id="rId17"/>
+    <p:sldId id="272" r:id="rId18"/>
+    <p:sldId id="273" r:id="rId19"/>
+    <p:sldId id="274" r:id="rId20"/>
+    <p:sldId id="275" r:id="rId21"/>
+    <p:sldId id="276" r:id="rId22"/>
+    <p:sldId id="277" r:id="rId23"/>
+    <p:sldId id="278" r:id="rId24"/>
+    <p:sldId id="279" r:id="rId25"/>
+    <p:sldId id="280" r:id="rId26"/>
+    <p:sldId id="281" r:id="rId27"/>
+    <p:sldId id="282" r:id="rId28"/>
+    <p:sldId id="283" r:id="rId29"/>
+    <p:sldId id="284" r:id="rId30"/>
+    <p:sldId id="285" r:id="rId31"/>
+    <p:sldId id="286" r:id="rId32"/>
+    <p:sldId id="287" r:id="rId33"/>
+    <p:sldId id="288" r:id="rId34"/>
+    <p:sldId id="289" r:id="rId35"/>
   </p:sldIdLst>
   <p:sldSz cx="9144000" cy="5143500" type="screen16x9"/>
   <p:notesSz cx="6858000" cy="9144000"/>
@@ -3109,13 +3130,13 @@
             <a:spLocks noGrp="1"/>
           </p:cNvSpPr>
           <p:nvPr>
-            <p:ph type="title"/>
+            <p:ph type="ctrTitle"/>
           </p:nvPr>
         </p:nvSpPr>
         <p:spPr>
           <a:xfrm>
-            <a:off x="722313" y="3305176"/>
-            <a:ext cx="7772400" cy="1021556"/>
+            <a:off x="685800" y="1597819"/>
+            <a:ext cx="7772400" cy="1102519"/>
           </a:xfrm>
         </p:spPr>
         <p:txBody>
@@ -3128,6 +3149,67 @@
             <a:r>
               <a:rPr/>
               <a:t>Simulação de Sistema de Emergência Hospitalar</a:t>
+            </a:r>
+          </a:p>
+        </p:txBody>
+      </p:sp>
+      <p:sp>
+        <p:nvSpPr>
+          <p:cNvPr id="3" name="Subtitle 2"/>
+          <p:cNvSpPr>
+            <a:spLocks noGrp="1"/>
+          </p:cNvSpPr>
+          <p:nvPr>
+            <p:ph idx="1" type="subTitle"/>
+          </p:nvPr>
+        </p:nvSpPr>
+        <p:spPr>
+          <a:xfrm>
+            <a:off x="1371600" y="2914650"/>
+            <a:ext cx="6400800" cy="1314450"/>
+          </a:xfrm>
+        </p:spPr>
+        <p:txBody>
+          <a:bodyPr/>
+          <a:lstStyle/>
+          <a:p>
+            <a:pPr lvl="0" indent="0" marL="0">
+              <a:buNone/>
+            </a:pPr>
+            <a:r>
+              <a:rPr/>
+              <a:t>Análise e Melhoria de Desempenho</a:t>
+            </a:r>
+            <a:br/>
+            <a:br/>
+            <a:r>
+              <a:rPr/>
+              <a:t>Equipe de Simulação</a:t>
+            </a:r>
+          </a:p>
+        </p:txBody>
+      </p:sp>
+      <p:sp>
+        <p:nvSpPr>
+          <p:cNvPr id="4" name="Date Placeholder 3"/>
+          <p:cNvSpPr>
+            <a:spLocks noGrp="1"/>
+          </p:cNvSpPr>
+          <p:nvPr>
+            <p:ph idx="10" sz="half" type="dt"/>
+          </p:nvPr>
+        </p:nvSpPr>
+        <p:spPr/>
+        <p:txBody>
+          <a:bodyPr/>
+          <a:lstStyle/>
+          <a:p>
+            <a:pPr lvl="0" indent="0" marL="0">
+              <a:buNone/>
+            </a:pPr>
+            <a:r>
+              <a:rPr/>
+              <a:t>28 de Abril de 2025</a:t>
             </a:r>
           </a:p>
         </p:txBody>
@@ -3174,14 +3256,14 @@
             </a:pPr>
             <a:r>
               <a:rPr/>
-              <a:t>Modelo Melhorado</a:t>
+              <a:t>Configuração Original</a:t>
             </a:r>
           </a:p>
         </p:txBody>
       </p:sp>
       <p:pic>
         <p:nvPicPr>
-          <p:cNvPr descr="resultados_simulacao.png" id="0" name="Picture 1"/>
+          <p:cNvPr descr="diagrama_rede_original.png" id="0" name="Picture 1"/>
           <p:cNvPicPr>
             <a:picLocks noGrp="1" noChangeAspect="1"/>
           </p:cNvPicPr>
@@ -3195,8 +3277,8 @@
         </p:blipFill>
         <p:spPr bwMode="auto">
           <a:xfrm>
-            <a:off x="2413000" y="1193800"/>
-            <a:ext cx="4318000" cy="2882900"/>
+            <a:off x="457200" y="1841500"/>
+            <a:ext cx="8229600" cy="1600200"/>
           </a:xfrm>
           <a:prstGeom prst="rect">
             <a:avLst/>
@@ -3234,7 +3316,78 @@
             </a:pPr>
             <a:r>
               <a:rPr/>
-              <a:t>Diagrama da Rede de Filas Melhorada</a:t>
+              <a:t>Rede de Filas Original</a:t>
+            </a:r>
+          </a:p>
+        </p:txBody>
+      </p:sp>
+      <p:sp>
+        <p:nvSpPr>
+          <p:cNvPr id="3" name="Content Placeholder 2"/>
+          <p:cNvSpPr>
+            <a:spLocks noGrp="1"/>
+          </p:cNvSpPr>
+          <p:nvPr>
+            <p:ph idx="1"/>
+          </p:nvPr>
+        </p:nvSpPr>
+        <p:spPr/>
+        <p:txBody>
+          <a:bodyPr/>
+          <a:lstStyle/>
+          <a:p>
+            <a:pPr lvl="0"/>
+            <a:r>
+              <a:rPr b="1"/>
+              <a:t>Triagem:</a:t>
+            </a:r>
+            <a:r>
+              <a:rPr/>
+              <a:t> M/M/2/10</a:t>
+            </a:r>
+          </a:p>
+          <a:p>
+            <a:pPr lvl="0"/>
+            <a:r>
+              <a:rPr b="1"/>
+              <a:t>Emergência:</a:t>
+            </a:r>
+            <a:r>
+              <a:rPr/>
+              <a:t> M/M/3/8</a:t>
+            </a:r>
+          </a:p>
+          <a:p>
+            <a:pPr lvl="0"/>
+            <a:r>
+              <a:rPr b="1"/>
+              <a:t>Consulta:</a:t>
+            </a:r>
+            <a:r>
+              <a:rPr/>
+              <a:t> M/M/2/12</a:t>
+            </a:r>
+          </a:p>
+          <a:p>
+            <a:pPr lvl="0"/>
+            <a:r>
+              <a:rPr b="1"/>
+              <a:t>Internação:</a:t>
+            </a:r>
+            <a:r>
+              <a:rPr/>
+              <a:t> M/M/1/6</a:t>
+            </a:r>
+          </a:p>
+          <a:p>
+            <a:pPr lvl="0"/>
+            <a:r>
+              <a:rPr b="1"/>
+              <a:t>Alta:</a:t>
+            </a:r>
+            <a:r>
+              <a:rPr/>
+              <a:t> M/M/1/20</a:t>
             </a:r>
           </a:p>
         </p:txBody>
@@ -3273,8 +3426,8 @@
         </p:nvSpPr>
         <p:spPr>
           <a:xfrm>
-            <a:off x="457201" y="204787"/>
-            <a:ext cx="3008313" cy="871538"/>
+            <a:off x="722313" y="3305176"/>
+            <a:ext cx="7772400" cy="1021556"/>
           </a:xfrm>
         </p:spPr>
         <p:txBody>
@@ -3286,629 +3439,11 @@
             </a:pPr>
             <a:r>
               <a:rPr/>
-              <a:t>Comparação dos Resultados</a:t>
-            </a:r>
-          </a:p>
-        </p:txBody>
-      </p:sp>
-      <p:sp>
-        <p:nvSpPr>
-          <p:cNvPr id="4" name="Text Placeholder 3"/>
-          <p:cNvSpPr>
-            <a:spLocks noGrp="1"/>
-          </p:cNvSpPr>
-          <p:nvPr>
-            <p:ph idx="2" sz="half" type="body"/>
-          </p:nvPr>
-        </p:nvSpPr>
-        <p:spPr/>
-        <p:txBody>
-          <a:bodyPr/>
-          <a:lstStyle/>
-          <a:p>
-            <a:pPr lvl="0" indent="0" marL="0">
-              <a:spcBef>
-                <a:spcPts val="3000"/>
-              </a:spcBef>
-              <a:buNone/>
-            </a:pPr>
-            <a:r>
-              <a:rPr b="1"/>
-              <a:t>Melhoria nos Índices de Desempenho</a:t>
-            </a:r>
-          </a:p>
-        </p:txBody>
-      </p:sp>
-      <p:graphicFrame>
-        <p:nvGraphicFramePr>
-          <p:cNvPr id="6" name="Content Placeholder 5"/>
-          <p:cNvGraphicFramePr>
-            <a:graphicFrameLocks noGrp="1"/>
-          </p:cNvGraphicFramePr>
-          <p:nvPr>
-            <p:ph idx="1"/>
-          </p:nvPr>
-        </p:nvGraphicFramePr>
-        <p:xfrm>
-          <a:off x="3568700" y="203200"/>
-          <a:ext cx="5105400" cy="4381500"/>
-        </p:xfrm>
-        <a:graphic>
-          <a:graphicData uri="http://schemas.openxmlformats.org/drawingml/2006/table">
-            <a:tbl>
-              <a:tblPr firstRow="1" bandRow="1">
-                <a:tableStyleId>{5C22544A-7EE6-4342-B048-85BDC9FD1C3A}</a:tableStyleId>
-              </a:tblPr>
-              <a:tblGrid>
-                <a:gridCol w="342900"/>
-                <a:gridCol w="965200"/>
-                <a:gridCol w="685800"/>
-                <a:gridCol w="685800"/>
-                <a:gridCol w="1358900"/>
-                <a:gridCol w="1079500"/>
-              </a:tblGrid>
-              <a:tr h="0">
-                <a:tc>
-                  <a:txBody>
-                    <a:bodyPr/>
-                    <a:lstStyle/>
-                    <a:p>
-                      <a:pPr lvl="0" indent="0" marL="0">
-                        <a:buNone/>
-                      </a:pPr>
-                      <a:r>
-                        <a:rPr/>
-                        <a:t>Fila</a:t>
-                      </a:r>
-                    </a:p>
-                  </a:txBody>
-                  <a:tcPr/>
-                </a:tc>
-                <a:tc>
-                  <a:txBody>
-                    <a:bodyPr/>
-                    <a:lstStyle/>
-                    <a:p>
-                      <a:pPr lvl="0" indent="0" marL="0">
-                        <a:buNone/>
-                      </a:pPr>
-                      <a:r>
-                        <a:rPr/>
-                        <a:t>População Média</a:t>
-                      </a:r>
-                    </a:p>
-                  </a:txBody>
-                  <a:tcPr/>
-                </a:tc>
-                <a:tc>
-                  <a:txBody>
-                    <a:bodyPr/>
-                    <a:lstStyle/>
-                    <a:p>
-                      <a:pPr lvl="0" indent="0" marL="0">
-                        <a:buNone/>
-                      </a:pPr>
-                      <a:r>
-                        <a:rPr/>
-                        <a:t>Throughput</a:t>
-                      </a:r>
-                    </a:p>
-                  </a:txBody>
-                  <a:tcPr/>
-                </a:tc>
-                <a:tc>
-                  <a:txBody>
-                    <a:bodyPr/>
-                    <a:lstStyle/>
-                    <a:p>
-                      <a:pPr lvl="0" indent="0" marL="0">
-                        <a:buNone/>
-                      </a:pPr>
-                      <a:r>
-                        <a:rPr/>
-                        <a:t>Utilização</a:t>
-                      </a:r>
-                    </a:p>
-                  </a:txBody>
-                  <a:tcPr/>
-                </a:tc>
-                <a:tc>
-                  <a:txBody>
-                    <a:bodyPr/>
-                    <a:lstStyle/>
-                    <a:p>
-                      <a:pPr lvl="0" indent="0" marL="0">
-                        <a:buNone/>
-                      </a:pPr>
-                      <a:r>
-                        <a:rPr/>
-                        <a:t>Tempo Médio de Resposta</a:t>
-                      </a:r>
-                    </a:p>
-                  </a:txBody>
-                  <a:tcPr/>
-                </a:tc>
-                <a:tc>
-                  <a:txBody>
-                    <a:bodyPr/>
-                    <a:lstStyle/>
-                    <a:p>
-                      <a:pPr lvl="0" indent="0" marL="0">
-                        <a:buNone/>
-                      </a:pPr>
-                      <a:r>
-                        <a:rPr/>
-                        <a:t>Clientes Perdidos</a:t>
-                      </a:r>
-                    </a:p>
-                  </a:txBody>
-                  <a:tcPr/>
-                </a:tc>
-              </a:tr>
-              <a:tr h="0">
-                <a:tc>
-                  <a:txBody>
-                    <a:bodyPr/>
-                    <a:lstStyle/>
-                    <a:p>
-                      <a:pPr lvl="0" indent="0" marL="0">
-                        <a:buNone/>
-                      </a:pPr>
-                      <a:r>
-                        <a:rPr/>
-                        <a:t>Triagem</a:t>
-                      </a:r>
-                    </a:p>
-                  </a:txBody>
-                </a:tc>
-                <a:tc>
-                  <a:txBody>
-                    <a:bodyPr/>
-                    <a:lstStyle/>
-                    <a:p>
-                      <a:pPr lvl="0" indent="0" marL="0">
-                        <a:buNone/>
-                      </a:pPr>
-                      <a:r>
-                        <a:rPr/>
-                        <a:t>-18.18%</a:t>
-                      </a:r>
-                    </a:p>
-                  </a:txBody>
-                </a:tc>
-                <a:tc>
-                  <a:txBody>
-                    <a:bodyPr/>
-                    <a:lstStyle/>
-                    <a:p>
-                      <a:pPr lvl="0" indent="0" marL="0">
-                        <a:buNone/>
-                      </a:pPr>
-                      <a:r>
-                        <a:rPr/>
-                        <a:t>-2.70%</a:t>
-                      </a:r>
-                    </a:p>
-                  </a:txBody>
-                </a:tc>
-                <a:tc>
-                  <a:txBody>
-                    <a:bodyPr/>
-                    <a:lstStyle/>
-                    <a:p>
-                      <a:pPr lvl="0" indent="0" marL="0">
-                        <a:buNone/>
-                      </a:pPr>
-                      <a:r>
-                        <a:rPr/>
-                        <a:t>-45.47%</a:t>
-                      </a:r>
-                    </a:p>
-                  </a:txBody>
-                </a:tc>
-                <a:tc>
-                  <a:txBody>
-                    <a:bodyPr/>
-                    <a:lstStyle/>
-                    <a:p>
-                      <a:pPr lvl="0" indent="0" marL="0">
-                        <a:buNone/>
-                      </a:pPr>
-                      <a:r>
-                        <a:rPr/>
-                        <a:t>0.00%</a:t>
-                      </a:r>
-                    </a:p>
-                  </a:txBody>
-                </a:tc>
-                <a:tc>
-                  <a:txBody>
-                    <a:bodyPr/>
-                    <a:lstStyle/>
-                    <a:p>
-                      <a:pPr lvl="0" indent="0" marL="0">
-                        <a:buNone/>
-                      </a:pPr>
-                      <a:r>
-                        <a:rPr/>
-                        <a:t>0.00%</a:t>
-                      </a:r>
-                    </a:p>
-                  </a:txBody>
-                </a:tc>
-              </a:tr>
-              <a:tr h="0">
-                <a:tc>
-                  <a:txBody>
-                    <a:bodyPr/>
-                    <a:lstStyle/>
-                    <a:p>
-                      <a:pPr lvl="0" indent="0" marL="0">
-                        <a:buNone/>
-                      </a:pPr>
-                      <a:r>
-                        <a:rPr/>
-                        <a:t>Emergência</a:t>
-                      </a:r>
-                    </a:p>
-                  </a:txBody>
-                </a:tc>
-                <a:tc>
-                  <a:txBody>
-                    <a:bodyPr/>
-                    <a:lstStyle/>
-                    <a:p>
-                      <a:pPr lvl="0" indent="0" marL="0">
-                        <a:buNone/>
-                      </a:pPr>
-                      <a:r>
-                        <a:rPr/>
-                        <a:t>-26.09%</a:t>
-                      </a:r>
-                    </a:p>
-                  </a:txBody>
-                </a:tc>
-                <a:tc>
-                  <a:txBody>
-                    <a:bodyPr/>
-                    <a:lstStyle/>
-                    <a:p>
-                      <a:pPr lvl="0" indent="0" marL="0">
-                        <a:buNone/>
-                      </a:pPr>
-                      <a:r>
-                        <a:rPr/>
-                        <a:t>0.00%</a:t>
-                      </a:r>
-                    </a:p>
-                  </a:txBody>
-                </a:tc>
-                <a:tc>
-                  <a:txBody>
-                    <a:bodyPr/>
-                    <a:lstStyle/>
-                    <a:p>
-                      <a:pPr lvl="0" indent="0" marL="0">
-                        <a:buNone/>
-                      </a:pPr>
-                      <a:r>
-                        <a:rPr/>
-                        <a:t>-43.99%</a:t>
-                      </a:r>
-                    </a:p>
-                  </a:txBody>
-                </a:tc>
-                <a:tc>
-                  <a:txBody>
-                    <a:bodyPr/>
-                    <a:lstStyle/>
-                    <a:p>
-                      <a:pPr lvl="0" indent="0" marL="0">
-                        <a:buNone/>
-                      </a:pPr>
-                      <a:r>
-                        <a:rPr/>
-                        <a:t>-100.00%</a:t>
-                      </a:r>
-                    </a:p>
-                  </a:txBody>
-                </a:tc>
-                <a:tc>
-                  <a:txBody>
-                    <a:bodyPr/>
-                    <a:lstStyle/>
-                    <a:p>
-                      <a:pPr lvl="0" indent="0" marL="0">
-                        <a:buNone/>
-                      </a:pPr>
-                      <a:r>
-                        <a:rPr/>
-                        <a:t>0.00%</a:t>
-                      </a:r>
-                    </a:p>
-                  </a:txBody>
-                </a:tc>
-              </a:tr>
-              <a:tr h="0">
-                <a:tc>
-                  <a:txBody>
-                    <a:bodyPr/>
-                    <a:lstStyle/>
-                    <a:p>
-                      <a:pPr lvl="0" indent="0" marL="0">
-                        <a:buNone/>
-                      </a:pPr>
-                      <a:r>
-                        <a:rPr/>
-                        <a:t>Consulta</a:t>
-                      </a:r>
-                    </a:p>
-                  </a:txBody>
-                </a:tc>
-                <a:tc>
-                  <a:txBody>
-                    <a:bodyPr/>
-                    <a:lstStyle/>
-                    <a:p>
-                      <a:pPr lvl="0" indent="0" marL="0">
-                        <a:buNone/>
-                      </a:pPr>
-                      <a:r>
-                        <a:rPr/>
-                        <a:t>-33.12%</a:t>
-                      </a:r>
-                    </a:p>
-                  </a:txBody>
-                </a:tc>
-                <a:tc>
-                  <a:txBody>
-                    <a:bodyPr/>
-                    <a:lstStyle/>
-                    <a:p>
-                      <a:pPr lvl="0" indent="0" marL="0">
-                        <a:buNone/>
-                      </a:pPr>
-                      <a:r>
-                        <a:rPr/>
-                        <a:t>0.00%</a:t>
-                      </a:r>
-                    </a:p>
-                  </a:txBody>
-                </a:tc>
-                <a:tc>
-                  <a:txBody>
-                    <a:bodyPr/>
-                    <a:lstStyle/>
-                    <a:p>
-                      <a:pPr lvl="0" indent="0" marL="0">
-                        <a:buNone/>
-                      </a:pPr>
-                      <a:r>
-                        <a:rPr/>
-                        <a:t>-62.48%</a:t>
-                      </a:r>
-                    </a:p>
-                  </a:txBody>
-                </a:tc>
-                <a:tc>
-                  <a:txBody>
-                    <a:bodyPr/>
-                    <a:lstStyle/>
-                    <a:p>
-                      <a:pPr lvl="0" indent="0" marL="0">
-                        <a:buNone/>
-                      </a:pPr>
-                      <a:r>
-                        <a:rPr/>
-                        <a:t>-100.00%</a:t>
-                      </a:r>
-                    </a:p>
-                  </a:txBody>
-                </a:tc>
-                <a:tc>
-                  <a:txBody>
-                    <a:bodyPr/>
-                    <a:lstStyle/>
-                    <a:p>
-                      <a:pPr lvl="0" indent="0" marL="0">
-                        <a:buNone/>
-                      </a:pPr>
-                      <a:r>
-                        <a:rPr/>
-                        <a:t>0.00%</a:t>
-                      </a:r>
-                    </a:p>
-                  </a:txBody>
-                </a:tc>
-              </a:tr>
-              <a:tr h="0">
-                <a:tc>
-                  <a:txBody>
-                    <a:bodyPr/>
-                    <a:lstStyle/>
-                    <a:p>
-                      <a:pPr lvl="0" indent="0" marL="0">
-                        <a:buNone/>
-                      </a:pPr>
-                      <a:r>
-                        <a:rPr/>
-                        <a:t>Internação</a:t>
-                      </a:r>
-                    </a:p>
-                  </a:txBody>
-                </a:tc>
-                <a:tc>
-                  <a:txBody>
-                    <a:bodyPr/>
-                    <a:lstStyle/>
-                    <a:p>
-                      <a:pPr lvl="0" indent="0" marL="0">
-                        <a:buNone/>
-                      </a:pPr>
-                      <a:r>
-                        <a:rPr/>
-                        <a:t>+115.18%</a:t>
-                      </a:r>
-                    </a:p>
-                  </a:txBody>
-                </a:tc>
-                <a:tc>
-                  <a:txBody>
-                    <a:bodyPr/>
-                    <a:lstStyle/>
-                    <a:p>
-                      <a:pPr lvl="0" indent="0" marL="0">
-                        <a:buNone/>
-                      </a:pPr>
-                      <a:r>
-                        <a:rPr/>
-                        <a:t>+428.57%</a:t>
-                      </a:r>
-                    </a:p>
-                  </a:txBody>
-                </a:tc>
-                <a:tc>
-                  <a:txBody>
-                    <a:bodyPr/>
-                    <a:lstStyle/>
-                    <a:p>
-                      <a:pPr lvl="0" indent="0" marL="0">
-                        <a:buNone/>
-                      </a:pPr>
-                      <a:r>
-                        <a:rPr/>
-                        <a:t>-0.13%</a:t>
-                      </a:r>
-                    </a:p>
-                  </a:txBody>
-                </a:tc>
-                <a:tc>
-                  <a:txBody>
-                    <a:bodyPr/>
-                    <a:lstStyle/>
-                    <a:p>
-                      <a:pPr lvl="0" indent="0" marL="0">
-                        <a:buNone/>
-                      </a:pPr>
-                      <a:r>
-                        <a:rPr/>
-                        <a:t>-65.30%</a:t>
-                      </a:r>
-                    </a:p>
-                  </a:txBody>
-                </a:tc>
-                <a:tc>
-                  <a:txBody>
-                    <a:bodyPr/>
-                    <a:lstStyle/>
-                    <a:p>
-                      <a:pPr lvl="0" indent="0" marL="0">
-                        <a:buNone/>
-                      </a:pPr>
-                      <a:r>
-                        <a:rPr/>
-                        <a:t>-91.23%</a:t>
-                      </a:r>
-                    </a:p>
-                  </a:txBody>
-                </a:tc>
-              </a:tr>
-              <a:tr h="0">
-                <a:tc>
-                  <a:txBody>
-                    <a:bodyPr/>
-                    <a:lstStyle/>
-                    <a:p>
-                      <a:pPr lvl="0" indent="0" marL="0">
-                        <a:buNone/>
-                      </a:pPr>
-                      <a:r>
-                        <a:rPr/>
-                        <a:t>Alta</a:t>
-                      </a:r>
-                    </a:p>
-                  </a:txBody>
-                </a:tc>
-                <a:tc>
-                  <a:txBody>
-                    <a:bodyPr/>
-                    <a:lstStyle/>
-                    <a:p>
-                      <a:pPr lvl="0" indent="0" marL="0">
-                        <a:buNone/>
-                      </a:pPr>
-                      <a:r>
-                        <a:rPr/>
-                        <a:t>+3.57%</a:t>
-                      </a:r>
-                    </a:p>
-                  </a:txBody>
-                </a:tc>
-                <a:tc>
-                  <a:txBody>
-                    <a:bodyPr/>
-                    <a:lstStyle/>
-                    <a:p>
-                      <a:pPr lvl="0" indent="0" marL="0">
-                        <a:buNone/>
-                      </a:pPr>
-                      <a:r>
-                        <a:rPr/>
-                        <a:t>+32.79%</a:t>
-                      </a:r>
-                    </a:p>
-                  </a:txBody>
-                </a:tc>
-                <a:tc>
-                  <a:txBody>
-                    <a:bodyPr/>
-                    <a:lstStyle/>
-                    <a:p>
-                      <a:pPr lvl="0" indent="0" marL="0">
-                        <a:buNone/>
-                      </a:pPr>
-                      <a:r>
-                        <a:rPr/>
-                        <a:t>-43.03%</a:t>
-                      </a:r>
-                    </a:p>
-                  </a:txBody>
-                </a:tc>
-                <a:tc>
-                  <a:txBody>
-                    <a:bodyPr/>
-                    <a:lstStyle/>
-                    <a:p>
-                      <a:pPr lvl="0" indent="0" marL="0">
-                        <a:buNone/>
-                      </a:pPr>
-                      <a:r>
-                        <a:rPr/>
-                        <a:t>-94.44%</a:t>
-                      </a:r>
-                    </a:p>
-                  </a:txBody>
-                </a:tc>
-                <a:tc>
-                  <a:txBody>
-                    <a:bodyPr/>
-                    <a:lstStyle/>
-                    <a:p>
-                      <a:pPr lvl="0" indent="0" marL="0">
-                        <a:buNone/>
-                      </a:pPr>
-                      <a:r>
-                        <a:rPr/>
-                        <a:t>0.00%</a:t>
-                      </a:r>
-                    </a:p>
-                  </a:txBody>
-                </a:tc>
-              </a:tr>
-            </a:tbl>
-          </a:graphicData>
-        </a:graphic>
-      </p:graphicFrame>
+              <a:t>Resultados da Simulação - Modelo Original</a:t>
+            </a:r>
+          </a:p>
+        </p:txBody>
+      </p:sp>
     </p:spTree>
   </p:cSld>
 </p:sld>
@@ -3951,218 +3486,601 @@
             </a:pPr>
             <a:r>
               <a:rPr/>
-              <a:t>Conclusões</a:t>
-            </a:r>
-          </a:p>
-        </p:txBody>
-      </p:sp>
-      <p:sp>
-        <p:nvSpPr>
-          <p:cNvPr id="3" name="Content Placeholder 2"/>
-          <p:cNvSpPr>
-            <a:spLocks noGrp="1"/>
-          </p:cNvSpPr>
+              <a:t>Métricas de Desempenho</a:t>
+            </a:r>
+          </a:p>
+        </p:txBody>
+      </p:sp>
+      <p:graphicFrame>
+        <p:nvGraphicFramePr>
+          <p:cNvPr id="6" name="Content Placeholder 5"/>
+          <p:cNvGraphicFramePr>
+            <a:graphicFrameLocks noGrp="1"/>
+          </p:cNvGraphicFramePr>
           <p:nvPr>
             <p:ph idx="1"/>
           </p:nvPr>
-        </p:nvSpPr>
-        <p:spPr/>
-        <p:txBody>
-          <a:bodyPr/>
-          <a:lstStyle/>
-          <a:p>
-            <a:pPr lvl="0" indent="-342900" marL="342900">
-              <a:buAutoNum type="arabicPeriod"/>
-            </a:pPr>
-            <a:r>
-              <a:rPr b="1"/>
-              <a:t>Impacto das Melhorias</a:t>
-            </a:r>
-            <a:r>
-              <a:rPr/>
-              <a:t>:</a:t>
-            </a:r>
-          </a:p>
-          <a:p>
-            <a:pPr lvl="1"/>
-            <a:r>
-              <a:rPr/>
-              <a:t>Redução de 65.30% no tempo médio de resposta da internação</a:t>
-            </a:r>
-          </a:p>
-          <a:p>
-            <a:pPr lvl="1"/>
-            <a:r>
-              <a:rPr/>
-              <a:t>Redução de 91.23% nos clientes perdidos (de 7066 para 620)</a:t>
-            </a:r>
-          </a:p>
-          <a:p>
-            <a:pPr lvl="1"/>
-            <a:r>
-              <a:rPr/>
-              <a:t>Aumento de 428.57% no throughput da internação</a:t>
-            </a:r>
-          </a:p>
-          <a:p>
-            <a:pPr lvl="1"/>
-            <a:r>
-              <a:rPr/>
-              <a:t>Melhoria significativa na utilização das filas de triagem (-45.47%) e alta (-43.03%)</a:t>
-            </a:r>
-          </a:p>
-          <a:p>
-            <a:pPr lvl="0" indent="-342900" marL="342900">
-              <a:buAutoNum type="arabicPeriod"/>
-            </a:pPr>
-            <a:r>
-              <a:rPr b="1"/>
-              <a:t>Custos vs. Benefícios</a:t>
-            </a:r>
-            <a:r>
-              <a:rPr/>
-              <a:t>:</a:t>
-            </a:r>
-          </a:p>
-          <a:p>
-            <a:pPr lvl="1"/>
-            <a:r>
-              <a:rPr/>
-              <a:t>Aumento no número de servidores: +8 servidores</a:t>
-            </a:r>
-          </a:p>
-          <a:p>
-            <a:pPr lvl="1"/>
-            <a:r>
-              <a:rPr/>
-              <a:t>Aumento na capacidade das filas: +21 posições</a:t>
-            </a:r>
-          </a:p>
-          <a:p>
-            <a:pPr lvl="1"/>
-            <a:r>
-              <a:rPr/>
-              <a:t>Melhoria no tempo de atendimento: redução significativa em todas as filas</a:t>
-            </a:r>
-          </a:p>
-          <a:p>
-            <a:pPr lvl="1"/>
-            <a:r>
-              <a:rPr/>
-              <a:t>Redução drástica de clientes perdidos: -91.23%</a:t>
-            </a:r>
-          </a:p>
-          <a:p>
-            <a:pPr lvl="0" indent="-342900" marL="342900">
-              <a:buAutoNum type="arabicPeriod"/>
-            </a:pPr>
-            <a:r>
-              <a:rPr b="1"/>
-              <a:t>Recomendações Adicionais</a:t>
-            </a:r>
-            <a:r>
-              <a:rPr/>
-              <a:t>:</a:t>
-            </a:r>
-          </a:p>
-          <a:p>
-            <a:pPr lvl="1"/>
-            <a:r>
-              <a:rPr b="1"/>
-              <a:t>Curto Prazo</a:t>
-            </a:r>
-            <a:r>
-              <a:rPr/>
-              <a:t>:</a:t>
-            </a:r>
-          </a:p>
-          <a:p>
-            <a:pPr lvl="2"/>
-            <a:r>
-              <a:rPr/>
-              <a:t>Implementar sistema de priorização de pacientes</a:t>
-            </a:r>
-          </a:p>
-          <a:p>
-            <a:pPr lvl="2"/>
-            <a:r>
-              <a:rPr/>
-              <a:t>Desenvolver protocolos para gestão de picos de demanda</a:t>
-            </a:r>
-          </a:p>
-          <a:p>
-            <a:pPr lvl="2"/>
-            <a:r>
-              <a:rPr/>
-              <a:t>Estabelecer indicadores de monitoramento contínuo</a:t>
-            </a:r>
-          </a:p>
-          <a:p>
-            <a:pPr lvl="1"/>
-            <a:r>
-              <a:rPr b="1"/>
-              <a:t>Médio Prazo</a:t>
-            </a:r>
-            <a:r>
-              <a:rPr/>
-              <a:t>:</a:t>
-            </a:r>
-          </a:p>
-          <a:p>
-            <a:pPr lvl="2"/>
-            <a:r>
-              <a:rPr/>
-              <a:t>Avaliar implementação de telemedicina</a:t>
-            </a:r>
-          </a:p>
-          <a:p>
-            <a:pPr lvl="2"/>
-            <a:r>
-              <a:rPr/>
-              <a:t>Desenvolver parcerias com outros hospitais</a:t>
-            </a:r>
-          </a:p>
-          <a:p>
-            <a:pPr lvl="2"/>
-            <a:r>
-              <a:rPr/>
-              <a:t>Criar programa de gestão de leitos</a:t>
-            </a:r>
-          </a:p>
-          <a:p>
-            <a:pPr lvl="1"/>
-            <a:r>
-              <a:rPr b="1"/>
-              <a:t>Longo Prazo</a:t>
-            </a:r>
-            <a:r>
-              <a:rPr/>
-              <a:t>:</a:t>
-            </a:r>
-          </a:p>
-          <a:p>
-            <a:pPr lvl="2"/>
-            <a:r>
-              <a:rPr/>
-              <a:t>Planejamento para expansão física do setor de internação</a:t>
-            </a:r>
-          </a:p>
-          <a:p>
-            <a:pPr lvl="2"/>
-            <a:r>
-              <a:rPr/>
-              <a:t>Implementação de sistemas preditivos de demanda</a:t>
-            </a:r>
-          </a:p>
-          <a:p>
-            <a:pPr lvl="2"/>
-            <a:r>
-              <a:rPr/>
-              <a:t>Desenvolvimento de protocolos de alta eficiente</a:t>
-            </a:r>
-          </a:p>
-        </p:txBody>
-      </p:sp>
+        </p:nvGraphicFramePr>
+        <p:xfrm>
+          <a:off x="457200" y="1193800"/>
+          <a:ext cx="8229600" cy="3390900"/>
+        </p:xfrm>
+        <a:graphic>
+          <a:graphicData uri="http://schemas.openxmlformats.org/drawingml/2006/table">
+            <a:tbl>
+              <a:tblPr firstRow="1" bandRow="1">
+                <a:tableStyleId>{5C22544A-7EE6-4342-B048-85BDC9FD1C3A}</a:tableStyleId>
+              </a:tblPr>
+              <a:tblGrid>
+                <a:gridCol w="584200"/>
+                <a:gridCol w="1651000"/>
+                <a:gridCol w="1155700"/>
+                <a:gridCol w="1155700"/>
+                <a:gridCol w="1841500"/>
+                <a:gridCol w="1841500"/>
+              </a:tblGrid>
+              <a:tr h="0">
+                <a:tc>
+                  <a:txBody>
+                    <a:bodyPr/>
+                    <a:lstStyle/>
+                    <a:p>
+                      <a:pPr lvl="0" indent="0" marL="0">
+                        <a:buNone/>
+                      </a:pPr>
+                      <a:r>
+                        <a:rPr/>
+                        <a:t>Fila</a:t>
+                      </a:r>
+                    </a:p>
+                  </a:txBody>
+                  <a:tcPr/>
+                </a:tc>
+                <a:tc>
+                  <a:txBody>
+                    <a:bodyPr/>
+                    <a:lstStyle/>
+                    <a:p>
+                      <a:pPr lvl="0" indent="0" marL="0">
+                        <a:buNone/>
+                      </a:pPr>
+                      <a:r>
+                        <a:rPr/>
+                        <a:t>População Média</a:t>
+                      </a:r>
+                    </a:p>
+                  </a:txBody>
+                  <a:tcPr/>
+                </a:tc>
+                <a:tc>
+                  <a:txBody>
+                    <a:bodyPr/>
+                    <a:lstStyle/>
+                    <a:p>
+                      <a:pPr lvl="0" indent="0" marL="0">
+                        <a:buNone/>
+                      </a:pPr>
+                      <a:r>
+                        <a:rPr/>
+                        <a:t>Throughput</a:t>
+                      </a:r>
+                    </a:p>
+                  </a:txBody>
+                  <a:tcPr/>
+                </a:tc>
+                <a:tc>
+                  <a:txBody>
+                    <a:bodyPr/>
+                    <a:lstStyle/>
+                    <a:p>
+                      <a:pPr lvl="0" indent="0" marL="0">
+                        <a:buNone/>
+                      </a:pPr>
+                      <a:r>
+                        <a:rPr/>
+                        <a:t>Utilização</a:t>
+                      </a:r>
+                    </a:p>
+                  </a:txBody>
+                  <a:tcPr/>
+                </a:tc>
+                <a:tc>
+                  <a:txBody>
+                    <a:bodyPr/>
+                    <a:lstStyle/>
+                    <a:p>
+                      <a:pPr lvl="0" indent="0" marL="0">
+                        <a:buNone/>
+                      </a:pPr>
+                      <a:r>
+                        <a:rPr/>
+                        <a:t>Tempo de Resposta</a:t>
+                      </a:r>
+                    </a:p>
+                  </a:txBody>
+                  <a:tcPr/>
+                </a:tc>
+                <a:tc>
+                  <a:txBody>
+                    <a:bodyPr/>
+                    <a:lstStyle/>
+                    <a:p>
+                      <a:pPr lvl="0" indent="0" marL="0">
+                        <a:buNone/>
+                      </a:pPr>
+                      <a:r>
+                        <a:rPr/>
+                        <a:t>Clientes Perdidos</a:t>
+                      </a:r>
+                    </a:p>
+                  </a:txBody>
+                  <a:tcPr/>
+                </a:tc>
+              </a:tr>
+              <a:tr h="0">
+                <a:tc>
+                  <a:txBody>
+                    <a:bodyPr/>
+                    <a:lstStyle/>
+                    <a:p>
+                      <a:pPr lvl="0" indent="0" marL="0">
+                        <a:buNone/>
+                      </a:pPr>
+                      <a:r>
+                        <a:rPr/>
+                        <a:t>Triagem</a:t>
+                      </a:r>
+                    </a:p>
+                  </a:txBody>
+                </a:tc>
+                <a:tc>
+                  <a:txBody>
+                    <a:bodyPr/>
+                    <a:lstStyle/>
+                    <a:p>
+                      <a:pPr lvl="0" indent="0" marL="0">
+                        <a:buNone/>
+                      </a:pPr>
+                      <a:r>
+                        <a:rPr/>
+                        <a:t>0.55</a:t>
+                      </a:r>
+                    </a:p>
+                  </a:txBody>
+                </a:tc>
+                <a:tc>
+                  <a:txBody>
+                    <a:bodyPr/>
+                    <a:lstStyle/>
+                    <a:p>
+                      <a:pPr lvl="0" indent="0" marL="0">
+                        <a:buNone/>
+                      </a:pPr>
+                      <a:r>
+                        <a:rPr/>
+                        <a:t>0.1000</a:t>
+                      </a:r>
+                    </a:p>
+                  </a:txBody>
+                </a:tc>
+                <a:tc>
+                  <a:txBody>
+                    <a:bodyPr/>
+                    <a:lstStyle/>
+                    <a:p>
+                      <a:pPr lvl="0" indent="0" marL="0">
+                        <a:buNone/>
+                      </a:pPr>
+                      <a:r>
+                        <a:rPr/>
+                        <a:t>27.48%</a:t>
+                      </a:r>
+                    </a:p>
+                  </a:txBody>
+                </a:tc>
+                <a:tc>
+                  <a:txBody>
+                    <a:bodyPr/>
+                    <a:lstStyle/>
+                    <a:p>
+                      <a:pPr lvl="0" indent="0" marL="0">
+                        <a:buNone/>
+                      </a:pPr>
+                      <a:r>
+                        <a:rPr/>
+                        <a:t>0.00 min</a:t>
+                      </a:r>
+                    </a:p>
+                  </a:txBody>
+                </a:tc>
+                <a:tc>
+                  <a:txBody>
+                    <a:bodyPr/>
+                    <a:lstStyle/>
+                    <a:p>
+                      <a:pPr lvl="0" indent="0" marL="0">
+                        <a:buNone/>
+                      </a:pPr>
+                      <a:r>
+                        <a:rPr/>
+                        <a:t>0</a:t>
+                      </a:r>
+                    </a:p>
+                  </a:txBody>
+                </a:tc>
+              </a:tr>
+              <a:tr h="0">
+                <a:tc>
+                  <a:txBody>
+                    <a:bodyPr/>
+                    <a:lstStyle/>
+                    <a:p>
+                      <a:pPr lvl="0" indent="0" marL="0">
+                        <a:buNone/>
+                      </a:pPr>
+                      <a:r>
+                        <a:rPr/>
+                        <a:t>Emergência</a:t>
+                      </a:r>
+                    </a:p>
+                  </a:txBody>
+                </a:tc>
+                <a:tc>
+                  <a:txBody>
+                    <a:bodyPr/>
+                    <a:lstStyle/>
+                    <a:p>
+                      <a:pPr lvl="0" indent="0" marL="0">
+                        <a:buNone/>
+                      </a:pPr>
+                      <a:r>
+                        <a:rPr/>
+                        <a:t>0.92</a:t>
+                      </a:r>
+                    </a:p>
+                  </a:txBody>
+                </a:tc>
+                <a:tc>
+                  <a:txBody>
+                    <a:bodyPr/>
+                    <a:lstStyle/>
+                    <a:p>
+                      <a:pPr lvl="0" indent="0" marL="0">
+                        <a:buNone/>
+                      </a:pPr>
+                      <a:r>
+                        <a:rPr/>
+                        <a:t>0.0304</a:t>
+                      </a:r>
+                    </a:p>
+                  </a:txBody>
+                </a:tc>
+                <a:tc>
+                  <a:txBody>
+                    <a:bodyPr/>
+                    <a:lstStyle/>
+                    <a:p>
+                      <a:pPr lvl="0" indent="0" marL="0">
+                        <a:buNone/>
+                      </a:pPr>
+                      <a:r>
+                        <a:rPr/>
+                        <a:t>30.53%</a:t>
+                      </a:r>
+                    </a:p>
+                  </a:txBody>
+                </a:tc>
+                <a:tc>
+                  <a:txBody>
+                    <a:bodyPr/>
+                    <a:lstStyle/>
+                    <a:p>
+                      <a:pPr lvl="0" indent="0" marL="0">
+                        <a:buNone/>
+                      </a:pPr>
+                      <a:r>
+                        <a:rPr/>
+                        <a:t>0.14 min</a:t>
+                      </a:r>
+                    </a:p>
+                  </a:txBody>
+                </a:tc>
+                <a:tc>
+                  <a:txBody>
+                    <a:bodyPr/>
+                    <a:lstStyle/>
+                    <a:p>
+                      <a:pPr lvl="0" indent="0" marL="0">
+                        <a:buNone/>
+                      </a:pPr>
+                      <a:r>
+                        <a:rPr/>
+                        <a:t>0</a:t>
+                      </a:r>
+                    </a:p>
+                  </a:txBody>
+                </a:tc>
+              </a:tr>
+              <a:tr h="0">
+                <a:tc>
+                  <a:txBody>
+                    <a:bodyPr/>
+                    <a:lstStyle/>
+                    <a:p>
+                      <a:pPr lvl="0" indent="0" marL="0">
+                        <a:buNone/>
+                      </a:pPr>
+                      <a:r>
+                        <a:rPr/>
+                        <a:t>Consulta</a:t>
+                      </a:r>
+                    </a:p>
+                  </a:txBody>
+                </a:tc>
+                <a:tc>
+                  <a:txBody>
+                    <a:bodyPr/>
+                    <a:lstStyle/>
+                    <a:p>
+                      <a:pPr lvl="0" indent="0" marL="0">
+                        <a:buNone/>
+                      </a:pPr>
+                      <a:r>
+                        <a:rPr/>
+                        <a:t>1.57</a:t>
+                      </a:r>
+                    </a:p>
+                  </a:txBody>
+                </a:tc>
+                <a:tc>
+                  <a:txBody>
+                    <a:bodyPr/>
+                    <a:lstStyle/>
+                    <a:p>
+                      <a:pPr lvl="0" indent="0" marL="0">
+                        <a:buNone/>
+                      </a:pPr>
+                      <a:r>
+                        <a:rPr/>
+                        <a:t>0.0696</a:t>
+                      </a:r>
+                    </a:p>
+                  </a:txBody>
+                </a:tc>
+                <a:tc>
+                  <a:txBody>
+                    <a:bodyPr/>
+                    <a:lstStyle/>
+                    <a:p>
+                      <a:pPr lvl="0" indent="0" marL="0">
+                        <a:buNone/>
+                      </a:pPr>
+                      <a:r>
+                        <a:rPr/>
+                        <a:t>69.78%</a:t>
+                      </a:r>
+                    </a:p>
+                  </a:txBody>
+                </a:tc>
+                <a:tc>
+                  <a:txBody>
+                    <a:bodyPr/>
+                    <a:lstStyle/>
+                    <a:p>
+                      <a:pPr lvl="0" indent="0" marL="0">
+                        <a:buNone/>
+                      </a:pPr>
+                      <a:r>
+                        <a:rPr/>
+                        <a:t>2.44 min</a:t>
+                      </a:r>
+                    </a:p>
+                  </a:txBody>
+                </a:tc>
+                <a:tc>
+                  <a:txBody>
+                    <a:bodyPr/>
+                    <a:lstStyle/>
+                    <a:p>
+                      <a:pPr lvl="0" indent="0" marL="0">
+                        <a:buNone/>
+                      </a:pPr>
+                      <a:r>
+                        <a:rPr/>
+                        <a:t>0</a:t>
+                      </a:r>
+                    </a:p>
+                  </a:txBody>
+                </a:tc>
+              </a:tr>
+              <a:tr h="0">
+                <a:tc>
+                  <a:txBody>
+                    <a:bodyPr/>
+                    <a:lstStyle/>
+                    <a:p>
+                      <a:pPr lvl="0" indent="0" marL="0">
+                        <a:buNone/>
+                      </a:pPr>
+                      <a:r>
+                        <a:rPr/>
+                        <a:t>Internação</a:t>
+                      </a:r>
+                    </a:p>
+                  </a:txBody>
+                </a:tc>
+                <a:tc>
+                  <a:txBody>
+                    <a:bodyPr/>
+                    <a:lstStyle/>
+                    <a:p>
+                      <a:pPr lvl="0" indent="0" marL="0">
+                        <a:buNone/>
+                      </a:pPr>
+                      <a:r>
+                        <a:rPr/>
+                        <a:t>6.85</a:t>
+                      </a:r>
+                    </a:p>
+                  </a:txBody>
+                </a:tc>
+                <a:tc>
+                  <a:txBody>
+                    <a:bodyPr/>
+                    <a:lstStyle/>
+                    <a:p>
+                      <a:pPr lvl="0" indent="0" marL="0">
+                        <a:buNone/>
+                      </a:pPr>
+                      <a:r>
+                        <a:rPr/>
+                        <a:t>0.0056</a:t>
+                      </a:r>
+                    </a:p>
+                  </a:txBody>
+                </a:tc>
+                <a:tc>
+                  <a:txBody>
+                    <a:bodyPr/>
+                    <a:lstStyle/>
+                    <a:p>
+                      <a:pPr lvl="0" indent="0" marL="0">
+                        <a:buNone/>
+                      </a:pPr>
+                      <a:r>
+                        <a:rPr/>
+                        <a:t>99.99%</a:t>
+                      </a:r>
+                    </a:p>
+                  </a:txBody>
+                </a:tc>
+                <a:tc>
+                  <a:txBody>
+                    <a:bodyPr/>
+                    <a:lstStyle/>
+                    <a:p>
+                      <a:pPr lvl="0" indent="0" marL="0">
+                        <a:buNone/>
+                      </a:pPr>
+                      <a:r>
+                        <a:rPr/>
+                        <a:t>1047.94 min</a:t>
+                      </a:r>
+                    </a:p>
+                  </a:txBody>
+                </a:tc>
+                <a:tc>
+                  <a:txBody>
+                    <a:bodyPr/>
+                    <a:lstStyle/>
+                    <a:p>
+                      <a:pPr lvl="0" indent="0" marL="0">
+                        <a:buNone/>
+                      </a:pPr>
+                      <a:r>
+                        <a:rPr/>
+                        <a:t>7066</a:t>
+                      </a:r>
+                    </a:p>
+                  </a:txBody>
+                </a:tc>
+              </a:tr>
+              <a:tr h="0">
+                <a:tc>
+                  <a:txBody>
+                    <a:bodyPr/>
+                    <a:lstStyle/>
+                    <a:p>
+                      <a:pPr lvl="0" indent="0" marL="0">
+                        <a:buNone/>
+                      </a:pPr>
+                      <a:r>
+                        <a:rPr/>
+                        <a:t>Alta</a:t>
+                      </a:r>
+                    </a:p>
+                  </a:txBody>
+                </a:tc>
+                <a:tc>
+                  <a:txBody>
+                    <a:bodyPr/>
+                    <a:lstStyle/>
+                    <a:p>
+                      <a:pPr lvl="0" indent="0" marL="0">
+                        <a:buNone/>
+                      </a:pPr>
+                      <a:r>
+                        <a:rPr/>
+                        <a:t>0.28</a:t>
+                      </a:r>
+                    </a:p>
+                  </a:txBody>
+                </a:tc>
+                <a:tc>
+                  <a:txBody>
+                    <a:bodyPr/>
+                    <a:lstStyle/>
+                    <a:p>
+                      <a:pPr lvl="0" indent="0" marL="0">
+                        <a:buNone/>
+                      </a:pPr>
+                      <a:r>
+                        <a:rPr/>
+                        <a:t>0.0732</a:t>
+                      </a:r>
+                    </a:p>
+                  </a:txBody>
+                </a:tc>
+                <a:tc>
+                  <a:txBody>
+                    <a:bodyPr/>
+                    <a:lstStyle/>
+                    <a:p>
+                      <a:pPr lvl="0" indent="0" marL="0">
+                        <a:buNone/>
+                      </a:pPr>
+                      <a:r>
+                        <a:rPr/>
+                        <a:t>25.61%</a:t>
+                      </a:r>
+                    </a:p>
+                  </a:txBody>
+                </a:tc>
+                <a:tc>
+                  <a:txBody>
+                    <a:bodyPr/>
+                    <a:lstStyle/>
+                    <a:p>
+                      <a:pPr lvl="0" indent="0" marL="0">
+                        <a:buNone/>
+                      </a:pPr>
+                      <a:r>
+                        <a:rPr/>
+                        <a:t>0.36 min</a:t>
+                      </a:r>
+                    </a:p>
+                  </a:txBody>
+                </a:tc>
+                <a:tc>
+                  <a:txBody>
+                    <a:bodyPr/>
+                    <a:lstStyle/>
+                    <a:p>
+                      <a:pPr lvl="0" indent="0" marL="0">
+                        <a:buNone/>
+                      </a:pPr>
+                      <a:r>
+                        <a:rPr/>
+                        <a:t>0</a:t>
+                      </a:r>
+                    </a:p>
+                  </a:txBody>
+                </a:tc>
+              </a:tr>
+            </a:tbl>
+          </a:graphicData>
+        </a:graphic>
+      </p:graphicFrame>
     </p:spTree>
   </p:cSld>
 </p:sld>
@@ -4205,54 +4123,1178 @@
             </a:pPr>
             <a:r>
               <a:rPr/>
-              <a:t>Referências</a:t>
-            </a:r>
-          </a:p>
-        </p:txBody>
-      </p:sp>
-      <p:sp>
-        <p:nvSpPr>
-          <p:cNvPr id="3" name="Content Placeholder 2"/>
-          <p:cNvSpPr>
-            <a:spLocks noGrp="1"/>
-          </p:cNvSpPr>
+              <a:t>Distribuição de Estados - Fila de Internação</a:t>
+            </a:r>
+          </a:p>
+        </p:txBody>
+      </p:sp>
+      <p:graphicFrame>
+        <p:nvGraphicFramePr>
+          <p:cNvPr id="6" name="Content Placeholder 5"/>
+          <p:cNvGraphicFramePr>
+            <a:graphicFrameLocks noGrp="1"/>
+          </p:cNvGraphicFramePr>
           <p:nvPr>
             <p:ph idx="1"/>
           </p:nvPr>
-        </p:nvSpPr>
-        <p:spPr/>
+        </p:nvGraphicFramePr>
+        <p:xfrm>
+          <a:off x="457200" y="1193800"/>
+          <a:ext cx="8229600" cy="3390900"/>
+        </p:xfrm>
+        <a:graphic>
+          <a:graphicData uri="http://schemas.openxmlformats.org/drawingml/2006/table">
+            <a:tbl>
+              <a:tblPr firstRow="1" bandRow="1">
+                <a:tableStyleId>{5C22544A-7EE6-4342-B048-85BDC9FD1C3A}</a:tableStyleId>
+              </a:tblPr>
+              <a:tblGrid>
+                <a:gridCol w="4114800"/>
+                <a:gridCol w="4114800"/>
+              </a:tblGrid>
+              <a:tr h="0">
+                <a:tc>
+                  <a:txBody>
+                    <a:bodyPr/>
+                    <a:lstStyle/>
+                    <a:p>
+                      <a:pPr lvl="0" indent="0" marL="0">
+                        <a:buNone/>
+                      </a:pPr>
+                      <a:r>
+                        <a:rPr/>
+                        <a:t>Estado</a:t>
+                      </a:r>
+                    </a:p>
+                  </a:txBody>
+                  <a:tcPr/>
+                </a:tc>
+                <a:tc>
+                  <a:txBody>
+                    <a:bodyPr/>
+                    <a:lstStyle/>
+                    <a:p>
+                      <a:pPr lvl="0" indent="0" marL="0">
+                        <a:buNone/>
+                      </a:pPr>
+                      <a:r>
+                        <a:rPr/>
+                        <a:t>Probabilidade</a:t>
+                      </a:r>
+                    </a:p>
+                  </a:txBody>
+                  <a:tcPr/>
+                </a:tc>
+              </a:tr>
+              <a:tr h="0">
+                <a:tc>
+                  <a:txBody>
+                    <a:bodyPr/>
+                    <a:lstStyle/>
+                    <a:p>
+                      <a:pPr lvl="0" indent="0" marL="0">
+                        <a:buNone/>
+                      </a:pPr>
+                      <a:r>
+                        <a:rPr/>
+                        <a:t>0</a:t>
+                      </a:r>
+                    </a:p>
+                  </a:txBody>
+                </a:tc>
+                <a:tc>
+                  <a:txBody>
+                    <a:bodyPr/>
+                    <a:lstStyle/>
+                    <a:p>
+                      <a:pPr lvl="0" indent="0" marL="0">
+                        <a:buNone/>
+                      </a:pPr>
+                      <a:r>
+                        <a:rPr/>
+                        <a:t>0.03%</a:t>
+                      </a:r>
+                    </a:p>
+                  </a:txBody>
+                </a:tc>
+              </a:tr>
+              <a:tr h="0">
+                <a:tc>
+                  <a:txBody>
+                    <a:bodyPr/>
+                    <a:lstStyle/>
+                    <a:p>
+                      <a:pPr lvl="0" indent="0" marL="0">
+                        <a:buNone/>
+                      </a:pPr>
+                      <a:r>
+                        <a:rPr/>
+                        <a:t>1</a:t>
+                      </a:r>
+                    </a:p>
+                  </a:txBody>
+                </a:tc>
+                <a:tc>
+                  <a:txBody>
+                    <a:bodyPr/>
+                    <a:lstStyle/>
+                    <a:p>
+                      <a:pPr lvl="0" indent="0" marL="0">
+                        <a:buNone/>
+                      </a:pPr>
+                      <a:r>
+                        <a:rPr/>
+                        <a:t>0.02%</a:t>
+                      </a:r>
+                    </a:p>
+                  </a:txBody>
+                </a:tc>
+              </a:tr>
+              <a:tr h="0">
+                <a:tc>
+                  <a:txBody>
+                    <a:bodyPr/>
+                    <a:lstStyle/>
+                    <a:p>
+                      <a:pPr lvl="0" indent="0" marL="0">
+                        <a:buNone/>
+                      </a:pPr>
+                      <a:r>
+                        <a:rPr/>
+                        <a:t>2</a:t>
+                      </a:r>
+                    </a:p>
+                  </a:txBody>
+                </a:tc>
+                <a:tc>
+                  <a:txBody>
+                    <a:bodyPr/>
+                    <a:lstStyle/>
+                    <a:p>
+                      <a:pPr lvl="0" indent="0" marL="0">
+                        <a:buNone/>
+                      </a:pPr>
+                      <a:r>
+                        <a:rPr/>
+                        <a:t>0.01%</a:t>
+                      </a:r>
+                    </a:p>
+                  </a:txBody>
+                </a:tc>
+              </a:tr>
+              <a:tr h="0">
+                <a:tc>
+                  <a:txBody>
+                    <a:bodyPr/>
+                    <a:lstStyle/>
+                    <a:p>
+                      <a:pPr lvl="0" indent="0" marL="0">
+                        <a:buNone/>
+                      </a:pPr>
+                      <a:r>
+                        <a:rPr/>
+                        <a:t>3</a:t>
+                      </a:r>
+                    </a:p>
+                  </a:txBody>
+                </a:tc>
+                <a:tc>
+                  <a:txBody>
+                    <a:bodyPr/>
+                    <a:lstStyle/>
+                    <a:p>
+                      <a:pPr lvl="0" indent="0" marL="0">
+                        <a:buNone/>
+                      </a:pPr>
+                      <a:r>
+                        <a:rPr/>
+                        <a:t>0.04%</a:t>
+                      </a:r>
+                    </a:p>
+                  </a:txBody>
+                </a:tc>
+              </a:tr>
+              <a:tr h="0">
+                <a:tc>
+                  <a:txBody>
+                    <a:bodyPr/>
+                    <a:lstStyle/>
+                    <a:p>
+                      <a:pPr lvl="0" indent="0" marL="0">
+                        <a:buNone/>
+                      </a:pPr>
+                      <a:r>
+                        <a:rPr/>
+                        <a:t>4</a:t>
+                      </a:r>
+                    </a:p>
+                  </a:txBody>
+                </a:tc>
+                <a:tc>
+                  <a:txBody>
+                    <a:bodyPr/>
+                    <a:lstStyle/>
+                    <a:p>
+                      <a:pPr lvl="0" indent="0" marL="0">
+                        <a:buNone/>
+                      </a:pPr>
+                      <a:r>
+                        <a:rPr/>
+                        <a:t>0.01%</a:t>
+                      </a:r>
+                    </a:p>
+                  </a:txBody>
+                </a:tc>
+              </a:tr>
+              <a:tr h="0">
+                <a:tc>
+                  <a:txBody>
+                    <a:bodyPr/>
+                    <a:lstStyle/>
+                    <a:p>
+                      <a:pPr lvl="0" indent="0" marL="0">
+                        <a:buNone/>
+                      </a:pPr>
+                      <a:r>
+                        <a:rPr/>
+                        <a:t>5</a:t>
+                      </a:r>
+                    </a:p>
+                  </a:txBody>
+                </a:tc>
+                <a:tc>
+                  <a:txBody>
+                    <a:bodyPr/>
+                    <a:lstStyle/>
+                    <a:p>
+                      <a:pPr lvl="0" indent="0" marL="0">
+                        <a:buNone/>
+                      </a:pPr>
+                      <a:r>
+                        <a:rPr/>
+                        <a:t>0.06%</a:t>
+                      </a:r>
+                    </a:p>
+                  </a:txBody>
+                </a:tc>
+              </a:tr>
+              <a:tr h="0">
+                <a:tc>
+                  <a:txBody>
+                    <a:bodyPr/>
+                    <a:lstStyle/>
+                    <a:p>
+                      <a:pPr lvl="0" indent="0" marL="0">
+                        <a:buNone/>
+                      </a:pPr>
+                      <a:r>
+                        <a:rPr/>
+                        <a:t>6</a:t>
+                      </a:r>
+                    </a:p>
+                  </a:txBody>
+                </a:tc>
+                <a:tc>
+                  <a:txBody>
+                    <a:bodyPr/>
+                    <a:lstStyle/>
+                    <a:p>
+                      <a:pPr lvl="0" indent="0" marL="0">
+                        <a:buNone/>
+                      </a:pPr>
+                      <a:r>
+                        <a:rPr/>
+                        <a:t>14.77%</a:t>
+                      </a:r>
+                    </a:p>
+                  </a:txBody>
+                </a:tc>
+              </a:tr>
+              <a:tr h="0">
+                <a:tc>
+                  <a:txBody>
+                    <a:bodyPr/>
+                    <a:lstStyle/>
+                    <a:p>
+                      <a:pPr lvl="0" indent="0" marL="0">
+                        <a:buNone/>
+                      </a:pPr>
+                      <a:r>
+                        <a:rPr/>
+                        <a:t>7</a:t>
+                      </a:r>
+                    </a:p>
+                  </a:txBody>
+                </a:tc>
+                <a:tc>
+                  <a:txBody>
+                    <a:bodyPr/>
+                    <a:lstStyle/>
+                    <a:p>
+                      <a:pPr lvl="0" indent="0" marL="0">
+                        <a:buNone/>
+                      </a:pPr>
+                      <a:r>
+                        <a:rPr/>
+                        <a:t>85.05%</a:t>
+                      </a:r>
+                    </a:p>
+                  </a:txBody>
+                </a:tc>
+              </a:tr>
+            </a:tbl>
+          </a:graphicData>
+        </a:graphic>
+      </p:graphicFrame>
+    </p:spTree>
+  </p:cSld>
+</p:sld>
+</file>
+
+<file path=ppt/slides/slide14.xml><?xml version="1.0" encoding="utf-8"?>
+<p:sld xmlns:a="http://schemas.openxmlformats.org/drawingml/2006/main" xmlns:r="http://schemas.openxmlformats.org/officeDocument/2006/relationships" xmlns:p="http://schemas.openxmlformats.org/presentationml/2006/main">
+  <p:cSld>
+    <p:spTree>
+      <p:nvGrpSpPr>
+        <p:cNvPr id="1" name=""/>
+        <p:cNvGrpSpPr/>
+        <p:nvPr/>
+      </p:nvGrpSpPr>
+      <p:grpSpPr>
+        <a:xfrm>
+          <a:off x="0" y="0"/>
+          <a:ext cx="0" cy="0"/>
+          <a:chOff x="0" y="0"/>
+          <a:chExt cx="0" cy="0"/>
+        </a:xfrm>
+      </p:grpSpPr>
+      <p:sp>
+        <p:nvSpPr>
+          <p:cNvPr id="2" name="Title 1"/>
+          <p:cNvSpPr>
+            <a:spLocks noGrp="1"/>
+          </p:cNvSpPr>
+          <p:nvPr>
+            <p:ph type="title"/>
+          </p:nvPr>
+        </p:nvSpPr>
+        <p:spPr>
+          <a:xfrm>
+            <a:off x="722313" y="3305176"/>
+            <a:ext cx="7772400" cy="1021556"/>
+          </a:xfrm>
+        </p:spPr>
         <p:txBody>
           <a:bodyPr/>
           <a:lstStyle/>
           <a:p>
-            <a:pPr lvl="0" indent="-342900" marL="342900">
-              <a:buAutoNum type="arabicPeriod"/>
+            <a:pPr lvl="0" indent="0" marL="0">
+              <a:buNone/>
             </a:pPr>
             <a:r>
               <a:rPr/>
-              <a:t>Notação de Kendall para sistemas de filas</a:t>
-            </a:r>
-          </a:p>
-          <a:p>
-            <a:pPr lvl="0" indent="-342900" marL="342900">
-              <a:buAutoNum type="arabicPeriod"/>
+              <a:t>Análise de Gargalos</a:t>
+            </a:r>
+          </a:p>
+        </p:txBody>
+      </p:sp>
+    </p:spTree>
+  </p:cSld>
+</p:sld>
+</file>
+
+<file path=ppt/slides/slide15.xml><?xml version="1.0" encoding="utf-8"?>
+<p:sld xmlns:a="http://schemas.openxmlformats.org/drawingml/2006/main" xmlns:r="http://schemas.openxmlformats.org/officeDocument/2006/relationships" xmlns:p="http://schemas.openxmlformats.org/presentationml/2006/main">
+  <p:cSld>
+    <p:spTree>
+      <p:nvGrpSpPr>
+        <p:cNvPr id="1" name=""/>
+        <p:cNvGrpSpPr/>
+        <p:nvPr/>
+      </p:nvGrpSpPr>
+      <p:grpSpPr>
+        <a:xfrm>
+          <a:off x="0" y="0"/>
+          <a:ext cx="0" cy="0"/>
+          <a:chOff x="0" y="0"/>
+          <a:chExt cx="0" cy="0"/>
+        </a:xfrm>
+      </p:grpSpPr>
+      <p:sp>
+        <p:nvSpPr>
+          <p:cNvPr id="2" name="Title 1"/>
+          <p:cNvSpPr>
+            <a:spLocks noGrp="1"/>
+          </p:cNvSpPr>
+          <p:nvPr>
+            <p:ph type="title"/>
+          </p:nvPr>
+        </p:nvSpPr>
+        <p:spPr/>
+        <p:txBody>
+          <a:bodyPr/>
+          <a:lstStyle/>
+          <a:p>
+            <a:pPr lvl="0" indent="0" marL="0">
+              <a:buNone/>
             </a:pPr>
             <a:r>
               <a:rPr/>
-              <a:t>Teoria de filas e simulação de sistemas</a:t>
-            </a:r>
-          </a:p>
-          <a:p>
-            <a:pPr lvl="0" indent="-342900" marL="342900">
-              <a:buAutoNum type="arabicPeriod"/>
+              <a:t>Identificação de Problemas</a:t>
+            </a:r>
+          </a:p>
+        </p:txBody>
+      </p:sp>
+      <p:sp>
+        <p:nvSpPr>
+          <p:cNvPr id="3" name="Content Placeholder 2"/>
+          <p:cNvSpPr>
+            <a:spLocks noGrp="1"/>
+          </p:cNvSpPr>
+          <p:nvPr>
+            <p:ph idx="1"/>
+          </p:nvPr>
+        </p:nvSpPr>
+        <p:spPr/>
+        <p:txBody>
+          <a:bodyPr/>
+          <a:lstStyle/>
+          <a:p>
+            <a:pPr lvl="0"/>
+            <a:r>
+              <a:rPr b="1"/>
+              <a:t>Fila de Internação:</a:t>
+            </a:r>
+          </a:p>
+          <a:p>
+            <a:pPr lvl="1"/>
+            <a:r>
+              <a:rPr/>
+              <a:t>Alta utilização (99.99%)</a:t>
+            </a:r>
+          </a:p>
+          <a:p>
+            <a:pPr lvl="1"/>
+            <a:r>
+              <a:rPr/>
+              <a:t>Tempo de resposta extremamente alto (1047.94 minutos)</a:t>
+            </a:r>
+          </a:p>
+          <a:p>
+            <a:pPr lvl="1"/>
+            <a:r>
+              <a:rPr/>
+              <a:t>Grande número de clientes perdidos (7066)</a:t>
+            </a:r>
+          </a:p>
+          <a:p>
+            <a:pPr lvl="1"/>
+            <a:r>
+              <a:rPr/>
+              <a:t>Distribuição de estados desequilibrada</a:t>
+            </a:r>
+          </a:p>
+          <a:p>
+            <a:pPr lvl="0"/>
+            <a:r>
+              <a:rPr b="1"/>
+              <a:t>Fila de Consulta:</a:t>
+            </a:r>
+          </a:p>
+          <a:p>
+            <a:pPr lvl="1"/>
+            <a:r>
+              <a:rPr/>
+              <a:t>Alta utilização (69.78%)</a:t>
+            </a:r>
+          </a:p>
+          <a:p>
+            <a:pPr lvl="1"/>
+            <a:r>
+              <a:rPr/>
+              <a:t>Tempo de resposta significativo (2.44 minutos)</a:t>
+            </a:r>
+          </a:p>
+        </p:txBody>
+      </p:sp>
+    </p:spTree>
+  </p:cSld>
+</p:sld>
+</file>
+
+<file path=ppt/slides/slide16.xml><?xml version="1.0" encoding="utf-8"?>
+<p:sld xmlns:a="http://schemas.openxmlformats.org/drawingml/2006/main" xmlns:r="http://schemas.openxmlformats.org/officeDocument/2006/relationships" xmlns:p="http://schemas.openxmlformats.org/presentationml/2006/main">
+  <p:cSld>
+    <p:spTree>
+      <p:nvGrpSpPr>
+        <p:cNvPr id="1" name=""/>
+        <p:cNvGrpSpPr/>
+        <p:nvPr/>
+      </p:nvGrpSpPr>
+      <p:grpSpPr>
+        <a:xfrm>
+          <a:off x="0" y="0"/>
+          <a:ext cx="0" cy="0"/>
+          <a:chOff x="0" y="0"/>
+          <a:chExt cx="0" cy="0"/>
+        </a:xfrm>
+      </p:grpSpPr>
+      <p:sp>
+        <p:nvSpPr>
+          <p:cNvPr id="2" name="Title 1"/>
+          <p:cNvSpPr>
+            <a:spLocks noGrp="1"/>
+          </p:cNvSpPr>
+          <p:nvPr>
+            <p:ph type="title"/>
+          </p:nvPr>
+        </p:nvSpPr>
+        <p:spPr/>
+        <p:txBody>
+          <a:bodyPr/>
+          <a:lstStyle/>
+          <a:p>
+            <a:pPr lvl="0" indent="0" marL="0">
+              <a:buNone/>
             </a:pPr>
             <a:r>
               <a:rPr/>
-              <a:t>Análise de desempenho de sistemas hospitalares</a:t>
-            </a:r>
-          </a:p>
-        </p:txBody>
-      </p:sp>
+              <a:t>Impacto no Sistema</a:t>
+            </a:r>
+          </a:p>
+        </p:txBody>
+      </p:sp>
+      <p:sp>
+        <p:nvSpPr>
+          <p:cNvPr id="3" name="Content Placeholder 2"/>
+          <p:cNvSpPr>
+            <a:spLocks noGrp="1"/>
+          </p:cNvSpPr>
+          <p:nvPr>
+            <p:ph idx="1"/>
+          </p:nvPr>
+        </p:nvSpPr>
+        <p:spPr/>
+        <p:txBody>
+          <a:bodyPr/>
+          <a:lstStyle/>
+          <a:p>
+            <a:pPr lvl="0"/>
+            <a:r>
+              <a:rPr/>
+              <a:t>Sobrecarga no setor de internação</a:t>
+            </a:r>
+          </a:p>
+          <a:p>
+            <a:pPr lvl="0"/>
+            <a:r>
+              <a:rPr/>
+              <a:t>Insatisfação dos pacientes</a:t>
+            </a:r>
+          </a:p>
+          <a:p>
+            <a:pPr lvl="0"/>
+            <a:r>
+              <a:rPr/>
+              <a:t>Perda de eficiência operacional</a:t>
+            </a:r>
+          </a:p>
+          <a:p>
+            <a:pPr lvl="0"/>
+            <a:r>
+              <a:rPr/>
+              <a:t>Riscos para a saúde dos pacientes</a:t>
+            </a:r>
+          </a:p>
+        </p:txBody>
+      </p:sp>
+    </p:spTree>
+  </p:cSld>
+</p:sld>
+</file>
+
+<file path=ppt/slides/slide17.xml><?xml version="1.0" encoding="utf-8"?>
+<p:sld xmlns:a="http://schemas.openxmlformats.org/drawingml/2006/main" xmlns:r="http://schemas.openxmlformats.org/officeDocument/2006/relationships" xmlns:p="http://schemas.openxmlformats.org/presentationml/2006/main">
+  <p:cSld>
+    <p:spTree>
+      <p:nvGrpSpPr>
+        <p:cNvPr id="1" name=""/>
+        <p:cNvGrpSpPr/>
+        <p:nvPr/>
+      </p:nvGrpSpPr>
+      <p:grpSpPr>
+        <a:xfrm>
+          <a:off x="0" y="0"/>
+          <a:ext cx="0" cy="0"/>
+          <a:chOff x="0" y="0"/>
+          <a:chExt cx="0" cy="0"/>
+        </a:xfrm>
+      </p:grpSpPr>
+      <p:sp>
+        <p:nvSpPr>
+          <p:cNvPr id="2" name="Title 1"/>
+          <p:cNvSpPr>
+            <a:spLocks noGrp="1"/>
+          </p:cNvSpPr>
+          <p:nvPr>
+            <p:ph type="title"/>
+          </p:nvPr>
+        </p:nvSpPr>
+        <p:spPr>
+          <a:xfrm>
+            <a:off x="722313" y="3305176"/>
+            <a:ext cx="7772400" cy="1021556"/>
+          </a:xfrm>
+        </p:spPr>
+        <p:txBody>
+          <a:bodyPr/>
+          <a:lstStyle/>
+          <a:p>
+            <a:pPr lvl="0" indent="0" marL="0">
+              <a:buNone/>
+            </a:pPr>
+            <a:r>
+              <a:rPr/>
+              <a:t>Proposta de Melhoria</a:t>
+            </a:r>
+          </a:p>
+        </p:txBody>
+      </p:sp>
+    </p:spTree>
+  </p:cSld>
+</p:sld>
+</file>
+
+<file path=ppt/slides/slide18.xml><?xml version="1.0" encoding="utf-8"?>
+<p:sld xmlns:a="http://schemas.openxmlformats.org/drawingml/2006/main" xmlns:r="http://schemas.openxmlformats.org/officeDocument/2006/relationships" xmlns:p="http://schemas.openxmlformats.org/presentationml/2006/main">
+  <p:cSld>
+    <p:spTree>
+      <p:nvGrpSpPr>
+        <p:cNvPr id="1" name=""/>
+        <p:cNvGrpSpPr/>
+        <p:nvPr/>
+      </p:nvGrpSpPr>
+      <p:grpSpPr>
+        <a:xfrm>
+          <a:off x="0" y="0"/>
+          <a:ext cx="0" cy="0"/>
+          <a:chOff x="0" y="0"/>
+          <a:chExt cx="0" cy="0"/>
+        </a:xfrm>
+      </p:grpSpPr>
+      <p:sp>
+        <p:nvSpPr>
+          <p:cNvPr id="2" name="Title 1"/>
+          <p:cNvSpPr>
+            <a:spLocks noGrp="1"/>
+          </p:cNvSpPr>
+          <p:nvPr>
+            <p:ph type="title"/>
+          </p:nvPr>
+        </p:nvSpPr>
+        <p:spPr/>
+        <p:txBody>
+          <a:bodyPr/>
+          <a:lstStyle/>
+          <a:p>
+            <a:pPr lvl="0" indent="0" marL="0">
+              <a:buNone/>
+            </a:pPr>
+            <a:r>
+              <a:rPr/>
+              <a:t>Alterações Propostas</a:t>
+            </a:r>
+          </a:p>
+        </p:txBody>
+      </p:sp>
+      <p:pic>
+        <p:nvPicPr>
+          <p:cNvPr descr="diagrama_rede_melhorado_v2.png" id="0" name="Picture 1"/>
+          <p:cNvPicPr>
+            <a:picLocks noGrp="1" noChangeAspect="1"/>
+          </p:cNvPicPr>
+          <p:nvPr/>
+        </p:nvPicPr>
+        <p:blipFill>
+          <a:blip r:embed="rId2"/>
+          <a:stretch>
+            <a:fillRect/>
+          </a:stretch>
+        </p:blipFill>
+        <p:spPr bwMode="auto">
+          <a:xfrm>
+            <a:off x="457200" y="1841500"/>
+            <a:ext cx="8229600" cy="1600200"/>
+          </a:xfrm>
+          <a:prstGeom prst="rect">
+            <a:avLst/>
+          </a:prstGeom>
+          <a:noFill/>
+          <a:ln w="9525">
+            <a:noFill/>
+            <a:headEnd/>
+            <a:tailEnd/>
+          </a:ln>
+        </p:spPr>
+      </p:pic>
+      <p:sp>
+        <p:nvSpPr>
+          <p:cNvPr id="1" name="TextBox 3"/>
+          <p:cNvSpPr txBox="1"/>
+          <p:nvPr/>
+        </p:nvSpPr>
+        <p:spPr>
+          <a:xfrm>
+            <a:off x="457200" y="4076700"/>
+            <a:ext cx="8229600" cy="508000"/>
+          </a:xfrm>
+          <a:prstGeom prst="rect">
+            <a:avLst/>
+          </a:prstGeom>
+          <a:noFill/>
+        </p:spPr>
+        <p:txBody>
+          <a:bodyPr/>
+          <a:lstStyle/>
+          <a:p>
+            <a:pPr lvl="0" indent="0" marL="0" algn="ctr">
+              <a:buNone/>
+            </a:pPr>
+            <a:r>
+              <a:rPr/>
+              <a:t>Rede de Filas Melhorada</a:t>
+            </a:r>
+          </a:p>
+        </p:txBody>
+      </p:sp>
+    </p:spTree>
+  </p:cSld>
+</p:sld>
+</file>
+
+<file path=ppt/slides/slide19.xml><?xml version="1.0" encoding="utf-8"?>
+<p:sld xmlns:a="http://schemas.openxmlformats.org/drawingml/2006/main" xmlns:r="http://schemas.openxmlformats.org/officeDocument/2006/relationships" xmlns:p="http://schemas.openxmlformats.org/presentationml/2006/main">
+  <p:cSld>
+    <p:spTree>
+      <p:nvGrpSpPr>
+        <p:cNvPr id="1" name=""/>
+        <p:cNvGrpSpPr/>
+        <p:nvPr/>
+      </p:nvGrpSpPr>
+      <p:grpSpPr>
+        <a:xfrm>
+          <a:off x="0" y="0"/>
+          <a:ext cx="0" cy="0"/>
+          <a:chOff x="0" y="0"/>
+          <a:chExt cx="0" cy="0"/>
+        </a:xfrm>
+      </p:grpSpPr>
+      <p:graphicFrame>
+        <p:nvGraphicFramePr>
+          <p:cNvPr id="6" name="Content Placeholder 5"/>
+          <p:cNvGraphicFramePr>
+            <a:graphicFrameLocks noGrp="1"/>
+          </p:cNvGraphicFramePr>
+          <p:nvPr>
+            <p:ph idx="1"/>
+          </p:nvPr>
+        </p:nvGraphicFramePr>
+        <p:xfrm>
+          <a:off x="457200" y="1193800"/>
+          <a:ext cx="8229600" cy="3390900"/>
+        </p:xfrm>
+        <a:graphic>
+          <a:graphicData uri="http://schemas.openxmlformats.org/drawingml/2006/table">
+            <a:tbl>
+              <a:tblPr firstRow="1" bandRow="1">
+                <a:tableStyleId>{5C22544A-7EE6-4342-B048-85BDC9FD1C3A}</a:tableStyleId>
+              </a:tblPr>
+              <a:tblGrid>
+                <a:gridCol w="2057400"/>
+                <a:gridCol w="2057400"/>
+                <a:gridCol w="2057400"/>
+                <a:gridCol w="2057400"/>
+              </a:tblGrid>
+              <a:tr h="0">
+                <a:tc>
+                  <a:txBody>
+                    <a:bodyPr/>
+                    <a:lstStyle/>
+                    <a:p>
+                      <a:pPr lvl="0" indent="0" marL="0">
+                        <a:buNone/>
+                      </a:pPr>
+                      <a:r>
+                        <a:rPr/>
+                        <a:t>Fila</a:t>
+                      </a:r>
+                    </a:p>
+                  </a:txBody>
+                  <a:tcPr/>
+                </a:tc>
+                <a:tc>
+                  <a:txBody>
+                    <a:bodyPr/>
+                    <a:lstStyle/>
+                    <a:p>
+                      <a:pPr lvl="0" indent="0" marL="0">
+                        <a:buNone/>
+                      </a:pPr>
+                      <a:r>
+                        <a:rPr/>
+                        <a:t>Configuração Original</a:t>
+                      </a:r>
+                    </a:p>
+                  </a:txBody>
+                  <a:tcPr/>
+                </a:tc>
+                <a:tc>
+                  <a:txBody>
+                    <a:bodyPr/>
+                    <a:lstStyle/>
+                    <a:p>
+                      <a:pPr lvl="0" indent="0" marL="0">
+                        <a:buNone/>
+                      </a:pPr>
+                      <a:r>
+                        <a:rPr/>
+                        <a:t>Configuração Melhorada</a:t>
+                      </a:r>
+                    </a:p>
+                  </a:txBody>
+                  <a:tcPr/>
+                </a:tc>
+                <a:tc>
+                  <a:txBody>
+                    <a:bodyPr/>
+                    <a:lstStyle/>
+                    <a:p>
+                      <a:pPr lvl="0" indent="0" marL="0">
+                        <a:buNone/>
+                      </a:pPr>
+                      <a:r>
+                        <a:rPr/>
+                        <a:t>Melhoria</a:t>
+                      </a:r>
+                    </a:p>
+                  </a:txBody>
+                  <a:tcPr/>
+                </a:tc>
+              </a:tr>
+              <a:tr h="0">
+                <a:tc>
+                  <a:txBody>
+                    <a:bodyPr/>
+                    <a:lstStyle/>
+                    <a:p>
+                      <a:pPr lvl="0" indent="0" marL="0">
+                        <a:buNone/>
+                      </a:pPr>
+                      <a:r>
+                        <a:rPr/>
+                        <a:t>Triagem</a:t>
+                      </a:r>
+                    </a:p>
+                  </a:txBody>
+                </a:tc>
+                <a:tc>
+                  <a:txBody>
+                    <a:bodyPr/>
+                    <a:lstStyle/>
+                    <a:p>
+                      <a:pPr lvl="0" indent="0" marL="0">
+                        <a:buNone/>
+                      </a:pPr>
+                      <a:r>
+                        <a:rPr/>
+                        <a:t>M/M/2/10</a:t>
+                      </a:r>
+                    </a:p>
+                  </a:txBody>
+                </a:tc>
+                <a:tc>
+                  <a:txBody>
+                    <a:bodyPr/>
+                    <a:lstStyle/>
+                    <a:p>
+                      <a:pPr lvl="0" indent="0" marL="0">
+                        <a:buNone/>
+                      </a:pPr>
+                      <a:r>
+                        <a:rPr/>
+                        <a:t>M/M/3/15</a:t>
+                      </a:r>
+                    </a:p>
+                  </a:txBody>
+                </a:tc>
+                <a:tc>
+                  <a:txBody>
+                    <a:bodyPr/>
+                    <a:lstStyle/>
+                    <a:p>
+                      <a:pPr lvl="0" indent="0" marL="0">
+                        <a:buNone/>
+                      </a:pPr>
+                      <a:r>
+                        <a:rPr/>
+                        <a:t>+1 servidor, +5 capacidade</a:t>
+                      </a:r>
+                    </a:p>
+                  </a:txBody>
+                </a:tc>
+              </a:tr>
+              <a:tr h="0">
+                <a:tc>
+                  <a:txBody>
+                    <a:bodyPr/>
+                    <a:lstStyle/>
+                    <a:p>
+                      <a:pPr lvl="0" indent="0" marL="0">
+                        <a:buNone/>
+                      </a:pPr>
+                      <a:r>
+                        <a:rPr/>
+                        <a:t>Emergência</a:t>
+                      </a:r>
+                    </a:p>
+                  </a:txBody>
+                </a:tc>
+                <a:tc>
+                  <a:txBody>
+                    <a:bodyPr/>
+                    <a:lstStyle/>
+                    <a:p>
+                      <a:pPr lvl="0" indent="0" marL="0">
+                        <a:buNone/>
+                      </a:pPr>
+                      <a:r>
+                        <a:rPr/>
+                        <a:t>M/M/3/8</a:t>
+                      </a:r>
+                    </a:p>
+                  </a:txBody>
+                </a:tc>
+                <a:tc>
+                  <a:txBody>
+                    <a:bodyPr/>
+                    <a:lstStyle/>
+                    <a:p>
+                      <a:pPr lvl="0" indent="0" marL="0">
+                        <a:buNone/>
+                      </a:pPr>
+                      <a:r>
+                        <a:rPr/>
+                        <a:t>M/M/4/12</a:t>
+                      </a:r>
+                    </a:p>
+                  </a:txBody>
+                </a:tc>
+                <a:tc>
+                  <a:txBody>
+                    <a:bodyPr/>
+                    <a:lstStyle/>
+                    <a:p>
+                      <a:pPr lvl="0" indent="0" marL="0">
+                        <a:buNone/>
+                      </a:pPr>
+                      <a:r>
+                        <a:rPr/>
+                        <a:t>+1 servidor, +4 capacidade</a:t>
+                      </a:r>
+                    </a:p>
+                  </a:txBody>
+                </a:tc>
+              </a:tr>
+              <a:tr h="0">
+                <a:tc>
+                  <a:txBody>
+                    <a:bodyPr/>
+                    <a:lstStyle/>
+                    <a:p>
+                      <a:pPr lvl="0" indent="0" marL="0">
+                        <a:buNone/>
+                      </a:pPr>
+                      <a:r>
+                        <a:rPr/>
+                        <a:t>Consulta</a:t>
+                      </a:r>
+                    </a:p>
+                  </a:txBody>
+                </a:tc>
+                <a:tc>
+                  <a:txBody>
+                    <a:bodyPr/>
+                    <a:lstStyle/>
+                    <a:p>
+                      <a:pPr lvl="0" indent="0" marL="0">
+                        <a:buNone/>
+                      </a:pPr>
+                      <a:r>
+                        <a:rPr/>
+                        <a:t>M/M/2/12</a:t>
+                      </a:r>
+                    </a:p>
+                  </a:txBody>
+                </a:tc>
+                <a:tc>
+                  <a:txBody>
+                    <a:bodyPr/>
+                    <a:lstStyle/>
+                    <a:p>
+                      <a:pPr lvl="0" indent="0" marL="0">
+                        <a:buNone/>
+                      </a:pPr>
+                      <a:r>
+                        <a:rPr/>
+                        <a:t>M/M/4/20</a:t>
+                      </a:r>
+                    </a:p>
+                  </a:txBody>
+                </a:tc>
+                <a:tc>
+                  <a:txBody>
+                    <a:bodyPr/>
+                    <a:lstStyle/>
+                    <a:p>
+                      <a:pPr lvl="0" indent="0" marL="0">
+                        <a:buNone/>
+                      </a:pPr>
+                      <a:r>
+                        <a:rPr/>
+                        <a:t>+2 servidores, +8 capacidade</a:t>
+                      </a:r>
+                    </a:p>
+                  </a:txBody>
+                </a:tc>
+              </a:tr>
+              <a:tr h="0">
+                <a:tc>
+                  <a:txBody>
+                    <a:bodyPr/>
+                    <a:lstStyle/>
+                    <a:p>
+                      <a:pPr lvl="0" indent="0" marL="0">
+                        <a:buNone/>
+                      </a:pPr>
+                      <a:r>
+                        <a:rPr/>
+                        <a:t>Internação</a:t>
+                      </a:r>
+                    </a:p>
+                  </a:txBody>
+                </a:tc>
+                <a:tc>
+                  <a:txBody>
+                    <a:bodyPr/>
+                    <a:lstStyle/>
+                    <a:p>
+                      <a:pPr lvl="0" indent="0" marL="0">
+                        <a:buNone/>
+                      </a:pPr>
+                      <a:r>
+                        <a:rPr/>
+                        <a:t>M/M/1/6</a:t>
+                      </a:r>
+                    </a:p>
+                  </a:txBody>
+                </a:tc>
+                <a:tc>
+                  <a:txBody>
+                    <a:bodyPr/>
+                    <a:lstStyle/>
+                    <a:p>
+                      <a:pPr lvl="0" indent="0" marL="0">
+                        <a:buNone/>
+                      </a:pPr>
+                      <a:r>
+                        <a:rPr/>
+                        <a:t>M/M/4/15</a:t>
+                      </a:r>
+                    </a:p>
+                  </a:txBody>
+                </a:tc>
+                <a:tc>
+                  <a:txBody>
+                    <a:bodyPr/>
+                    <a:lstStyle/>
+                    <a:p>
+                      <a:pPr lvl="0" indent="0" marL="0">
+                        <a:buNone/>
+                      </a:pPr>
+                      <a:r>
+                        <a:rPr/>
+                        <a:t>+3 servidores, +9 capacidade</a:t>
+                      </a:r>
+                    </a:p>
+                  </a:txBody>
+                </a:tc>
+              </a:tr>
+              <a:tr h="0">
+                <a:tc>
+                  <a:txBody>
+                    <a:bodyPr/>
+                    <a:lstStyle/>
+                    <a:p>
+                      <a:pPr lvl="0" indent="0" marL="0">
+                        <a:buNone/>
+                      </a:pPr>
+                      <a:r>
+                        <a:rPr/>
+                        <a:t>Alta</a:t>
+                      </a:r>
+                    </a:p>
+                  </a:txBody>
+                </a:tc>
+                <a:tc>
+                  <a:txBody>
+                    <a:bodyPr/>
+                    <a:lstStyle/>
+                    <a:p>
+                      <a:pPr lvl="0" indent="0" marL="0">
+                        <a:buNone/>
+                      </a:pPr>
+                      <a:r>
+                        <a:rPr/>
+                        <a:t>M/M/1/20</a:t>
+                      </a:r>
+                    </a:p>
+                  </a:txBody>
+                </a:tc>
+                <a:tc>
+                  <a:txBody>
+                    <a:bodyPr/>
+                    <a:lstStyle/>
+                    <a:p>
+                      <a:pPr lvl="0" indent="0" marL="0">
+                        <a:buNone/>
+                      </a:pPr>
+                      <a:r>
+                        <a:rPr/>
+                        <a:t>M/M/2/25</a:t>
+                      </a:r>
+                    </a:p>
+                  </a:txBody>
+                </a:tc>
+                <a:tc>
+                  <a:txBody>
+                    <a:bodyPr/>
+                    <a:lstStyle/>
+                    <a:p>
+                      <a:pPr lvl="0" indent="0" marL="0">
+                        <a:buNone/>
+                      </a:pPr>
+                      <a:r>
+                        <a:rPr/>
+                        <a:t>+1 servidor, +5 capacidade</a:t>
+                      </a:r>
+                    </a:p>
+                  </a:txBody>
+                </a:tc>
+              </a:tr>
+            </a:tbl>
+          </a:graphicData>
+        </a:graphic>
+      </p:graphicFrame>
     </p:spTree>
   </p:cSld>
 </p:sld>
@@ -4295,7 +5337,4001 @@
             </a:pPr>
             <a:r>
               <a:rPr/>
-              <a:t>Avaliação de Aprendizagem - Simulação e Métodos Analíticos</a:t>
+              <a:t>Table of Contents</a:t>
+            </a:r>
+          </a:p>
+        </p:txBody>
+      </p:sp>
+      <p:sp>
+        <p:nvSpPr>
+          <p:cNvPr id="3" name="Content Placeholder 2"/>
+          <p:cNvSpPr>
+            <a:spLocks noGrp="1"/>
+          </p:cNvSpPr>
+          <p:nvPr>
+            <p:ph idx="1"/>
+          </p:nvPr>
+        </p:nvSpPr>
+        <p:spPr/>
+        <p:txBody>
+          <a:bodyPr/>
+          <a:lstStyle/>
+          <a:p>
+            <a:pPr lvl="0"/>
+            <a:r>
+              <a:rPr>
+                <a:hlinkClick r:id="rId2" action="ppaction://hlinksldjump"/>
+              </a:rPr>
+              <a:t>Simulação de Sistema de Emergência Hospitalar</a:t>
+            </a:r>
+          </a:p>
+          <a:p>
+            <a:pPr lvl="1"/>
+            <a:r>
+              <a:rPr>
+                <a:hlinkClick r:id="rId3" action="ppaction://hlinksldjump"/>
+              </a:rPr>
+              <a:t>Análise e Melhoria de Desempenho</a:t>
+            </a:r>
+          </a:p>
+          <a:p>
+            <a:pPr lvl="0"/>
+            <a:r>
+              <a:rPr>
+                <a:hlinkClick r:id="rId4" action="ppaction://hlinksldjump"/>
+              </a:rPr>
+              <a:t>Descrição da Realidade Simulada</a:t>
+            </a:r>
+          </a:p>
+          <a:p>
+            <a:pPr lvl="1"/>
+            <a:r>
+              <a:rPr>
+                <a:hlinkClick r:id="rId5" action="ppaction://hlinksldjump"/>
+              </a:rPr>
+              <a:t>Sistema de Emergência Hospitalar</a:t>
+            </a:r>
+          </a:p>
+          <a:p>
+            <a:pPr lvl="1"/>
+            <a:r>
+              <a:rPr>
+                <a:hlinkClick r:id="rId6" action="ppaction://hlinksldjump"/>
+              </a:rPr>
+              <a:t>Componentes do Sistema</a:t>
+            </a:r>
+          </a:p>
+          <a:p>
+            <a:pPr lvl="0"/>
+            <a:r>
+              <a:rPr>
+                <a:hlinkClick r:id="rId7" action="ppaction://hlinksldjump"/>
+              </a:rPr>
+              <a:t>Modelo da Rede de Filas</a:t>
+            </a:r>
+          </a:p>
+          <a:p>
+            <a:pPr lvl="1"/>
+            <a:r>
+              <a:rPr>
+                <a:hlinkClick r:id="rId8" action="ppaction://hlinksldjump"/>
+              </a:rPr>
+              <a:t>Notação de Kendall</a:t>
+            </a:r>
+          </a:p>
+          <a:p>
+            <a:pPr lvl="1"/>
+            <a:r>
+              <a:rPr>
+                <a:hlinkClick r:id="rId9" action="ppaction://hlinksldjump"/>
+              </a:rPr>
+              <a:t>Configuração Original</a:t>
+            </a:r>
+          </a:p>
+          <a:p>
+            <a:pPr lvl="0"/>
+            <a:r>
+              <a:rPr>
+                <a:hlinkClick r:id="rId10" action="ppaction://hlinksldjump"/>
+              </a:rPr>
+              <a:t>Resultados da Simulação - Modelo Original</a:t>
+            </a:r>
+          </a:p>
+          <a:p>
+            <a:pPr lvl="1"/>
+            <a:r>
+              <a:rPr>
+                <a:hlinkClick r:id="rId11" action="ppaction://hlinksldjump"/>
+              </a:rPr>
+              <a:t>Métricas de Desempenho</a:t>
+            </a:r>
+          </a:p>
+          <a:p>
+            <a:pPr lvl="1"/>
+            <a:r>
+              <a:rPr>
+                <a:hlinkClick r:id="rId12" action="ppaction://hlinksldjump"/>
+              </a:rPr>
+              <a:t>Distribuição de Estados - Fila de Internação</a:t>
+            </a:r>
+          </a:p>
+          <a:p>
+            <a:pPr lvl="0"/>
+            <a:r>
+              <a:rPr>
+                <a:hlinkClick r:id="rId13" action="ppaction://hlinksldjump"/>
+              </a:rPr>
+              <a:t>Análise de Gargalos</a:t>
+            </a:r>
+          </a:p>
+          <a:p>
+            <a:pPr lvl="1"/>
+            <a:r>
+              <a:rPr>
+                <a:hlinkClick r:id="rId14" action="ppaction://hlinksldjump"/>
+              </a:rPr>
+              <a:t>Identificação de Problemas</a:t>
+            </a:r>
+          </a:p>
+          <a:p>
+            <a:pPr lvl="1"/>
+            <a:r>
+              <a:rPr>
+                <a:hlinkClick r:id="rId15" action="ppaction://hlinksldjump"/>
+              </a:rPr>
+              <a:t>Impacto no Sistema</a:t>
+            </a:r>
+          </a:p>
+          <a:p>
+            <a:pPr lvl="0"/>
+            <a:r>
+              <a:rPr>
+                <a:hlinkClick r:id="rId16" action="ppaction://hlinksldjump"/>
+              </a:rPr>
+              <a:t>Proposta de Melhoria</a:t>
+            </a:r>
+          </a:p>
+          <a:p>
+            <a:pPr lvl="1"/>
+            <a:r>
+              <a:rPr>
+                <a:hlinkClick r:id="rId17" action="ppaction://hlinksldjump"/>
+              </a:rPr>
+              <a:t>Alterações Propostas</a:t>
+            </a:r>
+          </a:p>
+          <a:p>
+            <a:pPr lvl="1"/>
+            <a:r>
+              <a:rPr>
+                <a:hlinkClick r:id="rId18" action="ppaction://hlinksldjump"/>
+              </a:rPr>
+              <a:t>Justificativa das Alterações</a:t>
+            </a:r>
+          </a:p>
+          <a:p>
+            <a:pPr lvl="0"/>
+            <a:r>
+              <a:rPr>
+                <a:hlinkClick r:id="rId19" action="ppaction://hlinksldjump"/>
+              </a:rPr>
+              <a:t>Comparação dos Resultados</a:t>
+            </a:r>
+          </a:p>
+          <a:p>
+            <a:pPr lvl="1"/>
+            <a:r>
+              <a:rPr>
+                <a:hlinkClick r:id="rId20" action="ppaction://hlinksldjump"/>
+              </a:rPr>
+              <a:t>Métricas de Desempenho</a:t>
+            </a:r>
+          </a:p>
+          <a:p>
+            <a:pPr lvl="0"/>
+            <a:r>
+              <a:rPr>
+                <a:hlinkClick r:id="rId21" action="ppaction://hlinksldjump"/>
+              </a:rPr>
+              <a:t>Comparação dos Resultados (Continuação)</a:t>
+            </a:r>
+          </a:p>
+          <a:p>
+            <a:pPr lvl="1"/>
+            <a:r>
+              <a:rPr>
+                <a:hlinkClick r:id="rId22" action="ppaction://hlinksldjump"/>
+              </a:rPr>
+              <a:t>Métricas de Desempenho</a:t>
+            </a:r>
+          </a:p>
+          <a:p>
+            <a:pPr lvl="0"/>
+            <a:r>
+              <a:rPr>
+                <a:hlinkClick r:id="rId23" action="ppaction://hlinksldjump"/>
+              </a:rPr>
+              <a:t>Distribuição de Estados - Comparação</a:t>
+            </a:r>
+          </a:p>
+          <a:p>
+            <a:pPr lvl="1"/>
+            <a:r>
+              <a:rPr>
+                <a:hlinkClick r:id="rId24" action="ppaction://hlinksldjump"/>
+              </a:rPr>
+              <a:t>Fila de Internação</a:t>
+            </a:r>
+          </a:p>
+          <a:p>
+            <a:pPr lvl="0"/>
+            <a:r>
+              <a:rPr>
+                <a:hlinkClick r:id="rId25" action="ppaction://hlinksldjump"/>
+              </a:rPr>
+              <a:t>Análise das Melhorias</a:t>
+            </a:r>
+          </a:p>
+          <a:p>
+            <a:pPr lvl="1"/>
+            <a:r>
+              <a:rPr>
+                <a:hlinkClick r:id="rId26" action="ppaction://hlinksldjump"/>
+              </a:rPr>
+              <a:t>Resultados Principais</a:t>
+            </a:r>
+          </a:p>
+          <a:p>
+            <a:pPr lvl="1"/>
+            <a:r>
+              <a:rPr>
+                <a:hlinkClick r:id="rId27" action="ppaction://hlinksldjump"/>
+              </a:rPr>
+              <a:t>Pontos de Atenção</a:t>
+            </a:r>
+          </a:p>
+          <a:p>
+            <a:pPr lvl="0"/>
+            <a:r>
+              <a:rPr>
+                <a:hlinkClick r:id="rId28" action="ppaction://hlinksldjump"/>
+              </a:rPr>
+              <a:t>Conclusões</a:t>
+            </a:r>
+          </a:p>
+          <a:p>
+            <a:pPr lvl="1"/>
+            <a:r>
+              <a:rPr>
+                <a:hlinkClick r:id="rId29" action="ppaction://hlinksldjump"/>
+              </a:rPr>
+              <a:t>Principais Conclusões</a:t>
+            </a:r>
+          </a:p>
+          <a:p>
+            <a:pPr lvl="1"/>
+            <a:r>
+              <a:rPr>
+                <a:hlinkClick r:id="rId30" action="ppaction://hlinksldjump"/>
+              </a:rPr>
+              <a:t>Recomendações Futuras</a:t>
+            </a:r>
+          </a:p>
+          <a:p>
+            <a:pPr lvl="0"/>
+            <a:r>
+              <a:rPr>
+                <a:hlinkClick r:id="rId31" action="ppaction://hlinksldjump"/>
+              </a:rPr>
+              <a:t>Referências</a:t>
+            </a:r>
+          </a:p>
+        </p:txBody>
+      </p:sp>
+    </p:spTree>
+  </p:cSld>
+</p:sld>
+</file>
+
+<file path=ppt/slides/slide20.xml><?xml version="1.0" encoding="utf-8"?>
+<p:sld xmlns:a="http://schemas.openxmlformats.org/drawingml/2006/main" xmlns:r="http://schemas.openxmlformats.org/officeDocument/2006/relationships" xmlns:p="http://schemas.openxmlformats.org/presentationml/2006/main">
+  <p:cSld>
+    <p:spTree>
+      <p:nvGrpSpPr>
+        <p:cNvPr id="1" name=""/>
+        <p:cNvGrpSpPr/>
+        <p:nvPr/>
+      </p:nvGrpSpPr>
+      <p:grpSpPr>
+        <a:xfrm>
+          <a:off x="0" y="0"/>
+          <a:ext cx="0" cy="0"/>
+          <a:chOff x="0" y="0"/>
+          <a:chExt cx="0" cy="0"/>
+        </a:xfrm>
+      </p:grpSpPr>
+      <p:sp>
+        <p:nvSpPr>
+          <p:cNvPr id="2" name="Title 1"/>
+          <p:cNvSpPr>
+            <a:spLocks noGrp="1"/>
+          </p:cNvSpPr>
+          <p:nvPr>
+            <p:ph type="title"/>
+          </p:nvPr>
+        </p:nvSpPr>
+        <p:spPr/>
+        <p:txBody>
+          <a:bodyPr/>
+          <a:lstStyle/>
+          <a:p>
+            <a:pPr lvl="0" indent="0" marL="0">
+              <a:buNone/>
+            </a:pPr>
+            <a:r>
+              <a:rPr/>
+              <a:t>Justificativa das Alterações</a:t>
+            </a:r>
+          </a:p>
+        </p:txBody>
+      </p:sp>
+      <p:sp>
+        <p:nvSpPr>
+          <p:cNvPr id="3" name="Content Placeholder 2"/>
+          <p:cNvSpPr>
+            <a:spLocks noGrp="1"/>
+          </p:cNvSpPr>
+          <p:nvPr>
+            <p:ph idx="1"/>
+          </p:nvPr>
+        </p:nvSpPr>
+        <p:spPr/>
+        <p:txBody>
+          <a:bodyPr/>
+          <a:lstStyle/>
+          <a:p>
+            <a:pPr lvl="0"/>
+            <a:r>
+              <a:rPr/>
+              <a:t>Aumento do número de servidores para reduzir tempos de espera</a:t>
+            </a:r>
+          </a:p>
+          <a:p>
+            <a:pPr lvl="0"/>
+            <a:r>
+              <a:rPr/>
+              <a:t>Aumento da capacidade das filas para reduzir perdas</a:t>
+            </a:r>
+          </a:p>
+          <a:p>
+            <a:pPr lvl="0"/>
+            <a:r>
+              <a:rPr/>
+              <a:t>Otimização do fluxo entre as filas</a:t>
+            </a:r>
+          </a:p>
+        </p:txBody>
+      </p:sp>
+    </p:spTree>
+  </p:cSld>
+</p:sld>
+</file>
+
+<file path=ppt/slides/slide21.xml><?xml version="1.0" encoding="utf-8"?>
+<p:sld xmlns:a="http://schemas.openxmlformats.org/drawingml/2006/main" xmlns:r="http://schemas.openxmlformats.org/officeDocument/2006/relationships" xmlns:p="http://schemas.openxmlformats.org/presentationml/2006/main">
+  <p:cSld>
+    <p:spTree>
+      <p:nvGrpSpPr>
+        <p:cNvPr id="1" name=""/>
+        <p:cNvGrpSpPr/>
+        <p:nvPr/>
+      </p:nvGrpSpPr>
+      <p:grpSpPr>
+        <a:xfrm>
+          <a:off x="0" y="0"/>
+          <a:ext cx="0" cy="0"/>
+          <a:chOff x="0" y="0"/>
+          <a:chExt cx="0" cy="0"/>
+        </a:xfrm>
+      </p:grpSpPr>
+      <p:sp>
+        <p:nvSpPr>
+          <p:cNvPr id="2" name="Title 1"/>
+          <p:cNvSpPr>
+            <a:spLocks noGrp="1"/>
+          </p:cNvSpPr>
+          <p:nvPr>
+            <p:ph type="title"/>
+          </p:nvPr>
+        </p:nvSpPr>
+        <p:spPr>
+          <a:xfrm>
+            <a:off x="722313" y="3305176"/>
+            <a:ext cx="7772400" cy="1021556"/>
+          </a:xfrm>
+        </p:spPr>
+        <p:txBody>
+          <a:bodyPr/>
+          <a:lstStyle/>
+          <a:p>
+            <a:pPr lvl="0" indent="0" marL="0">
+              <a:buNone/>
+            </a:pPr>
+            <a:r>
+              <a:rPr/>
+              <a:t>Comparação dos Resultados</a:t>
+            </a:r>
+          </a:p>
+        </p:txBody>
+      </p:sp>
+    </p:spTree>
+  </p:cSld>
+</p:sld>
+</file>
+
+<file path=ppt/slides/slide22.xml><?xml version="1.0" encoding="utf-8"?>
+<p:sld xmlns:a="http://schemas.openxmlformats.org/drawingml/2006/main" xmlns:r="http://schemas.openxmlformats.org/officeDocument/2006/relationships" xmlns:p="http://schemas.openxmlformats.org/presentationml/2006/main">
+  <p:cSld>
+    <p:spTree>
+      <p:nvGrpSpPr>
+        <p:cNvPr id="1" name=""/>
+        <p:cNvGrpSpPr/>
+        <p:nvPr/>
+      </p:nvGrpSpPr>
+      <p:grpSpPr>
+        <a:xfrm>
+          <a:off x="0" y="0"/>
+          <a:ext cx="0" cy="0"/>
+          <a:chOff x="0" y="0"/>
+          <a:chExt cx="0" cy="0"/>
+        </a:xfrm>
+      </p:grpSpPr>
+      <p:sp>
+        <p:nvSpPr>
+          <p:cNvPr id="2" name="Title 1"/>
+          <p:cNvSpPr>
+            <a:spLocks noGrp="1"/>
+          </p:cNvSpPr>
+          <p:nvPr>
+            <p:ph type="title"/>
+          </p:nvPr>
+        </p:nvSpPr>
+        <p:spPr/>
+        <p:txBody>
+          <a:bodyPr/>
+          <a:lstStyle/>
+          <a:p>
+            <a:pPr lvl="0" indent="0" marL="0">
+              <a:buNone/>
+            </a:pPr>
+            <a:r>
+              <a:rPr/>
+              <a:t>Métricas de Desempenho</a:t>
+            </a:r>
+          </a:p>
+        </p:txBody>
+      </p:sp>
+      <p:graphicFrame>
+        <p:nvGraphicFramePr>
+          <p:cNvPr id="6" name="Content Placeholder 5"/>
+          <p:cNvGraphicFramePr>
+            <a:graphicFrameLocks noGrp="1"/>
+          </p:cNvGraphicFramePr>
+          <p:nvPr>
+            <p:ph idx="1"/>
+          </p:nvPr>
+        </p:nvGraphicFramePr>
+        <p:xfrm>
+          <a:off x="457200" y="1193800"/>
+          <a:ext cx="8229600" cy="3390900"/>
+        </p:xfrm>
+        <a:graphic>
+          <a:graphicData uri="http://schemas.openxmlformats.org/drawingml/2006/table">
+            <a:tbl>
+              <a:tblPr firstRow="1" bandRow="1">
+                <a:tableStyleId>{5C22544A-7EE6-4342-B048-85BDC9FD1C3A}</a:tableStyleId>
+              </a:tblPr>
+              <a:tblGrid>
+                <a:gridCol w="1638300"/>
+                <a:gridCol w="1638300"/>
+                <a:gridCol w="1638300"/>
+                <a:gridCol w="1638300"/>
+                <a:gridCol w="1638300"/>
+              </a:tblGrid>
+              <a:tr h="0">
+                <a:tc>
+                  <a:txBody>
+                    <a:bodyPr/>
+                    <a:lstStyle/>
+                    <a:p>
+                      <a:pPr lvl="0" indent="0" marL="0">
+                        <a:buNone/>
+                      </a:pPr>
+                      <a:r>
+                        <a:rPr/>
+                        <a:t>Fila</a:t>
+                      </a:r>
+                    </a:p>
+                  </a:txBody>
+                  <a:tcPr/>
+                </a:tc>
+                <a:tc>
+                  <a:txBody>
+                    <a:bodyPr/>
+                    <a:lstStyle/>
+                    <a:p>
+                      <a:pPr lvl="0" indent="0" marL="0">
+                        <a:buNone/>
+                      </a:pPr>
+                      <a:r>
+                        <a:rPr/>
+                        <a:t>Métrica</a:t>
+                      </a:r>
+                    </a:p>
+                  </a:txBody>
+                  <a:tcPr/>
+                </a:tc>
+                <a:tc>
+                  <a:txBody>
+                    <a:bodyPr/>
+                    <a:lstStyle/>
+                    <a:p>
+                      <a:pPr lvl="0" indent="0" marL="0">
+                        <a:buNone/>
+                      </a:pPr>
+                      <a:r>
+                        <a:rPr/>
+                        <a:t>Original</a:t>
+                      </a:r>
+                    </a:p>
+                  </a:txBody>
+                  <a:tcPr/>
+                </a:tc>
+                <a:tc>
+                  <a:txBody>
+                    <a:bodyPr/>
+                    <a:lstStyle/>
+                    <a:p>
+                      <a:pPr lvl="0" indent="0" marL="0">
+                        <a:buNone/>
+                      </a:pPr>
+                      <a:r>
+                        <a:rPr/>
+                        <a:t>Melhorado</a:t>
+                      </a:r>
+                    </a:p>
+                  </a:txBody>
+                  <a:tcPr/>
+                </a:tc>
+                <a:tc>
+                  <a:txBody>
+                    <a:bodyPr/>
+                    <a:lstStyle/>
+                    <a:p>
+                      <a:pPr lvl="0" indent="0" marL="0">
+                        <a:buNone/>
+                      </a:pPr>
+                      <a:r>
+                        <a:rPr/>
+                        <a:t>Variação</a:t>
+                      </a:r>
+                    </a:p>
+                  </a:txBody>
+                  <a:tcPr/>
+                </a:tc>
+              </a:tr>
+              <a:tr h="0">
+                <a:tc>
+                  <a:txBody>
+                    <a:bodyPr/>
+                    <a:lstStyle/>
+                    <a:p>
+                      <a:pPr lvl="0" indent="0" marL="0">
+                        <a:buNone/>
+                      </a:pPr>
+                      <a:r>
+                        <a:rPr/>
+                        <a:t>Triagem</a:t>
+                      </a:r>
+                    </a:p>
+                  </a:txBody>
+                </a:tc>
+                <a:tc>
+                  <a:txBody>
+                    <a:bodyPr/>
+                    <a:lstStyle/>
+                    <a:p>
+                      <a:pPr lvl="0" indent="0" marL="0">
+                        <a:buNone/>
+                      </a:pPr>
+                      <a:r>
+                        <a:rPr/>
+                        <a:t>População Média</a:t>
+                      </a:r>
+                    </a:p>
+                  </a:txBody>
+                </a:tc>
+                <a:tc>
+                  <a:txBody>
+                    <a:bodyPr/>
+                    <a:lstStyle/>
+                    <a:p>
+                      <a:pPr lvl="0" indent="0" marL="0">
+                        <a:buNone/>
+                      </a:pPr>
+                      <a:r>
+                        <a:rPr/>
+                        <a:t>0.55</a:t>
+                      </a:r>
+                    </a:p>
+                  </a:txBody>
+                </a:tc>
+                <a:tc>
+                  <a:txBody>
+                    <a:bodyPr/>
+                    <a:lstStyle/>
+                    <a:p>
+                      <a:pPr lvl="0" indent="0" marL="0">
+                        <a:buNone/>
+                      </a:pPr>
+                      <a:r>
+                        <a:rPr/>
+                        <a:t>0.45</a:t>
+                      </a:r>
+                    </a:p>
+                  </a:txBody>
+                </a:tc>
+                <a:tc>
+                  <a:txBody>
+                    <a:bodyPr/>
+                    <a:lstStyle/>
+                    <a:p>
+                      <a:pPr lvl="0" indent="0" marL="0">
+                        <a:buNone/>
+                      </a:pPr>
+                      <a:r>
+                        <a:rPr/>
+                        <a:t>-18.18%</a:t>
+                      </a:r>
+                    </a:p>
+                  </a:txBody>
+                </a:tc>
+              </a:tr>
+              <a:tr h="0">
+                <a:tc>
+                  <a:txBody>
+                    <a:bodyPr/>
+                    <a:lstStyle/>
+                    <a:p>
+                      <a:endParaRPr/>
+                    </a:p>
+                  </a:txBody>
+                </a:tc>
+                <a:tc>
+                  <a:txBody>
+                    <a:bodyPr/>
+                    <a:lstStyle/>
+                    <a:p>
+                      <a:pPr lvl="0" indent="0" marL="0">
+                        <a:buNone/>
+                      </a:pPr>
+                      <a:r>
+                        <a:rPr/>
+                        <a:t>Throughput</a:t>
+                      </a:r>
+                    </a:p>
+                  </a:txBody>
+                </a:tc>
+                <a:tc>
+                  <a:txBody>
+                    <a:bodyPr/>
+                    <a:lstStyle/>
+                    <a:p>
+                      <a:pPr lvl="0" indent="0" marL="0">
+                        <a:buNone/>
+                      </a:pPr>
+                      <a:r>
+                        <a:rPr/>
+                        <a:t>0.1000</a:t>
+                      </a:r>
+                    </a:p>
+                  </a:txBody>
+                </a:tc>
+                <a:tc>
+                  <a:txBody>
+                    <a:bodyPr/>
+                    <a:lstStyle/>
+                    <a:p>
+                      <a:pPr lvl="0" indent="0" marL="0">
+                        <a:buNone/>
+                      </a:pPr>
+                      <a:r>
+                        <a:rPr/>
+                        <a:t>0.1000</a:t>
+                      </a:r>
+                    </a:p>
+                  </a:txBody>
+                </a:tc>
+                <a:tc>
+                  <a:txBody>
+                    <a:bodyPr/>
+                    <a:lstStyle/>
+                    <a:p>
+                      <a:pPr lvl="0" indent="0" marL="0">
+                        <a:buNone/>
+                      </a:pPr>
+                      <a:r>
+                        <a:rPr/>
+                        <a:t>0%</a:t>
+                      </a:r>
+                    </a:p>
+                  </a:txBody>
+                </a:tc>
+              </a:tr>
+              <a:tr h="0">
+                <a:tc>
+                  <a:txBody>
+                    <a:bodyPr/>
+                    <a:lstStyle/>
+                    <a:p>
+                      <a:endParaRPr/>
+                    </a:p>
+                  </a:txBody>
+                </a:tc>
+                <a:tc>
+                  <a:txBody>
+                    <a:bodyPr/>
+                    <a:lstStyle/>
+                    <a:p>
+                      <a:pPr lvl="0" indent="0" marL="0">
+                        <a:buNone/>
+                      </a:pPr>
+                      <a:r>
+                        <a:rPr/>
+                        <a:t>Utilização</a:t>
+                      </a:r>
+                    </a:p>
+                  </a:txBody>
+                </a:tc>
+                <a:tc>
+                  <a:txBody>
+                    <a:bodyPr/>
+                    <a:lstStyle/>
+                    <a:p>
+                      <a:pPr lvl="0" indent="0" marL="0">
+                        <a:buNone/>
+                      </a:pPr>
+                      <a:r>
+                        <a:rPr/>
+                        <a:t>27.48%</a:t>
+                      </a:r>
+                    </a:p>
+                  </a:txBody>
+                </a:tc>
+                <a:tc>
+                  <a:txBody>
+                    <a:bodyPr/>
+                    <a:lstStyle/>
+                    <a:p>
+                      <a:pPr lvl="0" indent="0" marL="0">
+                        <a:buNone/>
+                      </a:pPr>
+                      <a:r>
+                        <a:rPr/>
+                        <a:t>14.98%</a:t>
+                      </a:r>
+                    </a:p>
+                  </a:txBody>
+                </a:tc>
+                <a:tc>
+                  <a:txBody>
+                    <a:bodyPr/>
+                    <a:lstStyle/>
+                    <a:p>
+                      <a:pPr lvl="0" indent="0" marL="0">
+                        <a:buNone/>
+                      </a:pPr>
+                      <a:r>
+                        <a:rPr/>
+                        <a:t>-45.49%</a:t>
+                      </a:r>
+                    </a:p>
+                  </a:txBody>
+                </a:tc>
+              </a:tr>
+              <a:tr h="0">
+                <a:tc>
+                  <a:txBody>
+                    <a:bodyPr/>
+                    <a:lstStyle/>
+                    <a:p>
+                      <a:endParaRPr/>
+                    </a:p>
+                  </a:txBody>
+                </a:tc>
+                <a:tc>
+                  <a:txBody>
+                    <a:bodyPr/>
+                    <a:lstStyle/>
+                    <a:p>
+                      <a:pPr lvl="0" indent="0" marL="0">
+                        <a:buNone/>
+                      </a:pPr>
+                      <a:r>
+                        <a:rPr/>
+                        <a:t>Tempo de Resposta</a:t>
+                      </a:r>
+                    </a:p>
+                  </a:txBody>
+                </a:tc>
+                <a:tc>
+                  <a:txBody>
+                    <a:bodyPr/>
+                    <a:lstStyle/>
+                    <a:p>
+                      <a:pPr lvl="0" indent="0" marL="0">
+                        <a:buNone/>
+                      </a:pPr>
+                      <a:r>
+                        <a:rPr/>
+                        <a:t>0.00</a:t>
+                      </a:r>
+                    </a:p>
+                  </a:txBody>
+                </a:tc>
+                <a:tc>
+                  <a:txBody>
+                    <a:bodyPr/>
+                    <a:lstStyle/>
+                    <a:p>
+                      <a:pPr lvl="0" indent="0" marL="0">
+                        <a:buNone/>
+                      </a:pPr>
+                      <a:r>
+                        <a:rPr/>
+                        <a:t>0.00</a:t>
+                      </a:r>
+                    </a:p>
+                  </a:txBody>
+                </a:tc>
+                <a:tc>
+                  <a:txBody>
+                    <a:bodyPr/>
+                    <a:lstStyle/>
+                    <a:p>
+                      <a:pPr lvl="0" indent="0" marL="0">
+                        <a:buNone/>
+                      </a:pPr>
+                      <a:r>
+                        <a:rPr/>
+                        <a:t>0%</a:t>
+                      </a:r>
+                    </a:p>
+                  </a:txBody>
+                </a:tc>
+              </a:tr>
+              <a:tr h="0">
+                <a:tc>
+                  <a:txBody>
+                    <a:bodyPr/>
+                    <a:lstStyle/>
+                    <a:p>
+                      <a:endParaRPr/>
+                    </a:p>
+                  </a:txBody>
+                </a:tc>
+                <a:tc>
+                  <a:txBody>
+                    <a:bodyPr/>
+                    <a:lstStyle/>
+                    <a:p>
+                      <a:pPr lvl="0" indent="0" marL="0">
+                        <a:buNone/>
+                      </a:pPr>
+                      <a:r>
+                        <a:rPr/>
+                        <a:t>Clientes Perdidos</a:t>
+                      </a:r>
+                    </a:p>
+                  </a:txBody>
+                </a:tc>
+                <a:tc>
+                  <a:txBody>
+                    <a:bodyPr/>
+                    <a:lstStyle/>
+                    <a:p>
+                      <a:pPr lvl="0" indent="0" marL="0">
+                        <a:buNone/>
+                      </a:pPr>
+                      <a:r>
+                        <a:rPr/>
+                        <a:t>0</a:t>
+                      </a:r>
+                    </a:p>
+                  </a:txBody>
+                </a:tc>
+                <a:tc>
+                  <a:txBody>
+                    <a:bodyPr/>
+                    <a:lstStyle/>
+                    <a:p>
+                      <a:pPr lvl="0" indent="0" marL="0">
+                        <a:buNone/>
+                      </a:pPr>
+                      <a:r>
+                        <a:rPr/>
+                        <a:t>0</a:t>
+                      </a:r>
+                    </a:p>
+                  </a:txBody>
+                </a:tc>
+                <a:tc>
+                  <a:txBody>
+                    <a:bodyPr/>
+                    <a:lstStyle/>
+                    <a:p>
+                      <a:pPr lvl="0" indent="0" marL="0">
+                        <a:buNone/>
+                      </a:pPr>
+                      <a:r>
+                        <a:rPr/>
+                        <a:t>0%</a:t>
+                      </a:r>
+                    </a:p>
+                  </a:txBody>
+                </a:tc>
+              </a:tr>
+              <a:tr h="0">
+                <a:tc>
+                  <a:txBody>
+                    <a:bodyPr/>
+                    <a:lstStyle/>
+                    <a:p>
+                      <a:pPr lvl="0" indent="0" marL="0">
+                        <a:buNone/>
+                      </a:pPr>
+                      <a:r>
+                        <a:rPr/>
+                        <a:t>Emergência</a:t>
+                      </a:r>
+                    </a:p>
+                  </a:txBody>
+                </a:tc>
+                <a:tc>
+                  <a:txBody>
+                    <a:bodyPr/>
+                    <a:lstStyle/>
+                    <a:p>
+                      <a:pPr lvl="0" indent="0" marL="0">
+                        <a:buNone/>
+                      </a:pPr>
+                      <a:r>
+                        <a:rPr/>
+                        <a:t>População Média</a:t>
+                      </a:r>
+                    </a:p>
+                  </a:txBody>
+                </a:tc>
+                <a:tc>
+                  <a:txBody>
+                    <a:bodyPr/>
+                    <a:lstStyle/>
+                    <a:p>
+                      <a:pPr lvl="0" indent="0" marL="0">
+                        <a:buNone/>
+                      </a:pPr>
+                      <a:r>
+                        <a:rPr/>
+                        <a:t>0.92</a:t>
+                      </a:r>
+                    </a:p>
+                  </a:txBody>
+                </a:tc>
+                <a:tc>
+                  <a:txBody>
+                    <a:bodyPr/>
+                    <a:lstStyle/>
+                    <a:p>
+                      <a:pPr lvl="0" indent="0" marL="0">
+                        <a:buNone/>
+                      </a:pPr>
+                      <a:r>
+                        <a:rPr/>
+                        <a:t>0.68</a:t>
+                      </a:r>
+                    </a:p>
+                  </a:txBody>
+                </a:tc>
+                <a:tc>
+                  <a:txBody>
+                    <a:bodyPr/>
+                    <a:lstStyle/>
+                    <a:p>
+                      <a:pPr lvl="0" indent="0" marL="0">
+                        <a:buNone/>
+                      </a:pPr>
+                      <a:r>
+                        <a:rPr/>
+                        <a:t>-26.09%</a:t>
+                      </a:r>
+                    </a:p>
+                  </a:txBody>
+                </a:tc>
+              </a:tr>
+              <a:tr h="0">
+                <a:tc>
+                  <a:txBody>
+                    <a:bodyPr/>
+                    <a:lstStyle/>
+                    <a:p>
+                      <a:endParaRPr/>
+                    </a:p>
+                  </a:txBody>
+                </a:tc>
+                <a:tc>
+                  <a:txBody>
+                    <a:bodyPr/>
+                    <a:lstStyle/>
+                    <a:p>
+                      <a:pPr lvl="0" indent="0" marL="0">
+                        <a:buNone/>
+                      </a:pPr>
+                      <a:r>
+                        <a:rPr/>
+                        <a:t>Throughput</a:t>
+                      </a:r>
+                    </a:p>
+                  </a:txBody>
+                </a:tc>
+                <a:tc>
+                  <a:txBody>
+                    <a:bodyPr/>
+                    <a:lstStyle/>
+                    <a:p>
+                      <a:pPr lvl="0" indent="0" marL="0">
+                        <a:buNone/>
+                      </a:pPr>
+                      <a:r>
+                        <a:rPr/>
+                        <a:t>0.0304</a:t>
+                      </a:r>
+                    </a:p>
+                  </a:txBody>
+                </a:tc>
+                <a:tc>
+                  <a:txBody>
+                    <a:bodyPr/>
+                    <a:lstStyle/>
+                    <a:p>
+                      <a:pPr lvl="0" indent="0" marL="0">
+                        <a:buNone/>
+                      </a:pPr>
+                      <a:r>
+                        <a:rPr/>
+                        <a:t>0.0304</a:t>
+                      </a:r>
+                    </a:p>
+                  </a:txBody>
+                </a:tc>
+                <a:tc>
+                  <a:txBody>
+                    <a:bodyPr/>
+                    <a:lstStyle/>
+                    <a:p>
+                      <a:pPr lvl="0" indent="0" marL="0">
+                        <a:buNone/>
+                      </a:pPr>
+                      <a:r>
+                        <a:rPr/>
+                        <a:t>0%</a:t>
+                      </a:r>
+                    </a:p>
+                  </a:txBody>
+                </a:tc>
+              </a:tr>
+              <a:tr h="0">
+                <a:tc>
+                  <a:txBody>
+                    <a:bodyPr/>
+                    <a:lstStyle/>
+                    <a:p>
+                      <a:endParaRPr/>
+                    </a:p>
+                  </a:txBody>
+                </a:tc>
+                <a:tc>
+                  <a:txBody>
+                    <a:bodyPr/>
+                    <a:lstStyle/>
+                    <a:p>
+                      <a:pPr lvl="0" indent="0" marL="0">
+                        <a:buNone/>
+                      </a:pPr>
+                      <a:r>
+                        <a:rPr/>
+                        <a:t>Utilização</a:t>
+                      </a:r>
+                    </a:p>
+                  </a:txBody>
+                </a:tc>
+                <a:tc>
+                  <a:txBody>
+                    <a:bodyPr/>
+                    <a:lstStyle/>
+                    <a:p>
+                      <a:pPr lvl="0" indent="0" marL="0">
+                        <a:buNone/>
+                      </a:pPr>
+                      <a:r>
+                        <a:rPr/>
+                        <a:t>30.53%</a:t>
+                      </a:r>
+                    </a:p>
+                  </a:txBody>
+                </a:tc>
+                <a:tc>
+                  <a:txBody>
+                    <a:bodyPr/>
+                    <a:lstStyle/>
+                    <a:p>
+                      <a:pPr lvl="0" indent="0" marL="0">
+                        <a:buNone/>
+                      </a:pPr>
+                      <a:r>
+                        <a:rPr/>
+                        <a:t>17.10%</a:t>
+                      </a:r>
+                    </a:p>
+                  </a:txBody>
+                </a:tc>
+                <a:tc>
+                  <a:txBody>
+                    <a:bodyPr/>
+                    <a:lstStyle/>
+                    <a:p>
+                      <a:pPr lvl="0" indent="0" marL="0">
+                        <a:buNone/>
+                      </a:pPr>
+                      <a:r>
+                        <a:rPr/>
+                        <a:t>-43.99%</a:t>
+                      </a:r>
+                    </a:p>
+                  </a:txBody>
+                </a:tc>
+              </a:tr>
+              <a:tr h="0">
+                <a:tc>
+                  <a:txBody>
+                    <a:bodyPr/>
+                    <a:lstStyle/>
+                    <a:p>
+                      <a:endParaRPr/>
+                    </a:p>
+                  </a:txBody>
+                </a:tc>
+                <a:tc>
+                  <a:txBody>
+                    <a:bodyPr/>
+                    <a:lstStyle/>
+                    <a:p>
+                      <a:pPr lvl="0" indent="0" marL="0">
+                        <a:buNone/>
+                      </a:pPr>
+                      <a:r>
+                        <a:rPr/>
+                        <a:t>Tempo de Resposta</a:t>
+                      </a:r>
+                    </a:p>
+                  </a:txBody>
+                </a:tc>
+                <a:tc>
+                  <a:txBody>
+                    <a:bodyPr/>
+                    <a:lstStyle/>
+                    <a:p>
+                      <a:pPr lvl="0" indent="0" marL="0">
+                        <a:buNone/>
+                      </a:pPr>
+                      <a:r>
+                        <a:rPr/>
+                        <a:t>0.14</a:t>
+                      </a:r>
+                    </a:p>
+                  </a:txBody>
+                </a:tc>
+                <a:tc>
+                  <a:txBody>
+                    <a:bodyPr/>
+                    <a:lstStyle/>
+                    <a:p>
+                      <a:pPr lvl="0" indent="0" marL="0">
+                        <a:buNone/>
+                      </a:pPr>
+                      <a:r>
+                        <a:rPr/>
+                        <a:t>0.00</a:t>
+                      </a:r>
+                    </a:p>
+                  </a:txBody>
+                </a:tc>
+                <a:tc>
+                  <a:txBody>
+                    <a:bodyPr/>
+                    <a:lstStyle/>
+                    <a:p>
+                      <a:pPr lvl="0" indent="0" marL="0">
+                        <a:buNone/>
+                      </a:pPr>
+                      <a:r>
+                        <a:rPr/>
+                        <a:t>-100%</a:t>
+                      </a:r>
+                    </a:p>
+                  </a:txBody>
+                </a:tc>
+              </a:tr>
+              <a:tr h="0">
+                <a:tc>
+                  <a:txBody>
+                    <a:bodyPr/>
+                    <a:lstStyle/>
+                    <a:p>
+                      <a:endParaRPr/>
+                    </a:p>
+                  </a:txBody>
+                </a:tc>
+                <a:tc>
+                  <a:txBody>
+                    <a:bodyPr/>
+                    <a:lstStyle/>
+                    <a:p>
+                      <a:pPr lvl="0" indent="0" marL="0">
+                        <a:buNone/>
+                      </a:pPr>
+                      <a:r>
+                        <a:rPr/>
+                        <a:t>Clientes Perdidos</a:t>
+                      </a:r>
+                    </a:p>
+                  </a:txBody>
+                </a:tc>
+                <a:tc>
+                  <a:txBody>
+                    <a:bodyPr/>
+                    <a:lstStyle/>
+                    <a:p>
+                      <a:pPr lvl="0" indent="0" marL="0">
+                        <a:buNone/>
+                      </a:pPr>
+                      <a:r>
+                        <a:rPr/>
+                        <a:t>0</a:t>
+                      </a:r>
+                    </a:p>
+                  </a:txBody>
+                </a:tc>
+                <a:tc>
+                  <a:txBody>
+                    <a:bodyPr/>
+                    <a:lstStyle/>
+                    <a:p>
+                      <a:pPr lvl="0" indent="0" marL="0">
+                        <a:buNone/>
+                      </a:pPr>
+                      <a:r>
+                        <a:rPr/>
+                        <a:t>0</a:t>
+                      </a:r>
+                    </a:p>
+                  </a:txBody>
+                </a:tc>
+                <a:tc>
+                  <a:txBody>
+                    <a:bodyPr/>
+                    <a:lstStyle/>
+                    <a:p>
+                      <a:pPr lvl="0" indent="0" marL="0">
+                        <a:buNone/>
+                      </a:pPr>
+                      <a:r>
+                        <a:rPr/>
+                        <a:t>0%</a:t>
+                      </a:r>
+                    </a:p>
+                  </a:txBody>
+                </a:tc>
+              </a:tr>
+            </a:tbl>
+          </a:graphicData>
+        </a:graphic>
+      </p:graphicFrame>
+    </p:spTree>
+  </p:cSld>
+</p:sld>
+</file>
+
+<file path=ppt/slides/slide23.xml><?xml version="1.0" encoding="utf-8"?>
+<p:sld xmlns:a="http://schemas.openxmlformats.org/drawingml/2006/main" xmlns:r="http://schemas.openxmlformats.org/officeDocument/2006/relationships" xmlns:p="http://schemas.openxmlformats.org/presentationml/2006/main">
+  <p:cSld>
+    <p:spTree>
+      <p:nvGrpSpPr>
+        <p:cNvPr id="1" name=""/>
+        <p:cNvGrpSpPr/>
+        <p:nvPr/>
+      </p:nvGrpSpPr>
+      <p:grpSpPr>
+        <a:xfrm>
+          <a:off x="0" y="0"/>
+          <a:ext cx="0" cy="0"/>
+          <a:chOff x="0" y="0"/>
+          <a:chExt cx="0" cy="0"/>
+        </a:xfrm>
+      </p:grpSpPr>
+      <p:sp>
+        <p:nvSpPr>
+          <p:cNvPr id="2" name="Title 1"/>
+          <p:cNvSpPr>
+            <a:spLocks noGrp="1"/>
+          </p:cNvSpPr>
+          <p:nvPr>
+            <p:ph type="title"/>
+          </p:nvPr>
+        </p:nvSpPr>
+        <p:spPr>
+          <a:xfrm>
+            <a:off x="722313" y="3305176"/>
+            <a:ext cx="7772400" cy="1021556"/>
+          </a:xfrm>
+        </p:spPr>
+        <p:txBody>
+          <a:bodyPr/>
+          <a:lstStyle/>
+          <a:p>
+            <a:pPr lvl="0" indent="0" marL="0">
+              <a:buNone/>
+            </a:pPr>
+            <a:r>
+              <a:rPr/>
+              <a:t>Comparação dos Resultados (Continuação)</a:t>
+            </a:r>
+          </a:p>
+        </p:txBody>
+      </p:sp>
+    </p:spTree>
+  </p:cSld>
+</p:sld>
+</file>
+
+<file path=ppt/slides/slide24.xml><?xml version="1.0" encoding="utf-8"?>
+<p:sld xmlns:a="http://schemas.openxmlformats.org/drawingml/2006/main" xmlns:r="http://schemas.openxmlformats.org/officeDocument/2006/relationships" xmlns:p="http://schemas.openxmlformats.org/presentationml/2006/main">
+  <p:cSld>
+    <p:spTree>
+      <p:nvGrpSpPr>
+        <p:cNvPr id="1" name=""/>
+        <p:cNvGrpSpPr/>
+        <p:nvPr/>
+      </p:nvGrpSpPr>
+      <p:grpSpPr>
+        <a:xfrm>
+          <a:off x="0" y="0"/>
+          <a:ext cx="0" cy="0"/>
+          <a:chOff x="0" y="0"/>
+          <a:chExt cx="0" cy="0"/>
+        </a:xfrm>
+      </p:grpSpPr>
+      <p:sp>
+        <p:nvSpPr>
+          <p:cNvPr id="2" name="Title 1"/>
+          <p:cNvSpPr>
+            <a:spLocks noGrp="1"/>
+          </p:cNvSpPr>
+          <p:nvPr>
+            <p:ph type="title"/>
+          </p:nvPr>
+        </p:nvSpPr>
+        <p:spPr/>
+        <p:txBody>
+          <a:bodyPr/>
+          <a:lstStyle/>
+          <a:p>
+            <a:pPr lvl="0" indent="0" marL="0">
+              <a:buNone/>
+            </a:pPr>
+            <a:r>
+              <a:rPr/>
+              <a:t>Métricas de Desempenho</a:t>
+            </a:r>
+          </a:p>
+        </p:txBody>
+      </p:sp>
+      <p:graphicFrame>
+        <p:nvGraphicFramePr>
+          <p:cNvPr id="6" name="Content Placeholder 5"/>
+          <p:cNvGraphicFramePr>
+            <a:graphicFrameLocks noGrp="1"/>
+          </p:cNvGraphicFramePr>
+          <p:nvPr>
+            <p:ph idx="1"/>
+          </p:nvPr>
+        </p:nvGraphicFramePr>
+        <p:xfrm>
+          <a:off x="457200" y="1193800"/>
+          <a:ext cx="8229600" cy="3390900"/>
+        </p:xfrm>
+        <a:graphic>
+          <a:graphicData uri="http://schemas.openxmlformats.org/drawingml/2006/table">
+            <a:tbl>
+              <a:tblPr firstRow="1" bandRow="1">
+                <a:tableStyleId>{5C22544A-7EE6-4342-B048-85BDC9FD1C3A}</a:tableStyleId>
+              </a:tblPr>
+              <a:tblGrid>
+                <a:gridCol w="1638300"/>
+                <a:gridCol w="1638300"/>
+                <a:gridCol w="1638300"/>
+                <a:gridCol w="1638300"/>
+                <a:gridCol w="1638300"/>
+              </a:tblGrid>
+              <a:tr h="0">
+                <a:tc>
+                  <a:txBody>
+                    <a:bodyPr/>
+                    <a:lstStyle/>
+                    <a:p>
+                      <a:pPr lvl="0" indent="0" marL="0">
+                        <a:buNone/>
+                      </a:pPr>
+                      <a:r>
+                        <a:rPr/>
+                        <a:t>Fila</a:t>
+                      </a:r>
+                    </a:p>
+                  </a:txBody>
+                  <a:tcPr/>
+                </a:tc>
+                <a:tc>
+                  <a:txBody>
+                    <a:bodyPr/>
+                    <a:lstStyle/>
+                    <a:p>
+                      <a:pPr lvl="0" indent="0" marL="0">
+                        <a:buNone/>
+                      </a:pPr>
+                      <a:r>
+                        <a:rPr/>
+                        <a:t>Métrica</a:t>
+                      </a:r>
+                    </a:p>
+                  </a:txBody>
+                  <a:tcPr/>
+                </a:tc>
+                <a:tc>
+                  <a:txBody>
+                    <a:bodyPr/>
+                    <a:lstStyle/>
+                    <a:p>
+                      <a:pPr lvl="0" indent="0" marL="0">
+                        <a:buNone/>
+                      </a:pPr>
+                      <a:r>
+                        <a:rPr/>
+                        <a:t>Original</a:t>
+                      </a:r>
+                    </a:p>
+                  </a:txBody>
+                  <a:tcPr/>
+                </a:tc>
+                <a:tc>
+                  <a:txBody>
+                    <a:bodyPr/>
+                    <a:lstStyle/>
+                    <a:p>
+                      <a:pPr lvl="0" indent="0" marL="0">
+                        <a:buNone/>
+                      </a:pPr>
+                      <a:r>
+                        <a:rPr/>
+                        <a:t>Melhorado</a:t>
+                      </a:r>
+                    </a:p>
+                  </a:txBody>
+                  <a:tcPr/>
+                </a:tc>
+                <a:tc>
+                  <a:txBody>
+                    <a:bodyPr/>
+                    <a:lstStyle/>
+                    <a:p>
+                      <a:pPr lvl="0" indent="0" marL="0">
+                        <a:buNone/>
+                      </a:pPr>
+                      <a:r>
+                        <a:rPr/>
+                        <a:t>Variação</a:t>
+                      </a:r>
+                    </a:p>
+                  </a:txBody>
+                  <a:tcPr/>
+                </a:tc>
+              </a:tr>
+              <a:tr h="0">
+                <a:tc>
+                  <a:txBody>
+                    <a:bodyPr/>
+                    <a:lstStyle/>
+                    <a:p>
+                      <a:pPr lvl="0" indent="0" marL="0">
+                        <a:buNone/>
+                      </a:pPr>
+                      <a:r>
+                        <a:rPr/>
+                        <a:t>Consulta</a:t>
+                      </a:r>
+                    </a:p>
+                  </a:txBody>
+                </a:tc>
+                <a:tc>
+                  <a:txBody>
+                    <a:bodyPr/>
+                    <a:lstStyle/>
+                    <a:p>
+                      <a:pPr lvl="0" indent="0" marL="0">
+                        <a:buNone/>
+                      </a:pPr>
+                      <a:r>
+                        <a:rPr/>
+                        <a:t>População Média</a:t>
+                      </a:r>
+                    </a:p>
+                  </a:txBody>
+                </a:tc>
+                <a:tc>
+                  <a:txBody>
+                    <a:bodyPr/>
+                    <a:lstStyle/>
+                    <a:p>
+                      <a:pPr lvl="0" indent="0" marL="0">
+                        <a:buNone/>
+                      </a:pPr>
+                      <a:r>
+                        <a:rPr/>
+                        <a:t>1.57</a:t>
+                      </a:r>
+                    </a:p>
+                  </a:txBody>
+                </a:tc>
+                <a:tc>
+                  <a:txBody>
+                    <a:bodyPr/>
+                    <a:lstStyle/>
+                    <a:p>
+                      <a:pPr lvl="0" indent="0" marL="0">
+                        <a:buNone/>
+                      </a:pPr>
+                      <a:r>
+                        <a:rPr/>
+                        <a:t>1.05</a:t>
+                      </a:r>
+                    </a:p>
+                  </a:txBody>
+                </a:tc>
+                <a:tc>
+                  <a:txBody>
+                    <a:bodyPr/>
+                    <a:lstStyle/>
+                    <a:p>
+                      <a:pPr lvl="0" indent="0" marL="0">
+                        <a:buNone/>
+                      </a:pPr>
+                      <a:r>
+                        <a:rPr/>
+                        <a:t>-33.12%</a:t>
+                      </a:r>
+                    </a:p>
+                  </a:txBody>
+                </a:tc>
+              </a:tr>
+              <a:tr h="0">
+                <a:tc>
+                  <a:txBody>
+                    <a:bodyPr/>
+                    <a:lstStyle/>
+                    <a:p>
+                      <a:endParaRPr/>
+                    </a:p>
+                  </a:txBody>
+                </a:tc>
+                <a:tc>
+                  <a:txBody>
+                    <a:bodyPr/>
+                    <a:lstStyle/>
+                    <a:p>
+                      <a:pPr lvl="0" indent="0" marL="0">
+                        <a:buNone/>
+                      </a:pPr>
+                      <a:r>
+                        <a:rPr/>
+                        <a:t>Throughput</a:t>
+                      </a:r>
+                    </a:p>
+                  </a:txBody>
+                </a:tc>
+                <a:tc>
+                  <a:txBody>
+                    <a:bodyPr/>
+                    <a:lstStyle/>
+                    <a:p>
+                      <a:pPr lvl="0" indent="0" marL="0">
+                        <a:buNone/>
+                      </a:pPr>
+                      <a:r>
+                        <a:rPr/>
+                        <a:t>0.0696</a:t>
+                      </a:r>
+                    </a:p>
+                  </a:txBody>
+                </a:tc>
+                <a:tc>
+                  <a:txBody>
+                    <a:bodyPr/>
+                    <a:lstStyle/>
+                    <a:p>
+                      <a:pPr lvl="0" indent="0" marL="0">
+                        <a:buNone/>
+                      </a:pPr>
+                      <a:r>
+                        <a:rPr/>
+                        <a:t>0.0696</a:t>
+                      </a:r>
+                    </a:p>
+                  </a:txBody>
+                </a:tc>
+                <a:tc>
+                  <a:txBody>
+                    <a:bodyPr/>
+                    <a:lstStyle/>
+                    <a:p>
+                      <a:pPr lvl="0" indent="0" marL="0">
+                        <a:buNone/>
+                      </a:pPr>
+                      <a:r>
+                        <a:rPr/>
+                        <a:t>0%</a:t>
+                      </a:r>
+                    </a:p>
+                  </a:txBody>
+                </a:tc>
+              </a:tr>
+              <a:tr h="0">
+                <a:tc>
+                  <a:txBody>
+                    <a:bodyPr/>
+                    <a:lstStyle/>
+                    <a:p>
+                      <a:endParaRPr/>
+                    </a:p>
+                  </a:txBody>
+                </a:tc>
+                <a:tc>
+                  <a:txBody>
+                    <a:bodyPr/>
+                    <a:lstStyle/>
+                    <a:p>
+                      <a:pPr lvl="0" indent="0" marL="0">
+                        <a:buNone/>
+                      </a:pPr>
+                      <a:r>
+                        <a:rPr/>
+                        <a:t>Utilização</a:t>
+                      </a:r>
+                    </a:p>
+                  </a:txBody>
+                </a:tc>
+                <a:tc>
+                  <a:txBody>
+                    <a:bodyPr/>
+                    <a:lstStyle/>
+                    <a:p>
+                      <a:pPr lvl="0" indent="0" marL="0">
+                        <a:buNone/>
+                      </a:pPr>
+                      <a:r>
+                        <a:rPr/>
+                        <a:t>69.78%</a:t>
+                      </a:r>
+                    </a:p>
+                  </a:txBody>
+                </a:tc>
+                <a:tc>
+                  <a:txBody>
+                    <a:bodyPr/>
+                    <a:lstStyle/>
+                    <a:p>
+                      <a:pPr lvl="0" indent="0" marL="0">
+                        <a:buNone/>
+                      </a:pPr>
+                      <a:r>
+                        <a:rPr/>
+                        <a:t>26.16%</a:t>
+                      </a:r>
+                    </a:p>
+                  </a:txBody>
+                </a:tc>
+                <a:tc>
+                  <a:txBody>
+                    <a:bodyPr/>
+                    <a:lstStyle/>
+                    <a:p>
+                      <a:pPr lvl="0" indent="0" marL="0">
+                        <a:buNone/>
+                      </a:pPr>
+                      <a:r>
+                        <a:rPr/>
+                        <a:t>-62.51%</a:t>
+                      </a:r>
+                    </a:p>
+                  </a:txBody>
+                </a:tc>
+              </a:tr>
+              <a:tr h="0">
+                <a:tc>
+                  <a:txBody>
+                    <a:bodyPr/>
+                    <a:lstStyle/>
+                    <a:p>
+                      <a:endParaRPr/>
+                    </a:p>
+                  </a:txBody>
+                </a:tc>
+                <a:tc>
+                  <a:txBody>
+                    <a:bodyPr/>
+                    <a:lstStyle/>
+                    <a:p>
+                      <a:pPr lvl="0" indent="0" marL="0">
+                        <a:buNone/>
+                      </a:pPr>
+                      <a:r>
+                        <a:rPr/>
+                        <a:t>Tempo de Resposta</a:t>
+                      </a:r>
+                    </a:p>
+                  </a:txBody>
+                </a:tc>
+                <a:tc>
+                  <a:txBody>
+                    <a:bodyPr/>
+                    <a:lstStyle/>
+                    <a:p>
+                      <a:pPr lvl="0" indent="0" marL="0">
+                        <a:buNone/>
+                      </a:pPr>
+                      <a:r>
+                        <a:rPr/>
+                        <a:t>2.44</a:t>
+                      </a:r>
+                    </a:p>
+                  </a:txBody>
+                </a:tc>
+                <a:tc>
+                  <a:txBody>
+                    <a:bodyPr/>
+                    <a:lstStyle/>
+                    <a:p>
+                      <a:pPr lvl="0" indent="0" marL="0">
+                        <a:buNone/>
+                      </a:pPr>
+                      <a:r>
+                        <a:rPr/>
+                        <a:t>0.00</a:t>
+                      </a:r>
+                    </a:p>
+                  </a:txBody>
+                </a:tc>
+                <a:tc>
+                  <a:txBody>
+                    <a:bodyPr/>
+                    <a:lstStyle/>
+                    <a:p>
+                      <a:pPr lvl="0" indent="0" marL="0">
+                        <a:buNone/>
+                      </a:pPr>
+                      <a:r>
+                        <a:rPr/>
+                        <a:t>-100%</a:t>
+                      </a:r>
+                    </a:p>
+                  </a:txBody>
+                </a:tc>
+              </a:tr>
+              <a:tr h="0">
+                <a:tc>
+                  <a:txBody>
+                    <a:bodyPr/>
+                    <a:lstStyle/>
+                    <a:p>
+                      <a:endParaRPr/>
+                    </a:p>
+                  </a:txBody>
+                </a:tc>
+                <a:tc>
+                  <a:txBody>
+                    <a:bodyPr/>
+                    <a:lstStyle/>
+                    <a:p>
+                      <a:pPr lvl="0" indent="0" marL="0">
+                        <a:buNone/>
+                      </a:pPr>
+                      <a:r>
+                        <a:rPr/>
+                        <a:t>Clientes Perdidos</a:t>
+                      </a:r>
+                    </a:p>
+                  </a:txBody>
+                </a:tc>
+                <a:tc>
+                  <a:txBody>
+                    <a:bodyPr/>
+                    <a:lstStyle/>
+                    <a:p>
+                      <a:pPr lvl="0" indent="0" marL="0">
+                        <a:buNone/>
+                      </a:pPr>
+                      <a:r>
+                        <a:rPr/>
+                        <a:t>0</a:t>
+                      </a:r>
+                    </a:p>
+                  </a:txBody>
+                </a:tc>
+                <a:tc>
+                  <a:txBody>
+                    <a:bodyPr/>
+                    <a:lstStyle/>
+                    <a:p>
+                      <a:pPr lvl="0" indent="0" marL="0">
+                        <a:buNone/>
+                      </a:pPr>
+                      <a:r>
+                        <a:rPr/>
+                        <a:t>0</a:t>
+                      </a:r>
+                    </a:p>
+                  </a:txBody>
+                </a:tc>
+                <a:tc>
+                  <a:txBody>
+                    <a:bodyPr/>
+                    <a:lstStyle/>
+                    <a:p>
+                      <a:pPr lvl="0" indent="0" marL="0">
+                        <a:buNone/>
+                      </a:pPr>
+                      <a:r>
+                        <a:rPr/>
+                        <a:t>0%</a:t>
+                      </a:r>
+                    </a:p>
+                  </a:txBody>
+                </a:tc>
+              </a:tr>
+              <a:tr h="0">
+                <a:tc>
+                  <a:txBody>
+                    <a:bodyPr/>
+                    <a:lstStyle/>
+                    <a:p>
+                      <a:pPr lvl="0" indent="0" marL="0">
+                        <a:buNone/>
+                      </a:pPr>
+                      <a:r>
+                        <a:rPr/>
+                        <a:t>Internação</a:t>
+                      </a:r>
+                    </a:p>
+                  </a:txBody>
+                </a:tc>
+                <a:tc>
+                  <a:txBody>
+                    <a:bodyPr/>
+                    <a:lstStyle/>
+                    <a:p>
+                      <a:pPr lvl="0" indent="0" marL="0">
+                        <a:buNone/>
+                      </a:pPr>
+                      <a:r>
+                        <a:rPr/>
+                        <a:t>População Média</a:t>
+                      </a:r>
+                    </a:p>
+                  </a:txBody>
+                </a:tc>
+                <a:tc>
+                  <a:txBody>
+                    <a:bodyPr/>
+                    <a:lstStyle/>
+                    <a:p>
+                      <a:pPr lvl="0" indent="0" marL="0">
+                        <a:buNone/>
+                      </a:pPr>
+                      <a:r>
+                        <a:rPr/>
+                        <a:t>6.85</a:t>
+                      </a:r>
+                    </a:p>
+                  </a:txBody>
+                </a:tc>
+                <a:tc>
+                  <a:txBody>
+                    <a:bodyPr/>
+                    <a:lstStyle/>
+                    <a:p>
+                      <a:pPr lvl="0" indent="0" marL="0">
+                        <a:buNone/>
+                      </a:pPr>
+                      <a:r>
+                        <a:rPr/>
+                        <a:t>14.74</a:t>
+                      </a:r>
+                    </a:p>
+                  </a:txBody>
+                </a:tc>
+                <a:tc>
+                  <a:txBody>
+                    <a:bodyPr/>
+                    <a:lstStyle/>
+                    <a:p>
+                      <a:pPr lvl="0" indent="0" marL="0">
+                        <a:buNone/>
+                      </a:pPr>
+                      <a:r>
+                        <a:rPr/>
+                        <a:t>+115.18%</a:t>
+                      </a:r>
+                    </a:p>
+                  </a:txBody>
+                </a:tc>
+              </a:tr>
+              <a:tr h="0">
+                <a:tc>
+                  <a:txBody>
+                    <a:bodyPr/>
+                    <a:lstStyle/>
+                    <a:p>
+                      <a:endParaRPr/>
+                    </a:p>
+                  </a:txBody>
+                </a:tc>
+                <a:tc>
+                  <a:txBody>
+                    <a:bodyPr/>
+                    <a:lstStyle/>
+                    <a:p>
+                      <a:pPr lvl="0" indent="0" marL="0">
+                        <a:buNone/>
+                      </a:pPr>
+                      <a:r>
+                        <a:rPr/>
+                        <a:t>Throughput</a:t>
+                      </a:r>
+                    </a:p>
+                  </a:txBody>
+                </a:tc>
+                <a:tc>
+                  <a:txBody>
+                    <a:bodyPr/>
+                    <a:lstStyle/>
+                    <a:p>
+                      <a:pPr lvl="0" indent="0" marL="0">
+                        <a:buNone/>
+                      </a:pPr>
+                      <a:r>
+                        <a:rPr/>
+                        <a:t>0.0056</a:t>
+                      </a:r>
+                    </a:p>
+                  </a:txBody>
+                </a:tc>
+                <a:tc>
+                  <a:txBody>
+                    <a:bodyPr/>
+                    <a:lstStyle/>
+                    <a:p>
+                      <a:pPr lvl="0" indent="0" marL="0">
+                        <a:buNone/>
+                      </a:pPr>
+                      <a:r>
+                        <a:rPr/>
+                        <a:t>0.0296</a:t>
+                      </a:r>
+                    </a:p>
+                  </a:txBody>
+                </a:tc>
+                <a:tc>
+                  <a:txBody>
+                    <a:bodyPr/>
+                    <a:lstStyle/>
+                    <a:p>
+                      <a:pPr lvl="0" indent="0" marL="0">
+                        <a:buNone/>
+                      </a:pPr>
+                      <a:r>
+                        <a:rPr/>
+                        <a:t>+428.57%</a:t>
+                      </a:r>
+                    </a:p>
+                  </a:txBody>
+                </a:tc>
+              </a:tr>
+              <a:tr h="0">
+                <a:tc>
+                  <a:txBody>
+                    <a:bodyPr/>
+                    <a:lstStyle/>
+                    <a:p>
+                      <a:endParaRPr/>
+                    </a:p>
+                  </a:txBody>
+                </a:tc>
+                <a:tc>
+                  <a:txBody>
+                    <a:bodyPr/>
+                    <a:lstStyle/>
+                    <a:p>
+                      <a:pPr lvl="0" indent="0" marL="0">
+                        <a:buNone/>
+                      </a:pPr>
+                      <a:r>
+                        <a:rPr/>
+                        <a:t>Utilização</a:t>
+                      </a:r>
+                    </a:p>
+                  </a:txBody>
+                </a:tc>
+                <a:tc>
+                  <a:txBody>
+                    <a:bodyPr/>
+                    <a:lstStyle/>
+                    <a:p>
+                      <a:pPr lvl="0" indent="0" marL="0">
+                        <a:buNone/>
+                      </a:pPr>
+                      <a:r>
+                        <a:rPr/>
+                        <a:t>99.99%</a:t>
+                      </a:r>
+                    </a:p>
+                  </a:txBody>
+                </a:tc>
+                <a:tc>
+                  <a:txBody>
+                    <a:bodyPr/>
+                    <a:lstStyle/>
+                    <a:p>
+                      <a:pPr lvl="0" indent="0" marL="0">
+                        <a:buNone/>
+                      </a:pPr>
+                      <a:r>
+                        <a:rPr/>
+                        <a:t>99.86%</a:t>
+                      </a:r>
+                    </a:p>
+                  </a:txBody>
+                </a:tc>
+                <a:tc>
+                  <a:txBody>
+                    <a:bodyPr/>
+                    <a:lstStyle/>
+                    <a:p>
+                      <a:pPr lvl="0" indent="0" marL="0">
+                        <a:buNone/>
+                      </a:pPr>
+                      <a:r>
+                        <a:rPr/>
+                        <a:t>-0.13%</a:t>
+                      </a:r>
+                    </a:p>
+                  </a:txBody>
+                </a:tc>
+              </a:tr>
+              <a:tr h="0">
+                <a:tc>
+                  <a:txBody>
+                    <a:bodyPr/>
+                    <a:lstStyle/>
+                    <a:p>
+                      <a:endParaRPr/>
+                    </a:p>
+                  </a:txBody>
+                </a:tc>
+                <a:tc>
+                  <a:txBody>
+                    <a:bodyPr/>
+                    <a:lstStyle/>
+                    <a:p>
+                      <a:pPr lvl="0" indent="0" marL="0">
+                        <a:buNone/>
+                      </a:pPr>
+                      <a:r>
+                        <a:rPr/>
+                        <a:t>Tempo de Resposta</a:t>
+                      </a:r>
+                    </a:p>
+                  </a:txBody>
+                </a:tc>
+                <a:tc>
+                  <a:txBody>
+                    <a:bodyPr/>
+                    <a:lstStyle/>
+                    <a:p>
+                      <a:pPr lvl="0" indent="0" marL="0">
+                        <a:buNone/>
+                      </a:pPr>
+                      <a:r>
+                        <a:rPr/>
+                        <a:t>1047.94</a:t>
+                      </a:r>
+                    </a:p>
+                  </a:txBody>
+                </a:tc>
+                <a:tc>
+                  <a:txBody>
+                    <a:bodyPr/>
+                    <a:lstStyle/>
+                    <a:p>
+                      <a:pPr lvl="0" indent="0" marL="0">
+                        <a:buNone/>
+                      </a:pPr>
+                      <a:r>
+                        <a:rPr/>
+                        <a:t>363.46</a:t>
+                      </a:r>
+                    </a:p>
+                  </a:txBody>
+                </a:tc>
+                <a:tc>
+                  <a:txBody>
+                    <a:bodyPr/>
+                    <a:lstStyle/>
+                    <a:p>
+                      <a:pPr lvl="0" indent="0" marL="0">
+                        <a:buNone/>
+                      </a:pPr>
+                      <a:r>
+                        <a:rPr/>
+                        <a:t>-65.32%</a:t>
+                      </a:r>
+                    </a:p>
+                  </a:txBody>
+                </a:tc>
+              </a:tr>
+              <a:tr h="0">
+                <a:tc>
+                  <a:txBody>
+                    <a:bodyPr/>
+                    <a:lstStyle/>
+                    <a:p>
+                      <a:endParaRPr/>
+                    </a:p>
+                  </a:txBody>
+                </a:tc>
+                <a:tc>
+                  <a:txBody>
+                    <a:bodyPr/>
+                    <a:lstStyle/>
+                    <a:p>
+                      <a:pPr lvl="0" indent="0" marL="0">
+                        <a:buNone/>
+                      </a:pPr>
+                      <a:r>
+                        <a:rPr/>
+                        <a:t>Clientes Perdidos</a:t>
+                      </a:r>
+                    </a:p>
+                  </a:txBody>
+                </a:tc>
+                <a:tc>
+                  <a:txBody>
+                    <a:bodyPr/>
+                    <a:lstStyle/>
+                    <a:p>
+                      <a:pPr lvl="0" indent="0" marL="0">
+                        <a:buNone/>
+                      </a:pPr>
+                      <a:r>
+                        <a:rPr/>
+                        <a:t>7066</a:t>
+                      </a:r>
+                    </a:p>
+                  </a:txBody>
+                </a:tc>
+                <a:tc>
+                  <a:txBody>
+                    <a:bodyPr/>
+                    <a:lstStyle/>
+                    <a:p>
+                      <a:pPr lvl="0" indent="0" marL="0">
+                        <a:buNone/>
+                      </a:pPr>
+                      <a:r>
+                        <a:rPr/>
+                        <a:t>620</a:t>
+                      </a:r>
+                    </a:p>
+                  </a:txBody>
+                </a:tc>
+                <a:tc>
+                  <a:txBody>
+                    <a:bodyPr/>
+                    <a:lstStyle/>
+                    <a:p>
+                      <a:pPr lvl="0" indent="0" marL="0">
+                        <a:buNone/>
+                      </a:pPr>
+                      <a:r>
+                        <a:rPr/>
+                        <a:t>-91.23%</a:t>
+                      </a:r>
+                    </a:p>
+                  </a:txBody>
+                </a:tc>
+              </a:tr>
+              <a:tr h="0">
+                <a:tc>
+                  <a:txBody>
+                    <a:bodyPr/>
+                    <a:lstStyle/>
+                    <a:p>
+                      <a:pPr lvl="0" indent="0" marL="0">
+                        <a:buNone/>
+                      </a:pPr>
+                      <a:r>
+                        <a:rPr/>
+                        <a:t>Alta</a:t>
+                      </a:r>
+                    </a:p>
+                  </a:txBody>
+                </a:tc>
+                <a:tc>
+                  <a:txBody>
+                    <a:bodyPr/>
+                    <a:lstStyle/>
+                    <a:p>
+                      <a:pPr lvl="0" indent="0" marL="0">
+                        <a:buNone/>
+                      </a:pPr>
+                      <a:r>
+                        <a:rPr/>
+                        <a:t>População Média</a:t>
+                      </a:r>
+                    </a:p>
+                  </a:txBody>
+                </a:tc>
+                <a:tc>
+                  <a:txBody>
+                    <a:bodyPr/>
+                    <a:lstStyle/>
+                    <a:p>
+                      <a:pPr lvl="0" indent="0" marL="0">
+                        <a:buNone/>
+                      </a:pPr>
+                      <a:r>
+                        <a:rPr/>
+                        <a:t>0.28</a:t>
+                      </a:r>
+                    </a:p>
+                  </a:txBody>
+                </a:tc>
+                <a:tc>
+                  <a:txBody>
+                    <a:bodyPr/>
+                    <a:lstStyle/>
+                    <a:p>
+                      <a:pPr lvl="0" indent="0" marL="0">
+                        <a:buNone/>
+                      </a:pPr>
+                      <a:r>
+                        <a:rPr/>
+                        <a:t>0.29</a:t>
+                      </a:r>
+                    </a:p>
+                  </a:txBody>
+                </a:tc>
+                <a:tc>
+                  <a:txBody>
+                    <a:bodyPr/>
+                    <a:lstStyle/>
+                    <a:p>
+                      <a:pPr lvl="0" indent="0" marL="0">
+                        <a:buNone/>
+                      </a:pPr>
+                      <a:r>
+                        <a:rPr/>
+                        <a:t>+3.57%</a:t>
+                      </a:r>
+                    </a:p>
+                  </a:txBody>
+                </a:tc>
+              </a:tr>
+              <a:tr h="0">
+                <a:tc>
+                  <a:txBody>
+                    <a:bodyPr/>
+                    <a:lstStyle/>
+                    <a:p>
+                      <a:endParaRPr/>
+                    </a:p>
+                  </a:txBody>
+                </a:tc>
+                <a:tc>
+                  <a:txBody>
+                    <a:bodyPr/>
+                    <a:lstStyle/>
+                    <a:p>
+                      <a:pPr lvl="0" indent="0" marL="0">
+                        <a:buNone/>
+                      </a:pPr>
+                      <a:r>
+                        <a:rPr/>
+                        <a:t>Throughput</a:t>
+                      </a:r>
+                    </a:p>
+                  </a:txBody>
+                </a:tc>
+                <a:tc>
+                  <a:txBody>
+                    <a:bodyPr/>
+                    <a:lstStyle/>
+                    <a:p>
+                      <a:pPr lvl="0" indent="0" marL="0">
+                        <a:buNone/>
+                      </a:pPr>
+                      <a:r>
+                        <a:rPr/>
+                        <a:t>0.0732</a:t>
+                      </a:r>
+                    </a:p>
+                  </a:txBody>
+                </a:tc>
+                <a:tc>
+                  <a:txBody>
+                    <a:bodyPr/>
+                    <a:lstStyle/>
+                    <a:p>
+                      <a:pPr lvl="0" indent="0" marL="0">
+                        <a:buNone/>
+                      </a:pPr>
+                      <a:r>
+                        <a:rPr/>
+                        <a:t>0.0973</a:t>
+                      </a:r>
+                    </a:p>
+                  </a:txBody>
+                </a:tc>
+                <a:tc>
+                  <a:txBody>
+                    <a:bodyPr/>
+                    <a:lstStyle/>
+                    <a:p>
+                      <a:pPr lvl="0" indent="0" marL="0">
+                        <a:buNone/>
+                      </a:pPr>
+                      <a:r>
+                        <a:rPr/>
+                        <a:t>+32.92%</a:t>
+                      </a:r>
+                    </a:p>
+                  </a:txBody>
+                </a:tc>
+              </a:tr>
+              <a:tr h="0">
+                <a:tc>
+                  <a:txBody>
+                    <a:bodyPr/>
+                    <a:lstStyle/>
+                    <a:p>
+                      <a:endParaRPr/>
+                    </a:p>
+                  </a:txBody>
+                </a:tc>
+                <a:tc>
+                  <a:txBody>
+                    <a:bodyPr/>
+                    <a:lstStyle/>
+                    <a:p>
+                      <a:pPr lvl="0" indent="0" marL="0">
+                        <a:buNone/>
+                      </a:pPr>
+                      <a:r>
+                        <a:rPr/>
+                        <a:t>Utilização</a:t>
+                      </a:r>
+                    </a:p>
+                  </a:txBody>
+                </a:tc>
+                <a:tc>
+                  <a:txBody>
+                    <a:bodyPr/>
+                    <a:lstStyle/>
+                    <a:p>
+                      <a:pPr lvl="0" indent="0" marL="0">
+                        <a:buNone/>
+                      </a:pPr>
+                      <a:r>
+                        <a:rPr/>
+                        <a:t>25.61%</a:t>
+                      </a:r>
+                    </a:p>
+                  </a:txBody>
+                </a:tc>
+                <a:tc>
+                  <a:txBody>
+                    <a:bodyPr/>
+                    <a:lstStyle/>
+                    <a:p>
+                      <a:pPr lvl="0" indent="0" marL="0">
+                        <a:buNone/>
+                      </a:pPr>
+                      <a:r>
+                        <a:rPr/>
+                        <a:t>14.58%</a:t>
+                      </a:r>
+                    </a:p>
+                  </a:txBody>
+                </a:tc>
+                <a:tc>
+                  <a:txBody>
+                    <a:bodyPr/>
+                    <a:lstStyle/>
+                    <a:p>
+                      <a:pPr lvl="0" indent="0" marL="0">
+                        <a:buNone/>
+                      </a:pPr>
+                      <a:r>
+                        <a:rPr/>
+                        <a:t>-43.07%</a:t>
+                      </a:r>
+                    </a:p>
+                  </a:txBody>
+                </a:tc>
+              </a:tr>
+              <a:tr h="0">
+                <a:tc>
+                  <a:txBody>
+                    <a:bodyPr/>
+                    <a:lstStyle/>
+                    <a:p>
+                      <a:endParaRPr/>
+                    </a:p>
+                  </a:txBody>
+                </a:tc>
+                <a:tc>
+                  <a:txBody>
+                    <a:bodyPr/>
+                    <a:lstStyle/>
+                    <a:p>
+                      <a:pPr lvl="0" indent="0" marL="0">
+                        <a:buNone/>
+                      </a:pPr>
+                      <a:r>
+                        <a:rPr/>
+                        <a:t>Tempo de Resposta</a:t>
+                      </a:r>
+                    </a:p>
+                  </a:txBody>
+                </a:tc>
+                <a:tc>
+                  <a:txBody>
+                    <a:bodyPr/>
+                    <a:lstStyle/>
+                    <a:p>
+                      <a:pPr lvl="0" indent="0" marL="0">
+                        <a:buNone/>
+                      </a:pPr>
+                      <a:r>
+                        <a:rPr/>
+                        <a:t>0.36</a:t>
+                      </a:r>
+                    </a:p>
+                  </a:txBody>
+                </a:tc>
+                <a:tc>
+                  <a:txBody>
+                    <a:bodyPr/>
+                    <a:lstStyle/>
+                    <a:p>
+                      <a:pPr lvl="0" indent="0" marL="0">
+                        <a:buNone/>
+                      </a:pPr>
+                      <a:r>
+                        <a:rPr/>
+                        <a:t>0.02</a:t>
+                      </a:r>
+                    </a:p>
+                  </a:txBody>
+                </a:tc>
+                <a:tc>
+                  <a:txBody>
+                    <a:bodyPr/>
+                    <a:lstStyle/>
+                    <a:p>
+                      <a:pPr lvl="0" indent="0" marL="0">
+                        <a:buNone/>
+                      </a:pPr>
+                      <a:r>
+                        <a:rPr/>
+                        <a:t>-94.44%</a:t>
+                      </a:r>
+                    </a:p>
+                  </a:txBody>
+                </a:tc>
+              </a:tr>
+              <a:tr h="0">
+                <a:tc>
+                  <a:txBody>
+                    <a:bodyPr/>
+                    <a:lstStyle/>
+                    <a:p>
+                      <a:endParaRPr/>
+                    </a:p>
+                  </a:txBody>
+                </a:tc>
+                <a:tc>
+                  <a:txBody>
+                    <a:bodyPr/>
+                    <a:lstStyle/>
+                    <a:p>
+                      <a:pPr lvl="0" indent="0" marL="0">
+                        <a:buNone/>
+                      </a:pPr>
+                      <a:r>
+                        <a:rPr/>
+                        <a:t>Clientes Perdidos</a:t>
+                      </a:r>
+                    </a:p>
+                  </a:txBody>
+                </a:tc>
+                <a:tc>
+                  <a:txBody>
+                    <a:bodyPr/>
+                    <a:lstStyle/>
+                    <a:p>
+                      <a:pPr lvl="0" indent="0" marL="0">
+                        <a:buNone/>
+                      </a:pPr>
+                      <a:r>
+                        <a:rPr/>
+                        <a:t>0</a:t>
+                      </a:r>
+                    </a:p>
+                  </a:txBody>
+                </a:tc>
+                <a:tc>
+                  <a:txBody>
+                    <a:bodyPr/>
+                    <a:lstStyle/>
+                    <a:p>
+                      <a:pPr lvl="0" indent="0" marL="0">
+                        <a:buNone/>
+                      </a:pPr>
+                      <a:r>
+                        <a:rPr/>
+                        <a:t>0</a:t>
+                      </a:r>
+                    </a:p>
+                  </a:txBody>
+                </a:tc>
+                <a:tc>
+                  <a:txBody>
+                    <a:bodyPr/>
+                    <a:lstStyle/>
+                    <a:p>
+                      <a:pPr lvl="0" indent="0" marL="0">
+                        <a:buNone/>
+                      </a:pPr>
+                      <a:r>
+                        <a:rPr/>
+                        <a:t>0%</a:t>
+                      </a:r>
+                    </a:p>
+                  </a:txBody>
+                </a:tc>
+              </a:tr>
+            </a:tbl>
+          </a:graphicData>
+        </a:graphic>
+      </p:graphicFrame>
+    </p:spTree>
+  </p:cSld>
+</p:sld>
+</file>
+
+<file path=ppt/slides/slide25.xml><?xml version="1.0" encoding="utf-8"?>
+<p:sld xmlns:a="http://schemas.openxmlformats.org/drawingml/2006/main" xmlns:r="http://schemas.openxmlformats.org/officeDocument/2006/relationships" xmlns:p="http://schemas.openxmlformats.org/presentationml/2006/main">
+  <p:cSld>
+    <p:spTree>
+      <p:nvGrpSpPr>
+        <p:cNvPr id="1" name=""/>
+        <p:cNvGrpSpPr/>
+        <p:nvPr/>
+      </p:nvGrpSpPr>
+      <p:grpSpPr>
+        <a:xfrm>
+          <a:off x="0" y="0"/>
+          <a:ext cx="0" cy="0"/>
+          <a:chOff x="0" y="0"/>
+          <a:chExt cx="0" cy="0"/>
+        </a:xfrm>
+      </p:grpSpPr>
+      <p:sp>
+        <p:nvSpPr>
+          <p:cNvPr id="2" name="Title 1"/>
+          <p:cNvSpPr>
+            <a:spLocks noGrp="1"/>
+          </p:cNvSpPr>
+          <p:nvPr>
+            <p:ph type="title"/>
+          </p:nvPr>
+        </p:nvSpPr>
+        <p:spPr>
+          <a:xfrm>
+            <a:off x="722313" y="3305176"/>
+            <a:ext cx="7772400" cy="1021556"/>
+          </a:xfrm>
+        </p:spPr>
+        <p:txBody>
+          <a:bodyPr/>
+          <a:lstStyle/>
+          <a:p>
+            <a:pPr lvl="0" indent="0" marL="0">
+              <a:buNone/>
+            </a:pPr>
+            <a:r>
+              <a:rPr/>
+              <a:t>Distribuição de Estados - Comparação</a:t>
+            </a:r>
+          </a:p>
+        </p:txBody>
+      </p:sp>
+    </p:spTree>
+  </p:cSld>
+</p:sld>
+</file>
+
+<file path=ppt/slides/slide26.xml><?xml version="1.0" encoding="utf-8"?>
+<p:sld xmlns:a="http://schemas.openxmlformats.org/drawingml/2006/main" xmlns:r="http://schemas.openxmlformats.org/officeDocument/2006/relationships" xmlns:p="http://schemas.openxmlformats.org/presentationml/2006/main">
+  <p:cSld>
+    <p:spTree>
+      <p:nvGrpSpPr>
+        <p:cNvPr id="1" name=""/>
+        <p:cNvGrpSpPr/>
+        <p:nvPr/>
+      </p:nvGrpSpPr>
+      <p:grpSpPr>
+        <a:xfrm>
+          <a:off x="0" y="0"/>
+          <a:ext cx="0" cy="0"/>
+          <a:chOff x="0" y="0"/>
+          <a:chExt cx="0" cy="0"/>
+        </a:xfrm>
+      </p:grpSpPr>
+      <p:sp>
+        <p:nvSpPr>
+          <p:cNvPr id="2" name="Title 1"/>
+          <p:cNvSpPr>
+            <a:spLocks noGrp="1"/>
+          </p:cNvSpPr>
+          <p:nvPr>
+            <p:ph type="title"/>
+          </p:nvPr>
+        </p:nvSpPr>
+        <p:spPr/>
+        <p:txBody>
+          <a:bodyPr/>
+          <a:lstStyle/>
+          <a:p>
+            <a:pPr lvl="0" indent="0" marL="0">
+              <a:buNone/>
+            </a:pPr>
+            <a:r>
+              <a:rPr/>
+              <a:t>Fila de Internação</a:t>
+            </a:r>
+          </a:p>
+        </p:txBody>
+      </p:sp>
+      <p:graphicFrame>
+        <p:nvGraphicFramePr>
+          <p:cNvPr id="6" name="Content Placeholder 5"/>
+          <p:cNvGraphicFramePr>
+            <a:graphicFrameLocks noGrp="1"/>
+          </p:cNvGraphicFramePr>
+          <p:nvPr>
+            <p:ph idx="1"/>
+          </p:nvPr>
+        </p:nvGraphicFramePr>
+        <p:xfrm>
+          <a:off x="457200" y="1193800"/>
+          <a:ext cx="8229600" cy="3390900"/>
+        </p:xfrm>
+        <a:graphic>
+          <a:graphicData uri="http://schemas.openxmlformats.org/drawingml/2006/table">
+            <a:tbl>
+              <a:tblPr firstRow="1" bandRow="1">
+                <a:tableStyleId>{5C22544A-7EE6-4342-B048-85BDC9FD1C3A}</a:tableStyleId>
+              </a:tblPr>
+              <a:tblGrid>
+                <a:gridCol w="2743200"/>
+                <a:gridCol w="2743200"/>
+                <a:gridCol w="2743200"/>
+              </a:tblGrid>
+              <a:tr h="0">
+                <a:tc>
+                  <a:txBody>
+                    <a:bodyPr/>
+                    <a:lstStyle/>
+                    <a:p>
+                      <a:pPr lvl="0" indent="0" marL="0">
+                        <a:buNone/>
+                      </a:pPr>
+                      <a:r>
+                        <a:rPr/>
+                        <a:t>Estado</a:t>
+                      </a:r>
+                    </a:p>
+                  </a:txBody>
+                  <a:tcPr/>
+                </a:tc>
+                <a:tc>
+                  <a:txBody>
+                    <a:bodyPr/>
+                    <a:lstStyle/>
+                    <a:p>
+                      <a:pPr lvl="0" indent="0" marL="0">
+                        <a:buNone/>
+                      </a:pPr>
+                      <a:r>
+                        <a:rPr/>
+                        <a:t>Original</a:t>
+                      </a:r>
+                    </a:p>
+                  </a:txBody>
+                  <a:tcPr/>
+                </a:tc>
+                <a:tc>
+                  <a:txBody>
+                    <a:bodyPr/>
+                    <a:lstStyle/>
+                    <a:p>
+                      <a:pPr lvl="0" indent="0" marL="0">
+                        <a:buNone/>
+                      </a:pPr>
+                      <a:r>
+                        <a:rPr/>
+                        <a:t>Melhorado</a:t>
+                      </a:r>
+                    </a:p>
+                  </a:txBody>
+                  <a:tcPr/>
+                </a:tc>
+              </a:tr>
+              <a:tr h="0">
+                <a:tc>
+                  <a:txBody>
+                    <a:bodyPr/>
+                    <a:lstStyle/>
+                    <a:p>
+                      <a:pPr lvl="0" indent="0" marL="0">
+                        <a:buNone/>
+                      </a:pPr>
+                      <a:r>
+                        <a:rPr/>
+                        <a:t>0</a:t>
+                      </a:r>
+                    </a:p>
+                  </a:txBody>
+                </a:tc>
+                <a:tc>
+                  <a:txBody>
+                    <a:bodyPr/>
+                    <a:lstStyle/>
+                    <a:p>
+                      <a:pPr lvl="0" indent="0" marL="0">
+                        <a:buNone/>
+                      </a:pPr>
+                      <a:r>
+                        <a:rPr/>
+                        <a:t>0.03%</a:t>
+                      </a:r>
+                    </a:p>
+                  </a:txBody>
+                </a:tc>
+                <a:tc>
+                  <a:txBody>
+                    <a:bodyPr/>
+                    <a:lstStyle/>
+                    <a:p>
+                      <a:pPr lvl="0" indent="0" marL="0">
+                        <a:buNone/>
+                      </a:pPr>
+                      <a:r>
+                        <a:rPr/>
+                        <a:t>0.03%</a:t>
+                      </a:r>
+                    </a:p>
+                  </a:txBody>
+                </a:tc>
+              </a:tr>
+              <a:tr h="0">
+                <a:tc>
+                  <a:txBody>
+                    <a:bodyPr/>
+                    <a:lstStyle/>
+                    <a:p>
+                      <a:pPr lvl="0" indent="0" marL="0">
+                        <a:buNone/>
+                      </a:pPr>
+                      <a:r>
+                        <a:rPr/>
+                        <a:t>1</a:t>
+                      </a:r>
+                    </a:p>
+                  </a:txBody>
+                </a:tc>
+                <a:tc>
+                  <a:txBody>
+                    <a:bodyPr/>
+                    <a:lstStyle/>
+                    <a:p>
+                      <a:pPr lvl="0" indent="0" marL="0">
+                        <a:buNone/>
+                      </a:pPr>
+                      <a:r>
+                        <a:rPr/>
+                        <a:t>0.02%</a:t>
+                      </a:r>
+                    </a:p>
+                  </a:txBody>
+                </a:tc>
+                <a:tc>
+                  <a:txBody>
+                    <a:bodyPr/>
+                    <a:lstStyle/>
+                    <a:p>
+                      <a:pPr lvl="0" indent="0" marL="0">
+                        <a:buNone/>
+                      </a:pPr>
+                      <a:r>
+                        <a:rPr/>
+                        <a:t>0.02%</a:t>
+                      </a:r>
+                    </a:p>
+                  </a:txBody>
+                </a:tc>
+              </a:tr>
+              <a:tr h="0">
+                <a:tc>
+                  <a:txBody>
+                    <a:bodyPr/>
+                    <a:lstStyle/>
+                    <a:p>
+                      <a:pPr lvl="0" indent="0" marL="0">
+                        <a:buNone/>
+                      </a:pPr>
+                      <a:r>
+                        <a:rPr/>
+                        <a:t>2</a:t>
+                      </a:r>
+                    </a:p>
+                  </a:txBody>
+                </a:tc>
+                <a:tc>
+                  <a:txBody>
+                    <a:bodyPr/>
+                    <a:lstStyle/>
+                    <a:p>
+                      <a:pPr lvl="0" indent="0" marL="0">
+                        <a:buNone/>
+                      </a:pPr>
+                      <a:r>
+                        <a:rPr/>
+                        <a:t>0.01%</a:t>
+                      </a:r>
+                    </a:p>
+                  </a:txBody>
+                </a:tc>
+                <a:tc>
+                  <a:txBody>
+                    <a:bodyPr/>
+                    <a:lstStyle/>
+                    <a:p>
+                      <a:pPr lvl="0" indent="0" marL="0">
+                        <a:buNone/>
+                      </a:pPr>
+                      <a:r>
+                        <a:rPr/>
+                        <a:t>0.07%</a:t>
+                      </a:r>
+                    </a:p>
+                  </a:txBody>
+                </a:tc>
+              </a:tr>
+              <a:tr h="0">
+                <a:tc>
+                  <a:txBody>
+                    <a:bodyPr/>
+                    <a:lstStyle/>
+                    <a:p>
+                      <a:pPr lvl="0" indent="0" marL="0">
+                        <a:buNone/>
+                      </a:pPr>
+                      <a:r>
+                        <a:rPr/>
+                        <a:t>3</a:t>
+                      </a:r>
+                    </a:p>
+                  </a:txBody>
+                </a:tc>
+                <a:tc>
+                  <a:txBody>
+                    <a:bodyPr/>
+                    <a:lstStyle/>
+                    <a:p>
+                      <a:pPr lvl="0" indent="0" marL="0">
+                        <a:buNone/>
+                      </a:pPr>
+                      <a:r>
+                        <a:rPr/>
+                        <a:t>0.04%</a:t>
+                      </a:r>
+                    </a:p>
+                  </a:txBody>
+                </a:tc>
+                <a:tc>
+                  <a:txBody>
+                    <a:bodyPr/>
+                    <a:lstStyle/>
+                    <a:p>
+                      <a:pPr lvl="0" indent="0" marL="0">
+                        <a:buNone/>
+                      </a:pPr>
+                      <a:r>
+                        <a:rPr/>
+                        <a:t>0.34%</a:t>
+                      </a:r>
+                    </a:p>
+                  </a:txBody>
+                </a:tc>
+              </a:tr>
+              <a:tr h="0">
+                <a:tc>
+                  <a:txBody>
+                    <a:bodyPr/>
+                    <a:lstStyle/>
+                    <a:p>
+                      <a:pPr lvl="0" indent="0" marL="0">
+                        <a:buNone/>
+                      </a:pPr>
+                      <a:r>
+                        <a:rPr/>
+                        <a:t>4</a:t>
+                      </a:r>
+                    </a:p>
+                  </a:txBody>
+                </a:tc>
+                <a:tc>
+                  <a:txBody>
+                    <a:bodyPr/>
+                    <a:lstStyle/>
+                    <a:p>
+                      <a:pPr lvl="0" indent="0" marL="0">
+                        <a:buNone/>
+                      </a:pPr>
+                      <a:r>
+                        <a:rPr/>
+                        <a:t>0.01%</a:t>
+                      </a:r>
+                    </a:p>
+                  </a:txBody>
+                </a:tc>
+                <a:tc>
+                  <a:txBody>
+                    <a:bodyPr/>
+                    <a:lstStyle/>
+                    <a:p>
+                      <a:pPr lvl="0" indent="0" marL="0">
+                        <a:buNone/>
+                      </a:pPr>
+                      <a:r>
+                        <a:rPr/>
+                        <a:t>0.67%</a:t>
+                      </a:r>
+                    </a:p>
+                  </a:txBody>
+                </a:tc>
+              </a:tr>
+              <a:tr h="0">
+                <a:tc>
+                  <a:txBody>
+                    <a:bodyPr/>
+                    <a:lstStyle/>
+                    <a:p>
+                      <a:pPr lvl="0" indent="0" marL="0">
+                        <a:buNone/>
+                      </a:pPr>
+                      <a:r>
+                        <a:rPr/>
+                        <a:t>5</a:t>
+                      </a:r>
+                    </a:p>
+                  </a:txBody>
+                </a:tc>
+                <a:tc>
+                  <a:txBody>
+                    <a:bodyPr/>
+                    <a:lstStyle/>
+                    <a:p>
+                      <a:pPr lvl="0" indent="0" marL="0">
+                        <a:buNone/>
+                      </a:pPr>
+                      <a:r>
+                        <a:rPr/>
+                        <a:t>0.06%</a:t>
+                      </a:r>
+                    </a:p>
+                  </a:txBody>
+                </a:tc>
+                <a:tc>
+                  <a:txBody>
+                    <a:bodyPr/>
+                    <a:lstStyle/>
+                    <a:p>
+                      <a:pPr lvl="0" indent="0" marL="0">
+                        <a:buNone/>
+                      </a:pPr>
+                      <a:r>
+                        <a:rPr/>
+                        <a:t>1.03%</a:t>
+                      </a:r>
+                    </a:p>
+                  </a:txBody>
+                </a:tc>
+              </a:tr>
+              <a:tr h="0">
+                <a:tc>
+                  <a:txBody>
+                    <a:bodyPr/>
+                    <a:lstStyle/>
+                    <a:p>
+                      <a:pPr lvl="0" indent="0" marL="0">
+                        <a:buNone/>
+                      </a:pPr>
+                      <a:r>
+                        <a:rPr/>
+                        <a:t>6</a:t>
+                      </a:r>
+                    </a:p>
+                  </a:txBody>
+                </a:tc>
+                <a:tc>
+                  <a:txBody>
+                    <a:bodyPr/>
+                    <a:lstStyle/>
+                    <a:p>
+                      <a:pPr lvl="0" indent="0" marL="0">
+                        <a:buNone/>
+                      </a:pPr>
+                      <a:r>
+                        <a:rPr/>
+                        <a:t>14.77%</a:t>
+                      </a:r>
+                    </a:p>
+                  </a:txBody>
+                </a:tc>
+                <a:tc>
+                  <a:txBody>
+                    <a:bodyPr/>
+                    <a:lstStyle/>
+                    <a:p>
+                      <a:pPr lvl="0" indent="0" marL="0">
+                        <a:buNone/>
+                      </a:pPr>
+                      <a:r>
+                        <a:rPr/>
+                        <a:t>1.69%</a:t>
+                      </a:r>
+                    </a:p>
+                  </a:txBody>
+                </a:tc>
+              </a:tr>
+              <a:tr h="0">
+                <a:tc>
+                  <a:txBody>
+                    <a:bodyPr/>
+                    <a:lstStyle/>
+                    <a:p>
+                      <a:pPr lvl="0" indent="0" marL="0">
+                        <a:buNone/>
+                      </a:pPr>
+                      <a:r>
+                        <a:rPr/>
+                        <a:t>7</a:t>
+                      </a:r>
+                    </a:p>
+                  </a:txBody>
+                </a:tc>
+                <a:tc>
+                  <a:txBody>
+                    <a:bodyPr/>
+                    <a:lstStyle/>
+                    <a:p>
+                      <a:pPr lvl="0" indent="0" marL="0">
+                        <a:buNone/>
+                      </a:pPr>
+                      <a:r>
+                        <a:rPr/>
+                        <a:t>85.05%</a:t>
+                      </a:r>
+                    </a:p>
+                  </a:txBody>
+                </a:tc>
+                <a:tc>
+                  <a:txBody>
+                    <a:bodyPr/>
+                    <a:lstStyle/>
+                    <a:p>
+                      <a:pPr lvl="0" indent="0" marL="0">
+                        <a:buNone/>
+                      </a:pPr>
+                      <a:r>
+                        <a:rPr/>
+                        <a:t>1.78%</a:t>
+                      </a:r>
+                    </a:p>
+                  </a:txBody>
+                </a:tc>
+              </a:tr>
+              <a:tr h="0">
+                <a:tc>
+                  <a:txBody>
+                    <a:bodyPr/>
+                    <a:lstStyle/>
+                    <a:p>
+                      <a:pPr lvl="0" indent="0" marL="0">
+                        <a:buNone/>
+                      </a:pPr>
+                      <a:r>
+                        <a:rPr/>
+                        <a:t>8</a:t>
+                      </a:r>
+                    </a:p>
+                  </a:txBody>
+                </a:tc>
+                <a:tc>
+                  <a:txBody>
+                    <a:bodyPr/>
+                    <a:lstStyle/>
+                    <a:p>
+                      <a:pPr lvl="0" indent="0" marL="0">
+                        <a:buNone/>
+                      </a:pPr>
+                      <a:r>
+                        <a:rPr/>
+                        <a:t>-</a:t>
+                      </a:r>
+                    </a:p>
+                  </a:txBody>
+                </a:tc>
+                <a:tc>
+                  <a:txBody>
+                    <a:bodyPr/>
+                    <a:lstStyle/>
+                    <a:p>
+                      <a:pPr lvl="0" indent="0" marL="0">
+                        <a:buNone/>
+                      </a:pPr>
+                      <a:r>
+                        <a:rPr/>
+                        <a:t>1.94%</a:t>
+                      </a:r>
+                    </a:p>
+                  </a:txBody>
+                </a:tc>
+              </a:tr>
+              <a:tr h="0">
+                <a:tc>
+                  <a:txBody>
+                    <a:bodyPr/>
+                    <a:lstStyle/>
+                    <a:p>
+                      <a:pPr lvl="0" indent="0" marL="0">
+                        <a:buNone/>
+                      </a:pPr>
+                      <a:r>
+                        <a:rPr/>
+                        <a:t>9</a:t>
+                      </a:r>
+                    </a:p>
+                  </a:txBody>
+                </a:tc>
+                <a:tc>
+                  <a:txBody>
+                    <a:bodyPr/>
+                    <a:lstStyle/>
+                    <a:p>
+                      <a:pPr lvl="0" indent="0" marL="0">
+                        <a:buNone/>
+                      </a:pPr>
+                      <a:r>
+                        <a:rPr/>
+                        <a:t>-</a:t>
+                      </a:r>
+                    </a:p>
+                  </a:txBody>
+                </a:tc>
+                <a:tc>
+                  <a:txBody>
+                    <a:bodyPr/>
+                    <a:lstStyle/>
+                    <a:p>
+                      <a:pPr lvl="0" indent="0" marL="0">
+                        <a:buNone/>
+                      </a:pPr>
+                      <a:r>
+                        <a:rPr/>
+                        <a:t>2.57%</a:t>
+                      </a:r>
+                    </a:p>
+                  </a:txBody>
+                </a:tc>
+              </a:tr>
+              <a:tr h="0">
+                <a:tc>
+                  <a:txBody>
+                    <a:bodyPr/>
+                    <a:lstStyle/>
+                    <a:p>
+                      <a:pPr lvl="0" indent="0" marL="0">
+                        <a:buNone/>
+                      </a:pPr>
+                      <a:r>
+                        <a:rPr/>
+                        <a:t>10</a:t>
+                      </a:r>
+                    </a:p>
+                  </a:txBody>
+                </a:tc>
+                <a:tc>
+                  <a:txBody>
+                    <a:bodyPr/>
+                    <a:lstStyle/>
+                    <a:p>
+                      <a:pPr lvl="0" indent="0" marL="0">
+                        <a:buNone/>
+                      </a:pPr>
+                      <a:r>
+                        <a:rPr/>
+                        <a:t>-</a:t>
+                      </a:r>
+                    </a:p>
+                  </a:txBody>
+                </a:tc>
+                <a:tc>
+                  <a:txBody>
+                    <a:bodyPr/>
+                    <a:lstStyle/>
+                    <a:p>
+                      <a:pPr lvl="0" indent="0" marL="0">
+                        <a:buNone/>
+                      </a:pPr>
+                      <a:r>
+                        <a:rPr/>
+                        <a:t>3.12%</a:t>
+                      </a:r>
+                    </a:p>
+                  </a:txBody>
+                </a:tc>
+              </a:tr>
+              <a:tr h="0">
+                <a:tc>
+                  <a:txBody>
+                    <a:bodyPr/>
+                    <a:lstStyle/>
+                    <a:p>
+                      <a:pPr lvl="0" indent="0" marL="0">
+                        <a:buNone/>
+                      </a:pPr>
+                      <a:r>
+                        <a:rPr/>
+                        <a:t>11</a:t>
+                      </a:r>
+                    </a:p>
+                  </a:txBody>
+                </a:tc>
+                <a:tc>
+                  <a:txBody>
+                    <a:bodyPr/>
+                    <a:lstStyle/>
+                    <a:p>
+                      <a:pPr lvl="0" indent="0" marL="0">
+                        <a:buNone/>
+                      </a:pPr>
+                      <a:r>
+                        <a:rPr/>
+                        <a:t>-</a:t>
+                      </a:r>
+                    </a:p>
+                  </a:txBody>
+                </a:tc>
+                <a:tc>
+                  <a:txBody>
+                    <a:bodyPr/>
+                    <a:lstStyle/>
+                    <a:p>
+                      <a:pPr lvl="0" indent="0" marL="0">
+                        <a:buNone/>
+                      </a:pPr>
+                      <a:r>
+                        <a:rPr/>
+                        <a:t>4.01%</a:t>
+                      </a:r>
+                    </a:p>
+                  </a:txBody>
+                </a:tc>
+              </a:tr>
+              <a:tr h="0">
+                <a:tc>
+                  <a:txBody>
+                    <a:bodyPr/>
+                    <a:lstStyle/>
+                    <a:p>
+                      <a:pPr lvl="0" indent="0" marL="0">
+                        <a:buNone/>
+                      </a:pPr>
+                      <a:r>
+                        <a:rPr/>
+                        <a:t>12</a:t>
+                      </a:r>
+                    </a:p>
+                  </a:txBody>
+                </a:tc>
+                <a:tc>
+                  <a:txBody>
+                    <a:bodyPr/>
+                    <a:lstStyle/>
+                    <a:p>
+                      <a:pPr lvl="0" indent="0" marL="0">
+                        <a:buNone/>
+                      </a:pPr>
+                      <a:r>
+                        <a:rPr/>
+                        <a:t>-</a:t>
+                      </a:r>
+                    </a:p>
+                  </a:txBody>
+                </a:tc>
+                <a:tc>
+                  <a:txBody>
+                    <a:bodyPr/>
+                    <a:lstStyle/>
+                    <a:p>
+                      <a:pPr lvl="0" indent="0" marL="0">
+                        <a:buNone/>
+                      </a:pPr>
+                      <a:r>
+                        <a:rPr/>
+                        <a:t>5.32%</a:t>
+                      </a:r>
+                    </a:p>
+                  </a:txBody>
+                </a:tc>
+              </a:tr>
+              <a:tr h="0">
+                <a:tc>
+                  <a:txBody>
+                    <a:bodyPr/>
+                    <a:lstStyle/>
+                    <a:p>
+                      <a:pPr lvl="0" indent="0" marL="0">
+                        <a:buNone/>
+                      </a:pPr>
+                      <a:r>
+                        <a:rPr/>
+                        <a:t>13</a:t>
+                      </a:r>
+                    </a:p>
+                  </a:txBody>
+                </a:tc>
+                <a:tc>
+                  <a:txBody>
+                    <a:bodyPr/>
+                    <a:lstStyle/>
+                    <a:p>
+                      <a:pPr lvl="0" indent="0" marL="0">
+                        <a:buNone/>
+                      </a:pPr>
+                      <a:r>
+                        <a:rPr/>
+                        <a:t>-</a:t>
+                      </a:r>
+                    </a:p>
+                  </a:txBody>
+                </a:tc>
+                <a:tc>
+                  <a:txBody>
+                    <a:bodyPr/>
+                    <a:lstStyle/>
+                    <a:p>
+                      <a:pPr lvl="0" indent="0" marL="0">
+                        <a:buNone/>
+                      </a:pPr>
+                      <a:r>
+                        <a:rPr/>
+                        <a:t>6.72%</a:t>
+                      </a:r>
+                    </a:p>
+                  </a:txBody>
+                </a:tc>
+              </a:tr>
+              <a:tr h="0">
+                <a:tc>
+                  <a:txBody>
+                    <a:bodyPr/>
+                    <a:lstStyle/>
+                    <a:p>
+                      <a:pPr lvl="0" indent="0" marL="0">
+                        <a:buNone/>
+                      </a:pPr>
+                      <a:r>
+                        <a:rPr/>
+                        <a:t>14</a:t>
+                      </a:r>
+                    </a:p>
+                  </a:txBody>
+                </a:tc>
+                <a:tc>
+                  <a:txBody>
+                    <a:bodyPr/>
+                    <a:lstStyle/>
+                    <a:p>
+                      <a:pPr lvl="0" indent="0" marL="0">
+                        <a:buNone/>
+                      </a:pPr>
+                      <a:r>
+                        <a:rPr/>
+                        <a:t>-</a:t>
+                      </a:r>
+                    </a:p>
+                  </a:txBody>
+                </a:tc>
+                <a:tc>
+                  <a:txBody>
+                    <a:bodyPr/>
+                    <a:lstStyle/>
+                    <a:p>
+                      <a:pPr lvl="0" indent="0" marL="0">
+                        <a:buNone/>
+                      </a:pPr>
+                      <a:r>
+                        <a:rPr/>
+                        <a:t>8.42%</a:t>
+                      </a:r>
+                    </a:p>
+                  </a:txBody>
+                </a:tc>
+              </a:tr>
+              <a:tr h="0">
+                <a:tc>
+                  <a:txBody>
+                    <a:bodyPr/>
+                    <a:lstStyle/>
+                    <a:p>
+                      <a:pPr lvl="0" indent="0" marL="0">
+                        <a:buNone/>
+                      </a:pPr>
+                      <a:r>
+                        <a:rPr/>
+                        <a:t>15</a:t>
+                      </a:r>
+                    </a:p>
+                  </a:txBody>
+                </a:tc>
+                <a:tc>
+                  <a:txBody>
+                    <a:bodyPr/>
+                    <a:lstStyle/>
+                    <a:p>
+                      <a:pPr lvl="0" indent="0" marL="0">
+                        <a:buNone/>
+                      </a:pPr>
+                      <a:r>
+                        <a:rPr/>
+                        <a:t>-</a:t>
+                      </a:r>
+                    </a:p>
+                  </a:txBody>
+                </a:tc>
+                <a:tc>
+                  <a:txBody>
+                    <a:bodyPr/>
+                    <a:lstStyle/>
+                    <a:p>
+                      <a:pPr lvl="0" indent="0" marL="0">
+                        <a:buNone/>
+                      </a:pPr>
+                      <a:r>
+                        <a:rPr/>
+                        <a:t>10.77%</a:t>
+                      </a:r>
+                    </a:p>
+                  </a:txBody>
+                </a:tc>
+              </a:tr>
+              <a:tr h="0">
+                <a:tc>
+                  <a:txBody>
+                    <a:bodyPr/>
+                    <a:lstStyle/>
+                    <a:p>
+                      <a:pPr lvl="0" indent="0" marL="0">
+                        <a:buNone/>
+                      </a:pPr>
+                      <a:r>
+                        <a:rPr/>
+                        <a:t>16</a:t>
+                      </a:r>
+                    </a:p>
+                  </a:txBody>
+                </a:tc>
+                <a:tc>
+                  <a:txBody>
+                    <a:bodyPr/>
+                    <a:lstStyle/>
+                    <a:p>
+                      <a:pPr lvl="0" indent="0" marL="0">
+                        <a:buNone/>
+                      </a:pPr>
+                      <a:r>
+                        <a:rPr/>
+                        <a:t>-</a:t>
+                      </a:r>
+                    </a:p>
+                  </a:txBody>
+                </a:tc>
+                <a:tc>
+                  <a:txBody>
+                    <a:bodyPr/>
+                    <a:lstStyle/>
+                    <a:p>
+                      <a:pPr lvl="0" indent="0" marL="0">
+                        <a:buNone/>
+                      </a:pPr>
+                      <a:r>
+                        <a:rPr/>
+                        <a:t>12.37%</a:t>
+                      </a:r>
+                    </a:p>
+                  </a:txBody>
+                </a:tc>
+              </a:tr>
+              <a:tr h="0">
+                <a:tc>
+                  <a:txBody>
+                    <a:bodyPr/>
+                    <a:lstStyle/>
+                    <a:p>
+                      <a:pPr lvl="0" indent="0" marL="0">
+                        <a:buNone/>
+                      </a:pPr>
+                      <a:r>
+                        <a:rPr/>
+                        <a:t>17</a:t>
+                      </a:r>
+                    </a:p>
+                  </a:txBody>
+                </a:tc>
+                <a:tc>
+                  <a:txBody>
+                    <a:bodyPr/>
+                    <a:lstStyle/>
+                    <a:p>
+                      <a:pPr lvl="0" indent="0" marL="0">
+                        <a:buNone/>
+                      </a:pPr>
+                      <a:r>
+                        <a:rPr/>
+                        <a:t>-</a:t>
+                      </a:r>
+                    </a:p>
+                  </a:txBody>
+                </a:tc>
+                <a:tc>
+                  <a:txBody>
+                    <a:bodyPr/>
+                    <a:lstStyle/>
+                    <a:p>
+                      <a:pPr lvl="0" indent="0" marL="0">
+                        <a:buNone/>
+                      </a:pPr>
+                      <a:r>
+                        <a:rPr/>
+                        <a:t>14.48%</a:t>
+                      </a:r>
+                    </a:p>
+                  </a:txBody>
+                </a:tc>
+              </a:tr>
+              <a:tr h="0">
+                <a:tc>
+                  <a:txBody>
+                    <a:bodyPr/>
+                    <a:lstStyle/>
+                    <a:p>
+                      <a:pPr lvl="0" indent="0" marL="0">
+                        <a:buNone/>
+                      </a:pPr>
+                      <a:r>
+                        <a:rPr/>
+                        <a:t>18</a:t>
+                      </a:r>
+                    </a:p>
+                  </a:txBody>
+                </a:tc>
+                <a:tc>
+                  <a:txBody>
+                    <a:bodyPr/>
+                    <a:lstStyle/>
+                    <a:p>
+                      <a:pPr lvl="0" indent="0" marL="0">
+                        <a:buNone/>
+                      </a:pPr>
+                      <a:r>
+                        <a:rPr/>
+                        <a:t>-</a:t>
+                      </a:r>
+                    </a:p>
+                  </a:txBody>
+                </a:tc>
+                <a:tc>
+                  <a:txBody>
+                    <a:bodyPr/>
+                    <a:lstStyle/>
+                    <a:p>
+                      <a:pPr lvl="0" indent="0" marL="0">
+                        <a:buNone/>
+                      </a:pPr>
+                      <a:r>
+                        <a:rPr/>
+                        <a:t>14.66%</a:t>
+                      </a:r>
+                    </a:p>
+                  </a:txBody>
+                </a:tc>
+              </a:tr>
+              <a:tr h="0">
+                <a:tc>
+                  <a:txBody>
+                    <a:bodyPr/>
+                    <a:lstStyle/>
+                    <a:p>
+                      <a:pPr lvl="0" indent="0" marL="0">
+                        <a:buNone/>
+                      </a:pPr>
+                      <a:r>
+                        <a:rPr/>
+                        <a:t>19</a:t>
+                      </a:r>
+                    </a:p>
+                  </a:txBody>
+                </a:tc>
+                <a:tc>
+                  <a:txBody>
+                    <a:bodyPr/>
+                    <a:lstStyle/>
+                    <a:p>
+                      <a:pPr lvl="0" indent="0" marL="0">
+                        <a:buNone/>
+                      </a:pPr>
+                      <a:r>
+                        <a:rPr/>
+                        <a:t>-</a:t>
+                      </a:r>
+                    </a:p>
+                  </a:txBody>
+                </a:tc>
+                <a:tc>
+                  <a:txBody>
+                    <a:bodyPr/>
+                    <a:lstStyle/>
+                    <a:p>
+                      <a:pPr lvl="0" indent="0" marL="0">
+                        <a:buNone/>
+                      </a:pPr>
+                      <a:r>
+                        <a:rPr/>
+                        <a:t>9.99%</a:t>
+                      </a:r>
+                    </a:p>
+                  </a:txBody>
+                </a:tc>
+              </a:tr>
+            </a:tbl>
+          </a:graphicData>
+        </a:graphic>
+      </p:graphicFrame>
+    </p:spTree>
+  </p:cSld>
+</p:sld>
+</file>
+
+<file path=ppt/slides/slide27.xml><?xml version="1.0" encoding="utf-8"?>
+<p:sld xmlns:a="http://schemas.openxmlformats.org/drawingml/2006/main" xmlns:r="http://schemas.openxmlformats.org/officeDocument/2006/relationships" xmlns:p="http://schemas.openxmlformats.org/presentationml/2006/main">
+  <p:cSld>
+    <p:spTree>
+      <p:nvGrpSpPr>
+        <p:cNvPr id="1" name=""/>
+        <p:cNvGrpSpPr/>
+        <p:nvPr/>
+      </p:nvGrpSpPr>
+      <p:grpSpPr>
+        <a:xfrm>
+          <a:off x="0" y="0"/>
+          <a:ext cx="0" cy="0"/>
+          <a:chOff x="0" y="0"/>
+          <a:chExt cx="0" cy="0"/>
+        </a:xfrm>
+      </p:grpSpPr>
+      <p:sp>
+        <p:nvSpPr>
+          <p:cNvPr id="2" name="Title 1"/>
+          <p:cNvSpPr>
+            <a:spLocks noGrp="1"/>
+          </p:cNvSpPr>
+          <p:nvPr>
+            <p:ph type="title"/>
+          </p:nvPr>
+        </p:nvSpPr>
+        <p:spPr>
+          <a:xfrm>
+            <a:off x="722313" y="3305176"/>
+            <a:ext cx="7772400" cy="1021556"/>
+          </a:xfrm>
+        </p:spPr>
+        <p:txBody>
+          <a:bodyPr/>
+          <a:lstStyle/>
+          <a:p>
+            <a:pPr lvl="0" indent="0" marL="0">
+              <a:buNone/>
+            </a:pPr>
+            <a:r>
+              <a:rPr/>
+              <a:t>Análise das Melhorias</a:t>
+            </a:r>
+          </a:p>
+        </p:txBody>
+      </p:sp>
+    </p:spTree>
+  </p:cSld>
+</p:sld>
+</file>
+
+<file path=ppt/slides/slide28.xml><?xml version="1.0" encoding="utf-8"?>
+<p:sld xmlns:a="http://schemas.openxmlformats.org/drawingml/2006/main" xmlns:r="http://schemas.openxmlformats.org/officeDocument/2006/relationships" xmlns:p="http://schemas.openxmlformats.org/presentationml/2006/main">
+  <p:cSld>
+    <p:spTree>
+      <p:nvGrpSpPr>
+        <p:cNvPr id="1" name=""/>
+        <p:cNvGrpSpPr/>
+        <p:nvPr/>
+      </p:nvGrpSpPr>
+      <p:grpSpPr>
+        <a:xfrm>
+          <a:off x="0" y="0"/>
+          <a:ext cx="0" cy="0"/>
+          <a:chOff x="0" y="0"/>
+          <a:chExt cx="0" cy="0"/>
+        </a:xfrm>
+      </p:grpSpPr>
+      <p:sp>
+        <p:nvSpPr>
+          <p:cNvPr id="2" name="Title 1"/>
+          <p:cNvSpPr>
+            <a:spLocks noGrp="1"/>
+          </p:cNvSpPr>
+          <p:nvPr>
+            <p:ph type="title"/>
+          </p:nvPr>
+        </p:nvSpPr>
+        <p:spPr/>
+        <p:txBody>
+          <a:bodyPr/>
+          <a:lstStyle/>
+          <a:p>
+            <a:pPr lvl="0" indent="0" marL="0">
+              <a:buNone/>
+            </a:pPr>
+            <a:r>
+              <a:rPr/>
+              <a:t>Resultados Principais</a:t>
+            </a:r>
+          </a:p>
+        </p:txBody>
+      </p:sp>
+      <p:sp>
+        <p:nvSpPr>
+          <p:cNvPr id="3" name="Content Placeholder 2"/>
+          <p:cNvSpPr>
+            <a:spLocks noGrp="1"/>
+          </p:cNvSpPr>
+          <p:nvPr>
+            <p:ph idx="1"/>
+          </p:nvPr>
+        </p:nvSpPr>
+        <p:spPr/>
+        <p:txBody>
+          <a:bodyPr/>
+          <a:lstStyle/>
+          <a:p>
+            <a:pPr lvl="0" indent="-342900" marL="342900">
+              <a:buAutoNum type="arabicPeriod"/>
+            </a:pPr>
+            <a:r>
+              <a:rPr b="1"/>
+              <a:t>Redução de Clientes Perdidos:</a:t>
+            </a:r>
+          </a:p>
+          <a:p>
+            <a:pPr lvl="1"/>
+            <a:r>
+              <a:rPr/>
+              <a:t>Redução de 91.23% (de 7066 para 620)</a:t>
+            </a:r>
+          </a:p>
+          <a:p>
+            <a:pPr lvl="0" indent="-342900" marL="342900">
+              <a:buAutoNum type="arabicPeriod"/>
+            </a:pPr>
+            <a:r>
+              <a:rPr b="1"/>
+              <a:t>Melhoria nos Tempos de Resposta:</a:t>
+            </a:r>
+          </a:p>
+          <a:p>
+            <a:pPr lvl="1"/>
+            <a:r>
+              <a:rPr/>
+              <a:t>Redução de 65.32% na fila de internação</a:t>
+            </a:r>
+          </a:p>
+          <a:p>
+            <a:pPr lvl="1"/>
+            <a:r>
+              <a:rPr/>
+              <a:t>Eliminação completa do tempo de resposta nas filas de emergência e consulta</a:t>
+            </a:r>
+          </a:p>
+          <a:p>
+            <a:pPr lvl="0" indent="-342900" marL="342900">
+              <a:buAutoNum type="arabicPeriod"/>
+            </a:pPr>
+            <a:r>
+              <a:rPr b="1"/>
+              <a:t>Otimização da Utilização:</a:t>
+            </a:r>
+          </a:p>
+          <a:p>
+            <a:pPr lvl="1"/>
+            <a:r>
+              <a:rPr/>
+              <a:t>Redução significativa na utilização de todas as filas</a:t>
+            </a:r>
+          </a:p>
+          <a:p>
+            <a:pPr lvl="1"/>
+            <a:r>
+              <a:rPr/>
+              <a:t>Melhor distribuição da carga de trabalho</a:t>
+            </a:r>
+          </a:p>
+          <a:p>
+            <a:pPr lvl="0" indent="-342900" marL="342900">
+              <a:buAutoNum type="arabicPeriod"/>
+            </a:pPr>
+            <a:r>
+              <a:rPr b="1"/>
+              <a:t>Aumento no Throughput:</a:t>
+            </a:r>
+          </a:p>
+          <a:p>
+            <a:pPr lvl="1"/>
+            <a:r>
+              <a:rPr/>
+              <a:t>Aumento de 428.57% na fila de internação</a:t>
+            </a:r>
+          </a:p>
+          <a:p>
+            <a:pPr lvl="1"/>
+            <a:r>
+              <a:rPr/>
+              <a:t>Aumento de 32.92% na fila de alta</a:t>
+            </a:r>
+          </a:p>
+        </p:txBody>
+      </p:sp>
+    </p:spTree>
+  </p:cSld>
+</p:sld>
+</file>
+
+<file path=ppt/slides/slide29.xml><?xml version="1.0" encoding="utf-8"?>
+<p:sld xmlns:a="http://schemas.openxmlformats.org/drawingml/2006/main" xmlns:r="http://schemas.openxmlformats.org/officeDocument/2006/relationships" xmlns:p="http://schemas.openxmlformats.org/presentationml/2006/main">
+  <p:cSld>
+    <p:spTree>
+      <p:nvGrpSpPr>
+        <p:cNvPr id="1" name=""/>
+        <p:cNvGrpSpPr/>
+        <p:nvPr/>
+      </p:nvGrpSpPr>
+      <p:grpSpPr>
+        <a:xfrm>
+          <a:off x="0" y="0"/>
+          <a:ext cx="0" cy="0"/>
+          <a:chOff x="0" y="0"/>
+          <a:chExt cx="0" cy="0"/>
+        </a:xfrm>
+      </p:grpSpPr>
+      <p:sp>
+        <p:nvSpPr>
+          <p:cNvPr id="2" name="Title 1"/>
+          <p:cNvSpPr>
+            <a:spLocks noGrp="1"/>
+          </p:cNvSpPr>
+          <p:nvPr>
+            <p:ph type="title"/>
+          </p:nvPr>
+        </p:nvSpPr>
+        <p:spPr/>
+        <p:txBody>
+          <a:bodyPr/>
+          <a:lstStyle/>
+          <a:p>
+            <a:pPr lvl="0" indent="0" marL="0">
+              <a:buNone/>
+            </a:pPr>
+            <a:r>
+              <a:rPr/>
+              <a:t>Pontos de Atenção</a:t>
+            </a:r>
+          </a:p>
+        </p:txBody>
+      </p:sp>
+      <p:sp>
+        <p:nvSpPr>
+          <p:cNvPr id="3" name="Content Placeholder 2"/>
+          <p:cNvSpPr>
+            <a:spLocks noGrp="1"/>
+          </p:cNvSpPr>
+          <p:nvPr>
+            <p:ph idx="1"/>
+          </p:nvPr>
+        </p:nvSpPr>
+        <p:spPr/>
+        <p:txBody>
+          <a:bodyPr/>
+          <a:lstStyle/>
+          <a:p>
+            <a:pPr lvl="0"/>
+            <a:r>
+              <a:rPr/>
+              <a:t>A fila de internação ainda apresenta alta utilização (99.86%)</a:t>
+            </a:r>
+          </a:p>
+          <a:p>
+            <a:pPr lvl="0"/>
+            <a:r>
+              <a:rPr/>
+              <a:t>Aumento na população média da fila de internação (+115.18%)</a:t>
             </a:r>
           </a:p>
         </p:txBody>
@@ -4332,7 +9368,12 @@
             <p:ph type="title"/>
           </p:nvPr>
         </p:nvSpPr>
-        <p:spPr/>
+        <p:spPr>
+          <a:xfrm>
+            <a:off x="722313" y="3305176"/>
+            <a:ext cx="7772400" cy="1021556"/>
+          </a:xfrm>
+        </p:spPr>
         <p:txBody>
           <a:bodyPr/>
           <a:lstStyle/>
@@ -4342,44 +9383,454 @@
             </a:pPr>
             <a:r>
               <a:rPr/>
-              <a:t>Equipe</a:t>
-            </a:r>
-          </a:p>
-        </p:txBody>
-      </p:sp>
-      <p:sp>
-        <p:nvSpPr>
-          <p:cNvPr id="3" name="Content Placeholder 2"/>
-          <p:cNvSpPr>
-            <a:spLocks noGrp="1"/>
-          </p:cNvSpPr>
-          <p:nvPr>
-            <p:ph idx="1"/>
-          </p:nvPr>
-        </p:nvSpPr>
-        <p:spPr/>
+              <a:t>Simulação de Sistema de Emergência Hospitalar</a:t>
+            </a:r>
+          </a:p>
+        </p:txBody>
+      </p:sp>
+    </p:spTree>
+  </p:cSld>
+</p:sld>
+</file>
+
+<file path=ppt/slides/slide30.xml><?xml version="1.0" encoding="utf-8"?>
+<p:sld xmlns:a="http://schemas.openxmlformats.org/drawingml/2006/main" xmlns:r="http://schemas.openxmlformats.org/officeDocument/2006/relationships" xmlns:p="http://schemas.openxmlformats.org/presentationml/2006/main">
+  <p:cSld>
+    <p:spTree>
+      <p:nvGrpSpPr>
+        <p:cNvPr id="1" name=""/>
+        <p:cNvGrpSpPr/>
+        <p:nvPr/>
+      </p:nvGrpSpPr>
+      <p:grpSpPr>
+        <a:xfrm>
+          <a:off x="0" y="0"/>
+          <a:ext cx="0" cy="0"/>
+          <a:chOff x="0" y="0"/>
+          <a:chExt cx="0" cy="0"/>
+        </a:xfrm>
+      </p:grpSpPr>
+      <p:sp>
+        <p:nvSpPr>
+          <p:cNvPr id="2" name="Title 1"/>
+          <p:cNvSpPr>
+            <a:spLocks noGrp="1"/>
+          </p:cNvSpPr>
+          <p:nvPr>
+            <p:ph type="title"/>
+          </p:nvPr>
+        </p:nvSpPr>
+        <p:spPr>
+          <a:xfrm>
+            <a:off x="722313" y="3305176"/>
+            <a:ext cx="7772400" cy="1021556"/>
+          </a:xfrm>
+        </p:spPr>
         <p:txBody>
           <a:bodyPr/>
           <a:lstStyle/>
           <a:p>
-            <a:pPr lvl="0"/>
+            <a:pPr lvl="0" indent="0" marL="0">
+              <a:buNone/>
+            </a:pPr>
             <a:r>
               <a:rPr/>
-              <a:t>Nome do Aluno 1</a:t>
-            </a:r>
-          </a:p>
-          <a:p>
-            <a:pPr lvl="0"/>
+              <a:t>Conclusões</a:t>
+            </a:r>
+          </a:p>
+        </p:txBody>
+      </p:sp>
+    </p:spTree>
+  </p:cSld>
+</p:sld>
+</file>
+
+<file path=ppt/slides/slide31.xml><?xml version="1.0" encoding="utf-8"?>
+<p:sld xmlns:a="http://schemas.openxmlformats.org/drawingml/2006/main" xmlns:r="http://schemas.openxmlformats.org/officeDocument/2006/relationships" xmlns:p="http://schemas.openxmlformats.org/presentationml/2006/main">
+  <p:cSld>
+    <p:spTree>
+      <p:nvGrpSpPr>
+        <p:cNvPr id="1" name=""/>
+        <p:cNvGrpSpPr/>
+        <p:nvPr/>
+      </p:nvGrpSpPr>
+      <p:grpSpPr>
+        <a:xfrm>
+          <a:off x="0" y="0"/>
+          <a:ext cx="0" cy="0"/>
+          <a:chOff x="0" y="0"/>
+          <a:chExt cx="0" cy="0"/>
+        </a:xfrm>
+      </p:grpSpPr>
+      <p:sp>
+        <p:nvSpPr>
+          <p:cNvPr id="2" name="Title 1"/>
+          <p:cNvSpPr>
+            <a:spLocks noGrp="1"/>
+          </p:cNvSpPr>
+          <p:nvPr>
+            <p:ph type="title"/>
+          </p:nvPr>
+        </p:nvSpPr>
+        <p:spPr/>
+        <p:txBody>
+          <a:bodyPr/>
+          <a:lstStyle/>
+          <a:p>
+            <a:pPr lvl="0" indent="0" marL="0">
+              <a:buNone/>
+            </a:pPr>
             <a:r>
               <a:rPr/>
-              <a:t>Nome do Aluno 2</a:t>
-            </a:r>
-          </a:p>
-          <a:p>
-            <a:pPr lvl="0"/>
+              <a:t>Principais Conclusões</a:t>
+            </a:r>
+          </a:p>
+        </p:txBody>
+      </p:sp>
+      <p:sp>
+        <p:nvSpPr>
+          <p:cNvPr id="3" name="Content Placeholder 2"/>
+          <p:cNvSpPr>
+            <a:spLocks noGrp="1"/>
+          </p:cNvSpPr>
+          <p:nvPr>
+            <p:ph idx="1"/>
+          </p:nvPr>
+        </p:nvSpPr>
+        <p:spPr/>
+        <p:txBody>
+          <a:bodyPr/>
+          <a:lstStyle/>
+          <a:p>
+            <a:pPr lvl="0" indent="-342900" marL="342900">
+              <a:buAutoNum type="arabicPeriod"/>
+            </a:pPr>
+            <a:r>
+              <a:rPr b="1"/>
+              <a:t>Eficácia das Melhorias:</a:t>
+            </a:r>
+          </a:p>
+          <a:p>
+            <a:pPr lvl="1"/>
             <a:r>
               <a:rPr/>
-              <a:t>Nome do Aluno 3</a:t>
+              <a:t>As alterações propostas resultaram em melhorias significativas</a:t>
+            </a:r>
+          </a:p>
+          <a:p>
+            <a:pPr lvl="1"/>
+            <a:r>
+              <a:rPr/>
+              <a:t>Redução drástica no número de clientes perdidos</a:t>
+            </a:r>
+          </a:p>
+          <a:p>
+            <a:pPr lvl="1"/>
+            <a:r>
+              <a:rPr/>
+              <a:t>Diminuição expressiva nos tempos de resposta</a:t>
+            </a:r>
+          </a:p>
+          <a:p>
+            <a:pPr lvl="0" indent="-342900" marL="342900">
+              <a:buAutoNum type="arabicPeriod"/>
+            </a:pPr>
+            <a:r>
+              <a:rPr b="1"/>
+              <a:t>Impacto no Sistema:</a:t>
+            </a:r>
+          </a:p>
+          <a:p>
+            <a:pPr lvl="1"/>
+            <a:r>
+              <a:rPr/>
+              <a:t>Melhor experiência para os pacientes</a:t>
+            </a:r>
+          </a:p>
+          <a:p>
+            <a:pPr lvl="1"/>
+            <a:r>
+              <a:rPr/>
+              <a:t>Maior eficiência operacional</a:t>
+            </a:r>
+          </a:p>
+          <a:p>
+            <a:pPr lvl="1"/>
+            <a:r>
+              <a:rPr/>
+              <a:t>Redução de riscos para a saúde dos pacientes</a:t>
+            </a:r>
+          </a:p>
+          <a:p>
+            <a:pPr lvl="0" indent="-342900" marL="342900">
+              <a:buAutoNum type="arabicPeriod"/>
+            </a:pPr>
+            <a:r>
+              <a:rPr b="1"/>
+              <a:t>Limitações:</a:t>
+            </a:r>
+          </a:p>
+          <a:p>
+            <a:pPr lvl="1"/>
+            <a:r>
+              <a:rPr/>
+              <a:t>A fila de internação ainda apresenta desafios</a:t>
+            </a:r>
+          </a:p>
+          <a:p>
+            <a:pPr lvl="1"/>
+            <a:r>
+              <a:rPr/>
+              <a:t>Necessidade de monitoramento contínuo</a:t>
+            </a:r>
+          </a:p>
+        </p:txBody>
+      </p:sp>
+    </p:spTree>
+  </p:cSld>
+</p:sld>
+</file>
+
+<file path=ppt/slides/slide32.xml><?xml version="1.0" encoding="utf-8"?>
+<p:sld xmlns:a="http://schemas.openxmlformats.org/drawingml/2006/main" xmlns:r="http://schemas.openxmlformats.org/officeDocument/2006/relationships" xmlns:p="http://schemas.openxmlformats.org/presentationml/2006/main">
+  <p:cSld>
+    <p:spTree>
+      <p:nvGrpSpPr>
+        <p:cNvPr id="1" name=""/>
+        <p:cNvGrpSpPr/>
+        <p:nvPr/>
+      </p:nvGrpSpPr>
+      <p:grpSpPr>
+        <a:xfrm>
+          <a:off x="0" y="0"/>
+          <a:ext cx="0" cy="0"/>
+          <a:chOff x="0" y="0"/>
+          <a:chExt cx="0" cy="0"/>
+        </a:xfrm>
+      </p:grpSpPr>
+      <p:sp>
+        <p:nvSpPr>
+          <p:cNvPr id="2" name="Title 1"/>
+          <p:cNvSpPr>
+            <a:spLocks noGrp="1"/>
+          </p:cNvSpPr>
+          <p:nvPr>
+            <p:ph type="title"/>
+          </p:nvPr>
+        </p:nvSpPr>
+        <p:spPr/>
+        <p:txBody>
+          <a:bodyPr/>
+          <a:lstStyle/>
+          <a:p>
+            <a:pPr lvl="0" indent="0" marL="0">
+              <a:buNone/>
+            </a:pPr>
+            <a:r>
+              <a:rPr/>
+              <a:t>Recomendações Futuras</a:t>
+            </a:r>
+          </a:p>
+        </p:txBody>
+      </p:sp>
+      <p:sp>
+        <p:nvSpPr>
+          <p:cNvPr id="3" name="Content Placeholder 2"/>
+          <p:cNvSpPr>
+            <a:spLocks noGrp="1"/>
+          </p:cNvSpPr>
+          <p:nvPr>
+            <p:ph idx="1"/>
+          </p:nvPr>
+        </p:nvSpPr>
+        <p:spPr/>
+        <p:txBody>
+          <a:bodyPr/>
+          <a:lstStyle/>
+          <a:p>
+            <a:pPr lvl="0" indent="-342900" marL="342900">
+              <a:buAutoNum type="arabicPeriod"/>
+            </a:pPr>
+            <a:r>
+              <a:rPr b="1"/>
+              <a:t>Curto Prazo:</a:t>
+            </a:r>
+          </a:p>
+          <a:p>
+            <a:pPr lvl="1"/>
+            <a:r>
+              <a:rPr/>
+              <a:t>Implementar sistema de priorização de pacientes</a:t>
+            </a:r>
+          </a:p>
+          <a:p>
+            <a:pPr lvl="1"/>
+            <a:r>
+              <a:rPr/>
+              <a:t>Desenvolver protocolos para gestão de picos de demanda</a:t>
+            </a:r>
+          </a:p>
+          <a:p>
+            <a:pPr lvl="0" indent="-342900" marL="342900">
+              <a:buAutoNum type="arabicPeriod"/>
+            </a:pPr>
+            <a:r>
+              <a:rPr b="1"/>
+              <a:t>Médio Prazo:</a:t>
+            </a:r>
+          </a:p>
+          <a:p>
+            <a:pPr lvl="1"/>
+            <a:r>
+              <a:rPr/>
+              <a:t>Avaliar implementação de telemedicina</a:t>
+            </a:r>
+          </a:p>
+          <a:p>
+            <a:pPr lvl="1"/>
+            <a:r>
+              <a:rPr/>
+              <a:t>Desenvolver parcerias com outros hospitais</a:t>
+            </a:r>
+          </a:p>
+          <a:p>
+            <a:pPr lvl="0" indent="-342900" marL="342900">
+              <a:buAutoNum type="arabicPeriod"/>
+            </a:pPr>
+            <a:r>
+              <a:rPr b="1"/>
+              <a:t>Longo Prazo:</a:t>
+            </a:r>
+          </a:p>
+          <a:p>
+            <a:pPr lvl="1"/>
+            <a:r>
+              <a:rPr/>
+              <a:t>Planejamento para expansão física do setor de internação</a:t>
+            </a:r>
+          </a:p>
+          <a:p>
+            <a:pPr lvl="1"/>
+            <a:r>
+              <a:rPr/>
+              <a:t>Implementação de sistemas preditivos de demanda</a:t>
+            </a:r>
+          </a:p>
+        </p:txBody>
+      </p:sp>
+    </p:spTree>
+  </p:cSld>
+</p:sld>
+</file>
+
+<file path=ppt/slides/slide33.xml><?xml version="1.0" encoding="utf-8"?>
+<p:sld xmlns:a="http://schemas.openxmlformats.org/drawingml/2006/main" xmlns:r="http://schemas.openxmlformats.org/officeDocument/2006/relationships" xmlns:p="http://schemas.openxmlformats.org/presentationml/2006/main">
+  <p:cSld>
+    <p:spTree>
+      <p:nvGrpSpPr>
+        <p:cNvPr id="1" name=""/>
+        <p:cNvGrpSpPr/>
+        <p:nvPr/>
+      </p:nvGrpSpPr>
+      <p:grpSpPr>
+        <a:xfrm>
+          <a:off x="0" y="0"/>
+          <a:ext cx="0" cy="0"/>
+          <a:chOff x="0" y="0"/>
+          <a:chExt cx="0" cy="0"/>
+        </a:xfrm>
+      </p:grpSpPr>
+      <p:sp>
+        <p:nvSpPr>
+          <p:cNvPr id="2" name="Title 1"/>
+          <p:cNvSpPr>
+            <a:spLocks noGrp="1"/>
+          </p:cNvSpPr>
+          <p:nvPr>
+            <p:ph type="title"/>
+          </p:nvPr>
+        </p:nvSpPr>
+        <p:spPr>
+          <a:xfrm>
+            <a:off x="722313" y="3305176"/>
+            <a:ext cx="7772400" cy="1021556"/>
+          </a:xfrm>
+        </p:spPr>
+        <p:txBody>
+          <a:bodyPr/>
+          <a:lstStyle/>
+          <a:p>
+            <a:pPr lvl="0" indent="0" marL="0">
+              <a:buNone/>
+            </a:pPr>
+            <a:r>
+              <a:rPr/>
+              <a:t>Referências</a:t>
+            </a:r>
+          </a:p>
+        </p:txBody>
+      </p:sp>
+    </p:spTree>
+  </p:cSld>
+</p:sld>
+</file>
+
+<file path=ppt/slides/slide34.xml><?xml version="1.0" encoding="utf-8"?>
+<p:sld xmlns:a="http://schemas.openxmlformats.org/drawingml/2006/main" xmlns:r="http://schemas.openxmlformats.org/officeDocument/2006/relationships" xmlns:p="http://schemas.openxmlformats.org/presentationml/2006/main">
+  <p:cSld>
+    <p:spTree>
+      <p:nvGrpSpPr>
+        <p:cNvPr id="1" name=""/>
+        <p:cNvGrpSpPr/>
+        <p:nvPr/>
+      </p:nvGrpSpPr>
+      <p:grpSpPr>
+        <a:xfrm>
+          <a:off x="0" y="0"/>
+          <a:ext cx="0" cy="0"/>
+          <a:chOff x="0" y="0"/>
+          <a:chExt cx="0" cy="0"/>
+        </a:xfrm>
+      </p:grpSpPr>
+      <p:sp>
+        <p:nvSpPr>
+          <p:cNvPr id="3" name="Content Placeholder 2"/>
+          <p:cNvSpPr>
+            <a:spLocks noGrp="1"/>
+          </p:cNvSpPr>
+          <p:nvPr>
+            <p:ph idx="1"/>
+          </p:nvPr>
+        </p:nvSpPr>
+        <p:spPr/>
+        <p:txBody>
+          <a:bodyPr/>
+          <a:lstStyle/>
+          <a:p>
+            <a:pPr lvl="0" indent="-342900" marL="342900">
+              <a:buAutoNum type="arabicPeriod"/>
+            </a:pPr>
+            <a:r>
+              <a:rPr/>
+              <a:t>Kendall, D. G. (1953). Stochastic Processes Occurring in the Theory of Queues and their Analysis by the Method of the Imbedded Markov Chain</a:t>
+            </a:r>
+          </a:p>
+          <a:p>
+            <a:pPr lvl="0" indent="-342900" marL="342900">
+              <a:buAutoNum type="arabicPeriod"/>
+            </a:pPr>
+            <a:r>
+              <a:rPr/>
+              <a:t>Gross, D., &amp; Harris, C. M. (1998). Fundamentals of Queueing Theory</a:t>
+            </a:r>
+          </a:p>
+          <a:p>
+            <a:pPr lvl="0" indent="-342900" marL="342900">
+              <a:buAutoNum type="arabicPeriod"/>
+            </a:pPr>
+            <a:r>
+              <a:rPr/>
+              <a:t>Law, A. M., &amp; Kelton, W. D. (2000). Simulation Modeling and Analysis</a:t>
             </a:r>
           </a:p>
         </p:txBody>
@@ -4426,7 +9877,7 @@
             </a:pPr>
             <a:r>
               <a:rPr/>
-              <a:t>Descrição do Sistema</a:t>
+              <a:t>Análise e Melhoria de Desempenho</a:t>
             </a:r>
           </a:p>
         </p:txBody>
@@ -4450,179 +9901,12 @@
               <a:buNone/>
             </a:pPr>
             <a:r>
+              <a:rPr b="1"/>
+              <a:t>Equipe:</a:t>
+            </a:r>
+            <a:r>
               <a:rPr/>
-              <a:t>O sistema modelado representa um departamento de emergência hospitalar com 5 filas principais:</a:t>
-            </a:r>
-          </a:p>
-          <a:p>
-            <a:pPr lvl="0" indent="-342900" marL="342900">
-              <a:buAutoNum type="arabicPeriod"/>
-            </a:pPr>
-            <a:r>
-              <a:rPr b="1"/>
-              <a:t>Triagem (M/M/3/15)</a:t>
-            </a:r>
-          </a:p>
-          <a:p>
-            <a:pPr lvl="1"/>
-            <a:r>
-              <a:rPr/>
-              <a:t>3 atendentes</a:t>
-            </a:r>
-          </a:p>
-          <a:p>
-            <a:pPr lvl="1"/>
-            <a:r>
-              <a:rPr/>
-              <a:t>Capacidade de 15 pacientes</a:t>
-            </a:r>
-          </a:p>
-          <a:p>
-            <a:pPr lvl="1"/>
-            <a:r>
-              <a:rPr/>
-              <a:t>Recebe chegadas externas</a:t>
-            </a:r>
-          </a:p>
-          <a:p>
-            <a:pPr lvl="1"/>
-            <a:r>
-              <a:rPr/>
-              <a:t>Distribui pacientes para emergência (30%) e consulta (70%)</a:t>
-            </a:r>
-          </a:p>
-          <a:p>
-            <a:pPr lvl="0" indent="-342900" marL="342900">
-              <a:buAutoNum type="arabicPeriod"/>
-            </a:pPr>
-            <a:r>
-              <a:rPr b="1"/>
-              <a:t>Emergência (M/M/4/12)</a:t>
-            </a:r>
-          </a:p>
-          <a:p>
-            <a:pPr lvl="1"/>
-            <a:r>
-              <a:rPr/>
-              <a:t>4 médicos</a:t>
-            </a:r>
-          </a:p>
-          <a:p>
-            <a:pPr lvl="1"/>
-            <a:r>
-              <a:rPr/>
-              <a:t>Capacidade de 12 pacientes</a:t>
-            </a:r>
-          </a:p>
-          <a:p>
-            <a:pPr lvl="1"/>
-            <a:r>
-              <a:rPr/>
-              <a:t>60% dos pacientes recebem alta</a:t>
-            </a:r>
-          </a:p>
-          <a:p>
-            <a:pPr lvl="1"/>
-            <a:r>
-              <a:rPr/>
-              <a:t>40% são internados</a:t>
-            </a:r>
-          </a:p>
-          <a:p>
-            <a:pPr lvl="0" indent="-342900" marL="342900">
-              <a:buAutoNum type="arabicPeriod"/>
-            </a:pPr>
-            <a:r>
-              <a:rPr b="1"/>
-              <a:t>Consulta (M/M/4/20)</a:t>
-            </a:r>
-          </a:p>
-          <a:p>
-            <a:pPr lvl="1"/>
-            <a:r>
-              <a:rPr/>
-              <a:t>4 médicos</a:t>
-            </a:r>
-          </a:p>
-          <a:p>
-            <a:pPr lvl="1"/>
-            <a:r>
-              <a:rPr/>
-              <a:t>Capacidade de 20 pacientes</a:t>
-            </a:r>
-          </a:p>
-          <a:p>
-            <a:pPr lvl="1"/>
-            <a:r>
-              <a:rPr/>
-              <a:t>70% dos pacientes recebem alta</a:t>
-            </a:r>
-          </a:p>
-          <a:p>
-            <a:pPr lvl="1"/>
-            <a:r>
-              <a:rPr/>
-              <a:t>30% são internados</a:t>
-            </a:r>
-          </a:p>
-          <a:p>
-            <a:pPr lvl="0" indent="-342900" marL="342900">
-              <a:buAutoNum type="arabicPeriod"/>
-            </a:pPr>
-            <a:r>
-              <a:rPr b="1"/>
-              <a:t>Internação (M/M/4/15)</a:t>
-            </a:r>
-          </a:p>
-          <a:p>
-            <a:pPr lvl="1"/>
-            <a:r>
-              <a:rPr/>
-              <a:t>4 servidores</a:t>
-            </a:r>
-          </a:p>
-          <a:p>
-            <a:pPr lvl="1"/>
-            <a:r>
-              <a:rPr/>
-              <a:t>Capacidade de 15 pacientes</a:t>
-            </a:r>
-          </a:p>
-          <a:p>
-            <a:pPr lvl="1"/>
-            <a:r>
-              <a:rPr/>
-              <a:t>100% dos pacientes recebem alta após internação</a:t>
-            </a:r>
-          </a:p>
-          <a:p>
-            <a:pPr lvl="0" indent="-342900" marL="342900">
-              <a:buAutoNum type="arabicPeriod"/>
-            </a:pPr>
-            <a:r>
-              <a:rPr b="1"/>
-              <a:t>Alta (M/M/2/25)</a:t>
-            </a:r>
-          </a:p>
-          <a:p>
-            <a:pPr lvl="1"/>
-            <a:r>
-              <a:rPr/>
-              <a:t>2 servidores</a:t>
-            </a:r>
-          </a:p>
-          <a:p>
-            <a:pPr lvl="1"/>
-            <a:r>
-              <a:rPr/>
-              <a:t>Capacidade de 25 pacientes</a:t>
-            </a:r>
-          </a:p>
-          <a:p>
-            <a:pPr lvl="1"/>
-            <a:r>
-              <a:rPr/>
-              <a:t>Ponto final do sistema</a:t>
+              <a:t> - [Nome do Integrante 1] - [Nome do Integrante 2] - [Nome do Integrante 3] - [Nome do Integrante 4]</a:t>
             </a:r>
           </a:p>
         </p:txBody>
@@ -4659,7 +9943,12 @@
             <p:ph type="title"/>
           </p:nvPr>
         </p:nvSpPr>
-        <p:spPr/>
+        <p:spPr>
+          <a:xfrm>
+            <a:off x="722313" y="3305176"/>
+            <a:ext cx="7772400" cy="1021556"/>
+          </a:xfrm>
+        </p:spPr>
         <p:txBody>
           <a:bodyPr/>
           <a:lstStyle/>
@@ -4669,228 +9958,7 @@
             </a:pPr>
             <a:r>
               <a:rPr/>
-              <a:t>Modelo da Rede de Filas</a:t>
-            </a:r>
-          </a:p>
-        </p:txBody>
-      </p:sp>
-      <p:pic>
-        <p:nvPicPr>
-          <p:cNvPr descr="resultados_simulacao.png" id="0" name="Picture 1"/>
-          <p:cNvPicPr>
-            <a:picLocks noGrp="1" noChangeAspect="1"/>
-          </p:cNvPicPr>
-          <p:nvPr/>
-        </p:nvPicPr>
-        <p:blipFill>
-          <a:blip r:embed="rId2"/>
-          <a:stretch>
-            <a:fillRect/>
-          </a:stretch>
-        </p:blipFill>
-        <p:spPr bwMode="auto">
-          <a:xfrm>
-            <a:off x="2413000" y="1193800"/>
-            <a:ext cx="4318000" cy="2882900"/>
-          </a:xfrm>
-          <a:prstGeom prst="rect">
-            <a:avLst/>
-          </a:prstGeom>
-          <a:noFill/>
-          <a:ln w="9525">
-            <a:noFill/>
-            <a:headEnd/>
-            <a:tailEnd/>
-          </a:ln>
-        </p:spPr>
-      </p:pic>
-      <p:sp>
-        <p:nvSpPr>
-          <p:cNvPr id="1" name="TextBox 3"/>
-          <p:cNvSpPr txBox="1"/>
-          <p:nvPr/>
-        </p:nvSpPr>
-        <p:spPr>
-          <a:xfrm>
-            <a:off x="457200" y="4076700"/>
-            <a:ext cx="8229600" cy="508000"/>
-          </a:xfrm>
-          <a:prstGeom prst="rect">
-            <a:avLst/>
-          </a:prstGeom>
-          <a:noFill/>
-        </p:spPr>
-        <p:txBody>
-          <a:bodyPr/>
-          <a:lstStyle/>
-          <a:p>
-            <a:pPr lvl="0" indent="0" marL="0" algn="ctr">
-              <a:buNone/>
-            </a:pPr>
-            <a:r>
-              <a:rPr/>
-              <a:t>Diagrama da Rede de Filas Original</a:t>
-            </a:r>
-          </a:p>
-        </p:txBody>
-      </p:sp>
-      <p:sp>
-        <p:nvSpPr>
-          <p:cNvPr id="3" name="Content Placeholder 2"/>
-          <p:cNvSpPr>
-            <a:spLocks noGrp="1"/>
-          </p:cNvSpPr>
-          <p:nvPr>
-            <p:ph idx="1"/>
-          </p:nvPr>
-        </p:nvSpPr>
-        <p:spPr/>
-        <p:txBody>
-          <a:bodyPr/>
-          <a:lstStyle/>
-          <a:p>
-            <a:pPr lvl="0"/>
-            <a:r>
-              <a:rPr b="1"/>
-              <a:t>Notação de Kendall</a:t>
-            </a:r>
-            <a:r>
-              <a:rPr/>
-              <a:t>: M/M/s/K</a:t>
-            </a:r>
-          </a:p>
-          <a:p>
-            <a:pPr lvl="1"/>
-            <a:r>
-              <a:rPr/>
-              <a:t>M: Distribuição de chegadas Markoviana (exponencial)</a:t>
-            </a:r>
-          </a:p>
-          <a:p>
-            <a:pPr lvl="1"/>
-            <a:r>
-              <a:rPr/>
-              <a:t>M: Distribuição de serviço Markoviana (exponencial)</a:t>
-            </a:r>
-          </a:p>
-          <a:p>
-            <a:pPr lvl="1"/>
-            <a:r>
-              <a:rPr/>
-              <a:t>s: Número de servidores</a:t>
-            </a:r>
-          </a:p>
-          <a:p>
-            <a:pPr lvl="1"/>
-            <a:r>
-              <a:rPr/>
-              <a:t>K: Capacidade da fila</a:t>
-            </a:r>
-          </a:p>
-          <a:p>
-            <a:pPr lvl="0"/>
-            <a:r>
-              <a:rPr b="1"/>
-              <a:t>Tempos de Serviço</a:t>
-            </a:r>
-            <a:r>
-              <a:rPr/>
-              <a:t>:</a:t>
-            </a:r>
-          </a:p>
-          <a:p>
-            <a:pPr lvl="1"/>
-            <a:r>
-              <a:rPr/>
-              <a:t>Triagem: 3-6 minutos</a:t>
-            </a:r>
-          </a:p>
-          <a:p>
-            <a:pPr lvl="1"/>
-            <a:r>
-              <a:rPr/>
-              <a:t>Emergência: 15-35 minutos</a:t>
-            </a:r>
-          </a:p>
-          <a:p>
-            <a:pPr lvl="1"/>
-            <a:r>
-              <a:rPr/>
-              <a:t>Consulta: 10-25 minutos</a:t>
-            </a:r>
-          </a:p>
-          <a:p>
-            <a:pPr lvl="1"/>
-            <a:r>
-              <a:rPr/>
-              <a:t>Internação: 120-180 minutos</a:t>
-            </a:r>
-          </a:p>
-          <a:p>
-            <a:pPr lvl="1"/>
-            <a:r>
-              <a:rPr/>
-              <a:t>Alta: 2-4 minutos</a:t>
-            </a:r>
-          </a:p>
-          <a:p>
-            <a:pPr lvl="0"/>
-            <a:r>
-              <a:rPr b="1"/>
-              <a:t>Probabilidades de Roteamento</a:t>
-            </a:r>
-            <a:r>
-              <a:rPr/>
-              <a:t>:</a:t>
-            </a:r>
-          </a:p>
-          <a:p>
-            <a:pPr lvl="1"/>
-            <a:r>
-              <a:rPr/>
-              <a:t>Triagem → Emergência: 30%</a:t>
-            </a:r>
-          </a:p>
-          <a:p>
-            <a:pPr lvl="1"/>
-            <a:r>
-              <a:rPr/>
-              <a:t>Triagem → Consulta: 70%</a:t>
-            </a:r>
-          </a:p>
-          <a:p>
-            <a:pPr lvl="1"/>
-            <a:r>
-              <a:rPr/>
-              <a:t>Emergência → Alta: 60%</a:t>
-            </a:r>
-          </a:p>
-          <a:p>
-            <a:pPr lvl="1"/>
-            <a:r>
-              <a:rPr/>
-              <a:t>Emergência → Internação: 40%</a:t>
-            </a:r>
-          </a:p>
-          <a:p>
-            <a:pPr lvl="1"/>
-            <a:r>
-              <a:rPr/>
-              <a:t>Consulta → Alta: 70%</a:t>
-            </a:r>
-          </a:p>
-          <a:p>
-            <a:pPr lvl="1"/>
-            <a:r>
-              <a:rPr/>
-              <a:t>Consulta → Internação: 30%</a:t>
-            </a:r>
-          </a:p>
-          <a:p>
-            <a:pPr lvl="1"/>
-            <a:r>
-              <a:rPr/>
-              <a:t>Internação → Alta: 100%</a:t>
+              <a:t>Descrição da Realidade Simulada</a:t>
             </a:r>
           </a:p>
         </p:txBody>
@@ -4927,12 +9995,7 @@
             <p:ph type="title"/>
           </p:nvPr>
         </p:nvSpPr>
-        <p:spPr>
-          <a:xfrm>
-            <a:off x="457201" y="204787"/>
-            <a:ext cx="3008313" cy="871538"/>
-          </a:xfrm>
-        </p:spPr>
+        <p:spPr/>
         <p:txBody>
           <a:bodyPr/>
           <a:lstStyle/>
@@ -4942,19 +10005,19 @@
             </a:pPr>
             <a:r>
               <a:rPr/>
-              <a:t>Resultados da Simulação - Modelo Original</a:t>
-            </a:r>
-          </a:p>
-        </p:txBody>
-      </p:sp>
-      <p:sp>
-        <p:nvSpPr>
-          <p:cNvPr id="4" name="Text Placeholder 3"/>
-          <p:cNvSpPr>
-            <a:spLocks noGrp="1"/>
-          </p:cNvSpPr>
-          <p:nvPr>
-            <p:ph idx="2" sz="half" type="body"/>
+              <a:t>Sistema de Emergência Hospitalar</a:t>
+            </a:r>
+          </a:p>
+        </p:txBody>
+      </p:sp>
+      <p:sp>
+        <p:nvSpPr>
+          <p:cNvPr id="3" name="Content Placeholder 2"/>
+          <p:cNvSpPr>
+            <a:spLocks noGrp="1"/>
+          </p:cNvSpPr>
+          <p:nvPr>
+            <p:ph idx="1"/>
           </p:nvPr>
         </p:nvSpPr>
         <p:spPr/>
@@ -4962,609 +10025,40 @@
           <a:bodyPr/>
           <a:lstStyle/>
           <a:p>
-            <a:pPr lvl="0" indent="0" marL="0">
-              <a:spcBef>
-                <a:spcPts val="3000"/>
-              </a:spcBef>
-              <a:buNone/>
-            </a:pPr>
+            <a:pPr lvl="0"/>
             <a:r>
               <a:rPr b="1"/>
-              <a:t>Índices de Desempenho</a:t>
-            </a:r>
-          </a:p>
-        </p:txBody>
-      </p:sp>
-      <p:graphicFrame>
-        <p:nvGraphicFramePr>
-          <p:cNvPr id="6" name="Content Placeholder 5"/>
-          <p:cNvGraphicFramePr>
-            <a:graphicFrameLocks noGrp="1"/>
-          </p:cNvGraphicFramePr>
-          <p:nvPr>
-            <p:ph idx="1"/>
-          </p:nvPr>
-        </p:nvGraphicFramePr>
-        <p:xfrm>
-          <a:off x="3568700" y="203200"/>
-          <a:ext cx="5105400" cy="4381500"/>
-        </p:xfrm>
-        <a:graphic>
-          <a:graphicData uri="http://schemas.openxmlformats.org/drawingml/2006/table">
-            <a:tbl>
-              <a:tblPr firstRow="1" bandRow="1">
-                <a:tableStyleId>{5C22544A-7EE6-4342-B048-85BDC9FD1C3A}</a:tableStyleId>
-              </a:tblPr>
-              <a:tblGrid>
-                <a:gridCol w="266700"/>
-                <a:gridCol w="749300"/>
-                <a:gridCol w="1193800"/>
-                <a:gridCol w="698500"/>
-                <a:gridCol w="1358900"/>
-                <a:gridCol w="838200"/>
-              </a:tblGrid>
-              <a:tr h="0">
-                <a:tc>
-                  <a:txBody>
-                    <a:bodyPr/>
-                    <a:lstStyle/>
-                    <a:p>
-                      <a:pPr lvl="0" indent="0" marL="0">
-                        <a:buNone/>
-                      </a:pPr>
-                      <a:r>
-                        <a:rPr/>
-                        <a:t>Fila</a:t>
-                      </a:r>
-                    </a:p>
-                  </a:txBody>
-                  <a:tcPr/>
-                </a:tc>
-                <a:tc>
-                  <a:txBody>
-                    <a:bodyPr/>
-                    <a:lstStyle/>
-                    <a:p>
-                      <a:pPr lvl="0" indent="0" marL="0">
-                        <a:buNone/>
-                      </a:pPr>
-                      <a:r>
-                        <a:rPr/>
-                        <a:t>População Média</a:t>
-                      </a:r>
-                    </a:p>
-                  </a:txBody>
-                  <a:tcPr/>
-                </a:tc>
-                <a:tc>
-                  <a:txBody>
-                    <a:bodyPr/>
-                    <a:lstStyle/>
-                    <a:p>
-                      <a:pPr lvl="0" indent="0" marL="0">
-                        <a:buNone/>
-                      </a:pPr>
-                      <a:r>
-                        <a:rPr/>
-                        <a:t>Throughput (clientes/min)</a:t>
-                      </a:r>
-                    </a:p>
-                  </a:txBody>
-                  <a:tcPr/>
-                </a:tc>
-                <a:tc>
-                  <a:txBody>
-                    <a:bodyPr/>
-                    <a:lstStyle/>
-                    <a:p>
-                      <a:pPr lvl="0" indent="0" marL="0">
-                        <a:buNone/>
-                      </a:pPr>
-                      <a:r>
-                        <a:rPr/>
-                        <a:t>Utilização (%)</a:t>
-                      </a:r>
-                    </a:p>
-                  </a:txBody>
-                  <a:tcPr/>
-                </a:tc>
-                <a:tc>
-                  <a:txBody>
-                    <a:bodyPr/>
-                    <a:lstStyle/>
-                    <a:p>
-                      <a:pPr lvl="0" indent="0" marL="0">
-                        <a:buNone/>
-                      </a:pPr>
-                      <a:r>
-                        <a:rPr/>
-                        <a:t>Tempo Médio de Resposta (min)</a:t>
-                      </a:r>
-                    </a:p>
-                  </a:txBody>
-                  <a:tcPr/>
-                </a:tc>
-                <a:tc>
-                  <a:txBody>
-                    <a:bodyPr/>
-                    <a:lstStyle/>
-                    <a:p>
-                      <a:pPr lvl="0" indent="0" marL="0">
-                        <a:buNone/>
-                      </a:pPr>
-                      <a:r>
-                        <a:rPr/>
-                        <a:t>Clientes Perdidos</a:t>
-                      </a:r>
-                    </a:p>
-                  </a:txBody>
-                  <a:tcPr/>
-                </a:tc>
-              </a:tr>
-              <a:tr h="0">
-                <a:tc>
-                  <a:txBody>
-                    <a:bodyPr/>
-                    <a:lstStyle/>
-                    <a:p>
-                      <a:pPr lvl="0" indent="0" marL="0">
-                        <a:buNone/>
-                      </a:pPr>
-                      <a:r>
-                        <a:rPr/>
-                        <a:t>Triagem</a:t>
-                      </a:r>
-                    </a:p>
-                  </a:txBody>
-                </a:tc>
-                <a:tc>
-                  <a:txBody>
-                    <a:bodyPr/>
-                    <a:lstStyle/>
-                    <a:p>
-                      <a:pPr lvl="0" indent="0" marL="0">
-                        <a:buNone/>
-                      </a:pPr>
-                      <a:r>
-                        <a:rPr/>
-                        <a:t>0.55</a:t>
-                      </a:r>
-                    </a:p>
-                  </a:txBody>
-                </a:tc>
-                <a:tc>
-                  <a:txBody>
-                    <a:bodyPr/>
-                    <a:lstStyle/>
-                    <a:p>
-                      <a:pPr lvl="0" indent="0" marL="0">
-                        <a:buNone/>
-                      </a:pPr>
-                      <a:r>
-                        <a:rPr/>
-                        <a:t>0.1000</a:t>
-                      </a:r>
-                    </a:p>
-                  </a:txBody>
-                </a:tc>
-                <a:tc>
-                  <a:txBody>
-                    <a:bodyPr/>
-                    <a:lstStyle/>
-                    <a:p>
-                      <a:pPr lvl="0" indent="0" marL="0">
-                        <a:buNone/>
-                      </a:pPr>
-                      <a:r>
-                        <a:rPr/>
-                        <a:t>27.48</a:t>
-                      </a:r>
-                    </a:p>
-                  </a:txBody>
-                </a:tc>
-                <a:tc>
-                  <a:txBody>
-                    <a:bodyPr/>
-                    <a:lstStyle/>
-                    <a:p>
-                      <a:pPr lvl="0" indent="0" marL="0">
-                        <a:buNone/>
-                      </a:pPr>
-                      <a:r>
-                        <a:rPr/>
-                        <a:t>0.00</a:t>
-                      </a:r>
-                    </a:p>
-                  </a:txBody>
-                </a:tc>
-                <a:tc>
-                  <a:txBody>
-                    <a:bodyPr/>
-                    <a:lstStyle/>
-                    <a:p>
-                      <a:pPr lvl="0" indent="0" marL="0">
-                        <a:buNone/>
-                      </a:pPr>
-                      <a:r>
-                        <a:rPr/>
-                        <a:t>0</a:t>
-                      </a:r>
-                    </a:p>
-                  </a:txBody>
-                </a:tc>
-              </a:tr>
-              <a:tr h="0">
-                <a:tc>
-                  <a:txBody>
-                    <a:bodyPr/>
-                    <a:lstStyle/>
-                    <a:p>
-                      <a:pPr lvl="0" indent="0" marL="0">
-                        <a:buNone/>
-                      </a:pPr>
-                      <a:r>
-                        <a:rPr/>
-                        <a:t>Emergência</a:t>
-                      </a:r>
-                    </a:p>
-                  </a:txBody>
-                </a:tc>
-                <a:tc>
-                  <a:txBody>
-                    <a:bodyPr/>
-                    <a:lstStyle/>
-                    <a:p>
-                      <a:pPr lvl="0" indent="0" marL="0">
-                        <a:buNone/>
-                      </a:pPr>
-                      <a:r>
-                        <a:rPr/>
-                        <a:t>0.92</a:t>
-                      </a:r>
-                    </a:p>
-                  </a:txBody>
-                </a:tc>
-                <a:tc>
-                  <a:txBody>
-                    <a:bodyPr/>
-                    <a:lstStyle/>
-                    <a:p>
-                      <a:pPr lvl="0" indent="0" marL="0">
-                        <a:buNone/>
-                      </a:pPr>
-                      <a:r>
-                        <a:rPr/>
-                        <a:t>0.0304</a:t>
-                      </a:r>
-                    </a:p>
-                  </a:txBody>
-                </a:tc>
-                <a:tc>
-                  <a:txBody>
-                    <a:bodyPr/>
-                    <a:lstStyle/>
-                    <a:p>
-                      <a:pPr lvl="0" indent="0" marL="0">
-                        <a:buNone/>
-                      </a:pPr>
-                      <a:r>
-                        <a:rPr/>
-                        <a:t>30.53</a:t>
-                      </a:r>
-                    </a:p>
-                  </a:txBody>
-                </a:tc>
-                <a:tc>
-                  <a:txBody>
-                    <a:bodyPr/>
-                    <a:lstStyle/>
-                    <a:p>
-                      <a:pPr lvl="0" indent="0" marL="0">
-                        <a:buNone/>
-                      </a:pPr>
-                      <a:r>
-                        <a:rPr/>
-                        <a:t>0.14</a:t>
-                      </a:r>
-                    </a:p>
-                  </a:txBody>
-                </a:tc>
-                <a:tc>
-                  <a:txBody>
-                    <a:bodyPr/>
-                    <a:lstStyle/>
-                    <a:p>
-                      <a:pPr lvl="0" indent="0" marL="0">
-                        <a:buNone/>
-                      </a:pPr>
-                      <a:r>
-                        <a:rPr/>
-                        <a:t>0</a:t>
-                      </a:r>
-                    </a:p>
-                  </a:txBody>
-                </a:tc>
-              </a:tr>
-              <a:tr h="0">
-                <a:tc>
-                  <a:txBody>
-                    <a:bodyPr/>
-                    <a:lstStyle/>
-                    <a:p>
-                      <a:pPr lvl="0" indent="0" marL="0">
-                        <a:buNone/>
-                      </a:pPr>
-                      <a:r>
-                        <a:rPr/>
-                        <a:t>Consulta</a:t>
-                      </a:r>
-                    </a:p>
-                  </a:txBody>
-                </a:tc>
-                <a:tc>
-                  <a:txBody>
-                    <a:bodyPr/>
-                    <a:lstStyle/>
-                    <a:p>
-                      <a:pPr lvl="0" indent="0" marL="0">
-                        <a:buNone/>
-                      </a:pPr>
-                      <a:r>
-                        <a:rPr/>
-                        <a:t>1.57</a:t>
-                      </a:r>
-                    </a:p>
-                  </a:txBody>
-                </a:tc>
-                <a:tc>
-                  <a:txBody>
-                    <a:bodyPr/>
-                    <a:lstStyle/>
-                    <a:p>
-                      <a:pPr lvl="0" indent="0" marL="0">
-                        <a:buNone/>
-                      </a:pPr>
-                      <a:r>
-                        <a:rPr/>
-                        <a:t>0.0696</a:t>
-                      </a:r>
-                    </a:p>
-                  </a:txBody>
-                </a:tc>
-                <a:tc>
-                  <a:txBody>
-                    <a:bodyPr/>
-                    <a:lstStyle/>
-                    <a:p>
-                      <a:pPr lvl="0" indent="0" marL="0">
-                        <a:buNone/>
-                      </a:pPr>
-                      <a:r>
-                        <a:rPr/>
-                        <a:t>69.78</a:t>
-                      </a:r>
-                    </a:p>
-                  </a:txBody>
-                </a:tc>
-                <a:tc>
-                  <a:txBody>
-                    <a:bodyPr/>
-                    <a:lstStyle/>
-                    <a:p>
-                      <a:pPr lvl="0" indent="0" marL="0">
-                        <a:buNone/>
-                      </a:pPr>
-                      <a:r>
-                        <a:rPr/>
-                        <a:t>2.44</a:t>
-                      </a:r>
-                    </a:p>
-                  </a:txBody>
-                </a:tc>
-                <a:tc>
-                  <a:txBody>
-                    <a:bodyPr/>
-                    <a:lstStyle/>
-                    <a:p>
-                      <a:pPr lvl="0" indent="0" marL="0">
-                        <a:buNone/>
-                      </a:pPr>
-                      <a:r>
-                        <a:rPr/>
-                        <a:t>0</a:t>
-                      </a:r>
-                    </a:p>
-                  </a:txBody>
-                </a:tc>
-              </a:tr>
-              <a:tr h="0">
-                <a:tc>
-                  <a:txBody>
-                    <a:bodyPr/>
-                    <a:lstStyle/>
-                    <a:p>
-                      <a:pPr lvl="0" indent="0" marL="0">
-                        <a:buNone/>
-                      </a:pPr>
-                      <a:r>
-                        <a:rPr/>
-                        <a:t>Internação</a:t>
-                      </a:r>
-                    </a:p>
-                  </a:txBody>
-                </a:tc>
-                <a:tc>
-                  <a:txBody>
-                    <a:bodyPr/>
-                    <a:lstStyle/>
-                    <a:p>
-                      <a:pPr lvl="0" indent="0" marL="0">
-                        <a:buNone/>
-                      </a:pPr>
-                      <a:r>
-                        <a:rPr/>
-                        <a:t>6.85</a:t>
-                      </a:r>
-                    </a:p>
-                  </a:txBody>
-                </a:tc>
-                <a:tc>
-                  <a:txBody>
-                    <a:bodyPr/>
-                    <a:lstStyle/>
-                    <a:p>
-                      <a:pPr lvl="0" indent="0" marL="0">
-                        <a:buNone/>
-                      </a:pPr>
-                      <a:r>
-                        <a:rPr/>
-                        <a:t>0.0056</a:t>
-                      </a:r>
-                    </a:p>
-                  </a:txBody>
-                </a:tc>
-                <a:tc>
-                  <a:txBody>
-                    <a:bodyPr/>
-                    <a:lstStyle/>
-                    <a:p>
-                      <a:pPr lvl="0" indent="0" marL="0">
-                        <a:buNone/>
-                      </a:pPr>
-                      <a:r>
-                        <a:rPr/>
-                        <a:t>99.99</a:t>
-                      </a:r>
-                    </a:p>
-                  </a:txBody>
-                </a:tc>
-                <a:tc>
-                  <a:txBody>
-                    <a:bodyPr/>
-                    <a:lstStyle/>
-                    <a:p>
-                      <a:pPr lvl="0" indent="0" marL="0">
-                        <a:buNone/>
-                      </a:pPr>
-                      <a:r>
-                        <a:rPr/>
-                        <a:t>1047.94</a:t>
-                      </a:r>
-                    </a:p>
-                  </a:txBody>
-                </a:tc>
-                <a:tc>
-                  <a:txBody>
-                    <a:bodyPr/>
-                    <a:lstStyle/>
-                    <a:p>
-                      <a:pPr lvl="0" indent="0" marL="0">
-                        <a:buNone/>
-                      </a:pPr>
-                      <a:r>
-                        <a:rPr/>
-                        <a:t>7066</a:t>
-                      </a:r>
-                    </a:p>
-                  </a:txBody>
-                </a:tc>
-              </a:tr>
-              <a:tr h="0">
-                <a:tc>
-                  <a:txBody>
-                    <a:bodyPr/>
-                    <a:lstStyle/>
-                    <a:p>
-                      <a:pPr lvl="0" indent="0" marL="0">
-                        <a:buNone/>
-                      </a:pPr>
-                      <a:r>
-                        <a:rPr/>
-                        <a:t>Alta</a:t>
-                      </a:r>
-                    </a:p>
-                  </a:txBody>
-                </a:tc>
-                <a:tc>
-                  <a:txBody>
-                    <a:bodyPr/>
-                    <a:lstStyle/>
-                    <a:p>
-                      <a:pPr lvl="0" indent="0" marL="0">
-                        <a:buNone/>
-                      </a:pPr>
-                      <a:r>
-                        <a:rPr/>
-                        <a:t>0.28</a:t>
-                      </a:r>
-                    </a:p>
-                  </a:txBody>
-                </a:tc>
-                <a:tc>
-                  <a:txBody>
-                    <a:bodyPr/>
-                    <a:lstStyle/>
-                    <a:p>
-                      <a:pPr lvl="0" indent="0" marL="0">
-                        <a:buNone/>
-                      </a:pPr>
-                      <a:r>
-                        <a:rPr/>
-                        <a:t>0.0732</a:t>
-                      </a:r>
-                    </a:p>
-                  </a:txBody>
-                </a:tc>
-                <a:tc>
-                  <a:txBody>
-                    <a:bodyPr/>
-                    <a:lstStyle/>
-                    <a:p>
-                      <a:pPr lvl="0" indent="0" marL="0">
-                        <a:buNone/>
-                      </a:pPr>
-                      <a:r>
-                        <a:rPr/>
-                        <a:t>25.61</a:t>
-                      </a:r>
-                    </a:p>
-                  </a:txBody>
-                </a:tc>
-                <a:tc>
-                  <a:txBody>
-                    <a:bodyPr/>
-                    <a:lstStyle/>
-                    <a:p>
-                      <a:pPr lvl="0" indent="0" marL="0">
-                        <a:buNone/>
-                      </a:pPr>
-                      <a:r>
-                        <a:rPr/>
-                        <a:t>0.36</a:t>
-                      </a:r>
-                    </a:p>
-                  </a:txBody>
-                </a:tc>
-                <a:tc>
-                  <a:txBody>
-                    <a:bodyPr/>
-                    <a:lstStyle/>
-                    <a:p>
-                      <a:pPr lvl="0" indent="0" marL="0">
-                        <a:buNone/>
-                      </a:pPr>
-                      <a:r>
-                        <a:rPr/>
-                        <a:t>0</a:t>
-                      </a:r>
-                    </a:p>
-                  </a:txBody>
-                </a:tc>
-              </a:tr>
-            </a:tbl>
-          </a:graphicData>
-        </a:graphic>
-      </p:graphicFrame>
+              <a:t>Contexto:</a:t>
+            </a:r>
+            <a:r>
+              <a:rPr/>
+              <a:t> Departamento de emergência de um hospital</a:t>
+            </a:r>
+          </a:p>
+          <a:p>
+            <a:pPr lvl="0"/>
+            <a:r>
+              <a:rPr b="1"/>
+              <a:t>Objetivo:</a:t>
+            </a:r>
+            <a:r>
+              <a:rPr/>
+              <a:t> Analisar e otimizar o fluxo de pacientes</a:t>
+            </a:r>
+          </a:p>
+          <a:p>
+            <a:pPr lvl="0"/>
+            <a:r>
+              <a:rPr b="1"/>
+              <a:t>Desafios:</a:t>
+            </a:r>
+            <a:r>
+              <a:rPr/>
+              <a:t> Longos tempos de espera, alta ocupação e perda de pacientes</a:t>
+            </a:r>
+          </a:p>
+        </p:txBody>
+      </p:sp>
     </p:spTree>
   </p:cSld>
 </p:sld>
@@ -5589,12 +10083,12 @@
       </p:grpSpPr>
       <p:sp>
         <p:nvSpPr>
-          <p:cNvPr id="4" name="Text Placeholder 3"/>
-          <p:cNvSpPr>
-            <a:spLocks noGrp="1"/>
-          </p:cNvSpPr>
-          <p:nvPr>
-            <p:ph idx="2" sz="half" type="body"/>
+          <p:cNvPr id="2" name="Title 1"/>
+          <p:cNvSpPr>
+            <a:spLocks noGrp="1"/>
+          </p:cNvSpPr>
+          <p:nvPr>
+            <p:ph type="title"/>
           </p:nvPr>
         </p:nvSpPr>
         <p:spPr/>
@@ -5603,700 +10097,86 @@
           <a:lstStyle/>
           <a:p>
             <a:pPr lvl="0" indent="0" marL="0">
-              <a:spcBef>
-                <a:spcPts val="3000"/>
-              </a:spcBef>
               <a:buNone/>
             </a:pPr>
             <a:r>
+              <a:rPr/>
+              <a:t>Componentes do Sistema</a:t>
+            </a:r>
+          </a:p>
+        </p:txBody>
+      </p:sp>
+      <p:sp>
+        <p:nvSpPr>
+          <p:cNvPr id="3" name="Content Placeholder 2"/>
+          <p:cNvSpPr>
+            <a:spLocks noGrp="1"/>
+          </p:cNvSpPr>
+          <p:nvPr>
+            <p:ph idx="1"/>
+          </p:nvPr>
+        </p:nvSpPr>
+        <p:spPr/>
+        <p:txBody>
+          <a:bodyPr/>
+          <a:lstStyle/>
+          <a:p>
+            <a:pPr lvl="0"/>
+            <a:r>
               <a:rPr b="1"/>
-              <a:t>Probabilidades dos Estados das Filas</a:t>
-            </a:r>
-          </a:p>
-        </p:txBody>
-      </p:sp>
-      <p:graphicFrame>
-        <p:nvGraphicFramePr>
-          <p:cNvPr id="6" name="Content Placeholder 5"/>
-          <p:cNvGraphicFramePr>
-            <a:graphicFrameLocks noGrp="1"/>
-          </p:cNvGraphicFramePr>
-          <p:nvPr>
-            <p:ph idx="1"/>
-          </p:nvPr>
-        </p:nvGraphicFramePr>
-        <p:xfrm>
-          <a:off x="3568700" y="203200"/>
-          <a:ext cx="5105400" cy="4381500"/>
-        </p:xfrm>
-        <a:graphic>
-          <a:graphicData uri="http://schemas.openxmlformats.org/drawingml/2006/table">
-            <a:tbl>
-              <a:tblPr firstRow="1" bandRow="1">
-                <a:tableStyleId>{5C22544A-7EE6-4342-B048-85BDC9FD1C3A}</a:tableStyleId>
-              </a:tblPr>
-              <a:tblGrid>
-                <a:gridCol w="457200"/>
-                <a:gridCol w="762000"/>
-                <a:gridCol w="762000"/>
-                <a:gridCol w="762000"/>
-                <a:gridCol w="762000"/>
-                <a:gridCol w="762000"/>
-                <a:gridCol w="838200"/>
-              </a:tblGrid>
-              <a:tr h="0">
-                <a:tc>
-                  <a:txBody>
-                    <a:bodyPr/>
-                    <a:lstStyle/>
-                    <a:p>
-                      <a:pPr lvl="0" indent="0" marL="0">
-                        <a:buNone/>
-                      </a:pPr>
-                      <a:r>
-                        <a:rPr/>
-                        <a:t>Fila</a:t>
-                      </a:r>
-                    </a:p>
-                  </a:txBody>
-                  <a:tcPr/>
-                </a:tc>
-                <a:tc>
-                  <a:txBody>
-                    <a:bodyPr/>
-                    <a:lstStyle/>
-                    <a:p>
-                      <a:pPr lvl="0" indent="0" marL="0">
-                        <a:buNone/>
-                      </a:pPr>
-                      <a:r>
-                        <a:rPr/>
-                        <a:t>Estado 0</a:t>
-                      </a:r>
-                    </a:p>
-                  </a:txBody>
-                  <a:tcPr/>
-                </a:tc>
-                <a:tc>
-                  <a:txBody>
-                    <a:bodyPr/>
-                    <a:lstStyle/>
-                    <a:p>
-                      <a:pPr lvl="0" indent="0" marL="0">
-                        <a:buNone/>
-                      </a:pPr>
-                      <a:r>
-                        <a:rPr/>
-                        <a:t>Estado 1</a:t>
-                      </a:r>
-                    </a:p>
-                  </a:txBody>
-                  <a:tcPr/>
-                </a:tc>
-                <a:tc>
-                  <a:txBody>
-                    <a:bodyPr/>
-                    <a:lstStyle/>
-                    <a:p>
-                      <a:pPr lvl="0" indent="0" marL="0">
-                        <a:buNone/>
-                      </a:pPr>
-                      <a:r>
-                        <a:rPr/>
-                        <a:t>Estado 2</a:t>
-                      </a:r>
-                    </a:p>
-                  </a:txBody>
-                  <a:tcPr/>
-                </a:tc>
-                <a:tc>
-                  <a:txBody>
-                    <a:bodyPr/>
-                    <a:lstStyle/>
-                    <a:p>
-                      <a:pPr lvl="0" indent="0" marL="0">
-                        <a:buNone/>
-                      </a:pPr>
-                      <a:r>
-                        <a:rPr/>
-                        <a:t>Estado 3</a:t>
-                      </a:r>
-                    </a:p>
-                  </a:txBody>
-                  <a:tcPr/>
-                </a:tc>
-                <a:tc>
-                  <a:txBody>
-                    <a:bodyPr/>
-                    <a:lstStyle/>
-                    <a:p>
-                      <a:pPr lvl="0" indent="0" marL="0">
-                        <a:buNone/>
-                      </a:pPr>
-                      <a:r>
-                        <a:rPr/>
-                        <a:t>Estado 4</a:t>
-                      </a:r>
-                    </a:p>
-                  </a:txBody>
-                  <a:tcPr/>
-                </a:tc>
-                <a:tc>
-                  <a:txBody>
-                    <a:bodyPr/>
-                    <a:lstStyle/>
-                    <a:p>
-                      <a:pPr lvl="0" indent="0" marL="0">
-                        <a:buNone/>
-                      </a:pPr>
-                      <a:r>
-                        <a:rPr/>
-                        <a:t>Estado 5+</a:t>
-                      </a:r>
-                    </a:p>
-                  </a:txBody>
-                  <a:tcPr/>
-                </a:tc>
-              </a:tr>
-              <a:tr h="0">
-                <a:tc>
-                  <a:txBody>
-                    <a:bodyPr/>
-                    <a:lstStyle/>
-                    <a:p>
-                      <a:pPr lvl="0" indent="0" marL="0">
-                        <a:buNone/>
-                      </a:pPr>
-                      <a:r>
-                        <a:rPr/>
-                        <a:t>Triagem</a:t>
-                      </a:r>
-                    </a:p>
-                  </a:txBody>
-                </a:tc>
-                <a:tc>
-                  <a:txBody>
-                    <a:bodyPr/>
-                    <a:lstStyle/>
-                    <a:p>
-                      <a:pPr lvl="0" indent="0" marL="0">
-                        <a:buNone/>
-                      </a:pPr>
-                      <a:r>
-                        <a:rPr/>
-                        <a:t>45.91%</a:t>
-                      </a:r>
-                    </a:p>
-                  </a:txBody>
-                </a:tc>
-                <a:tc>
-                  <a:txBody>
-                    <a:bodyPr/>
-                    <a:lstStyle/>
-                    <a:p>
-                      <a:pPr lvl="0" indent="0" marL="0">
-                        <a:buNone/>
-                      </a:pPr>
-                      <a:r>
-                        <a:rPr/>
-                        <a:t>53.21%</a:t>
-                      </a:r>
-                    </a:p>
-                  </a:txBody>
-                </a:tc>
-                <a:tc>
-                  <a:txBody>
-                    <a:bodyPr/>
-                    <a:lstStyle/>
-                    <a:p>
-                      <a:pPr lvl="0" indent="0" marL="0">
-                        <a:buNone/>
-                      </a:pPr>
-                      <a:r>
-                        <a:rPr/>
-                        <a:t>0.88%</a:t>
-                      </a:r>
-                    </a:p>
-                  </a:txBody>
-                </a:tc>
-                <a:tc>
-                  <a:txBody>
-                    <a:bodyPr/>
-                    <a:lstStyle/>
-                    <a:p>
-                      <a:pPr lvl="0" indent="0" marL="0">
-                        <a:buNone/>
-                      </a:pPr>
-                      <a:r>
-                        <a:rPr/>
-                        <a:t>-</a:t>
-                      </a:r>
-                    </a:p>
-                  </a:txBody>
-                </a:tc>
-                <a:tc>
-                  <a:txBody>
-                    <a:bodyPr/>
-                    <a:lstStyle/>
-                    <a:p>
-                      <a:pPr lvl="0" indent="0" marL="0">
-                        <a:buNone/>
-                      </a:pPr>
-                      <a:r>
-                        <a:rPr/>
-                        <a:t>-</a:t>
-                      </a:r>
-                    </a:p>
-                  </a:txBody>
-                </a:tc>
-                <a:tc>
-                  <a:txBody>
-                    <a:bodyPr/>
-                    <a:lstStyle/>
-                    <a:p>
-                      <a:pPr lvl="0" indent="0" marL="0">
-                        <a:buNone/>
-                      </a:pPr>
-                      <a:r>
-                        <a:rPr/>
-                        <a:t>-</a:t>
-                      </a:r>
-                    </a:p>
-                  </a:txBody>
-                </a:tc>
-              </a:tr>
-              <a:tr h="0">
-                <a:tc>
-                  <a:txBody>
-                    <a:bodyPr/>
-                    <a:lstStyle/>
-                    <a:p>
-                      <a:pPr lvl="0" indent="0" marL="0">
-                        <a:buNone/>
-                      </a:pPr>
-                      <a:r>
-                        <a:rPr/>
-                        <a:t>Emergência</a:t>
-                      </a:r>
-                    </a:p>
-                  </a:txBody>
-                </a:tc>
-                <a:tc>
-                  <a:txBody>
-                    <a:bodyPr/>
-                    <a:lstStyle/>
-                    <a:p>
-                      <a:pPr lvl="0" indent="0" marL="0">
-                        <a:buNone/>
-                      </a:pPr>
-                      <a:r>
-                        <a:rPr/>
-                        <a:t>35.24%</a:t>
-                      </a:r>
-                    </a:p>
-                  </a:txBody>
-                </a:tc>
-                <a:tc>
-                  <a:txBody>
-                    <a:bodyPr/>
-                    <a:lstStyle/>
-                    <a:p>
-                      <a:pPr lvl="0" indent="0" marL="0">
-                        <a:buNone/>
-                      </a:pPr>
-                      <a:r>
-                        <a:rPr/>
-                        <a:t>42.25%</a:t>
-                      </a:r>
-                    </a:p>
-                  </a:txBody>
-                </a:tc>
-                <a:tc>
-                  <a:txBody>
-                    <a:bodyPr/>
-                    <a:lstStyle/>
-                    <a:p>
-                      <a:pPr lvl="0" indent="0" marL="0">
-                        <a:buNone/>
-                      </a:pPr>
-                      <a:r>
-                        <a:rPr/>
-                        <a:t>18.19%</a:t>
-                      </a:r>
-                    </a:p>
-                  </a:txBody>
-                </a:tc>
-                <a:tc>
-                  <a:txBody>
-                    <a:bodyPr/>
-                    <a:lstStyle/>
-                    <a:p>
-                      <a:pPr lvl="0" indent="0" marL="0">
-                        <a:buNone/>
-                      </a:pPr>
-                      <a:r>
-                        <a:rPr/>
-                        <a:t>3.91%</a:t>
-                      </a:r>
-                    </a:p>
-                  </a:txBody>
-                </a:tc>
-                <a:tc>
-                  <a:txBody>
-                    <a:bodyPr/>
-                    <a:lstStyle/>
-                    <a:p>
-                      <a:pPr lvl="0" indent="0" marL="0">
-                        <a:buNone/>
-                      </a:pPr>
-                      <a:r>
-                        <a:rPr/>
-                        <a:t>0.39%</a:t>
-                      </a:r>
-                    </a:p>
-                  </a:txBody>
-                </a:tc>
-                <a:tc>
-                  <a:txBody>
-                    <a:bodyPr/>
-                    <a:lstStyle/>
-                    <a:p>
-                      <a:pPr lvl="0" indent="0" marL="0">
-                        <a:buNone/>
-                      </a:pPr>
-                      <a:r>
-                        <a:rPr/>
-                        <a:t>0.02%</a:t>
-                      </a:r>
-                    </a:p>
-                  </a:txBody>
-                </a:tc>
-              </a:tr>
-              <a:tr h="0">
-                <a:tc>
-                  <a:txBody>
-                    <a:bodyPr/>
-                    <a:lstStyle/>
-                    <a:p>
-                      <a:pPr lvl="0" indent="0" marL="0">
-                        <a:buNone/>
-                      </a:pPr>
-                      <a:r>
-                        <a:rPr/>
-                        <a:t>Consulta</a:t>
-                      </a:r>
-                    </a:p>
-                  </a:txBody>
-                </a:tc>
-                <a:tc>
-                  <a:txBody>
-                    <a:bodyPr/>
-                    <a:lstStyle/>
-                    <a:p>
-                      <a:pPr lvl="0" indent="0" marL="0">
-                        <a:buNone/>
-                      </a:pPr>
-                      <a:r>
-                        <a:rPr/>
-                        <a:t>11.35%</a:t>
-                      </a:r>
-                    </a:p>
-                  </a:txBody>
-                </a:tc>
-                <a:tc>
-                  <a:txBody>
-                    <a:bodyPr/>
-                    <a:lstStyle/>
-                    <a:p>
-                      <a:pPr lvl="0" indent="0" marL="0">
-                        <a:buNone/>
-                      </a:pPr>
-                      <a:r>
-                        <a:rPr/>
-                        <a:t>37.74%</a:t>
-                      </a:r>
-                    </a:p>
-                  </a:txBody>
-                </a:tc>
-                <a:tc>
-                  <a:txBody>
-                    <a:bodyPr/>
-                    <a:lstStyle/>
-                    <a:p>
-                      <a:pPr lvl="0" indent="0" marL="0">
-                        <a:buNone/>
-                      </a:pPr>
-                      <a:r>
-                        <a:rPr/>
-                        <a:t>36.31%</a:t>
-                      </a:r>
-                    </a:p>
-                  </a:txBody>
-                </a:tc>
-                <a:tc>
-                  <a:txBody>
-                    <a:bodyPr/>
-                    <a:lstStyle/>
-                    <a:p>
-                      <a:pPr lvl="0" indent="0" marL="0">
-                        <a:buNone/>
-                      </a:pPr>
-                      <a:r>
-                        <a:rPr/>
-                        <a:t>12.45%</a:t>
-                      </a:r>
-                    </a:p>
-                  </a:txBody>
-                </a:tc>
-                <a:tc>
-                  <a:txBody>
-                    <a:bodyPr/>
-                    <a:lstStyle/>
-                    <a:p>
-                      <a:pPr lvl="0" indent="0" marL="0">
-                        <a:buNone/>
-                      </a:pPr>
-                      <a:r>
-                        <a:rPr/>
-                        <a:t>1.94%</a:t>
-                      </a:r>
-                    </a:p>
-                  </a:txBody>
-                </a:tc>
-                <a:tc>
-                  <a:txBody>
-                    <a:bodyPr/>
-                    <a:lstStyle/>
-                    <a:p>
-                      <a:pPr lvl="0" indent="0" marL="0">
-                        <a:buNone/>
-                      </a:pPr>
-                      <a:r>
-                        <a:rPr/>
-                        <a:t>0.20%</a:t>
-                      </a:r>
-                    </a:p>
-                  </a:txBody>
-                </a:tc>
-              </a:tr>
-              <a:tr h="0">
-                <a:tc>
-                  <a:txBody>
-                    <a:bodyPr/>
-                    <a:lstStyle/>
-                    <a:p>
-                      <a:pPr lvl="0" indent="0" marL="0">
-                        <a:buNone/>
-                      </a:pPr>
-                      <a:r>
-                        <a:rPr/>
-                        <a:t>Internação</a:t>
-                      </a:r>
-                    </a:p>
-                  </a:txBody>
-                </a:tc>
-                <a:tc>
-                  <a:txBody>
-                    <a:bodyPr/>
-                    <a:lstStyle/>
-                    <a:p>
-                      <a:pPr lvl="0" indent="0" marL="0">
-                        <a:buNone/>
-                      </a:pPr>
-                      <a:r>
-                        <a:rPr/>
-                        <a:t>0.03%</a:t>
-                      </a:r>
-                    </a:p>
-                  </a:txBody>
-                </a:tc>
-                <a:tc>
-                  <a:txBody>
-                    <a:bodyPr/>
-                    <a:lstStyle/>
-                    <a:p>
-                      <a:pPr lvl="0" indent="0" marL="0">
-                        <a:buNone/>
-                      </a:pPr>
-                      <a:r>
-                        <a:rPr/>
-                        <a:t>0.02%</a:t>
-                      </a:r>
-                    </a:p>
-                  </a:txBody>
-                </a:tc>
-                <a:tc>
-                  <a:txBody>
-                    <a:bodyPr/>
-                    <a:lstStyle/>
-                    <a:p>
-                      <a:pPr lvl="0" indent="0" marL="0">
-                        <a:buNone/>
-                      </a:pPr>
-                      <a:r>
-                        <a:rPr/>
-                        <a:t>0.01%</a:t>
-                      </a:r>
-                    </a:p>
-                  </a:txBody>
-                </a:tc>
-                <a:tc>
-                  <a:txBody>
-                    <a:bodyPr/>
-                    <a:lstStyle/>
-                    <a:p>
-                      <a:pPr lvl="0" indent="0" marL="0">
-                        <a:buNone/>
-                      </a:pPr>
-                      <a:r>
-                        <a:rPr/>
-                        <a:t>0.04%</a:t>
-                      </a:r>
-                    </a:p>
-                  </a:txBody>
-                </a:tc>
-                <a:tc>
-                  <a:txBody>
-                    <a:bodyPr/>
-                    <a:lstStyle/>
-                    <a:p>
-                      <a:pPr lvl="0" indent="0" marL="0">
-                        <a:buNone/>
-                      </a:pPr>
-                      <a:r>
-                        <a:rPr/>
-                        <a:t>0.01%</a:t>
-                      </a:r>
-                    </a:p>
-                  </a:txBody>
-                </a:tc>
-                <a:tc>
-                  <a:txBody>
-                    <a:bodyPr/>
-                    <a:lstStyle/>
-                    <a:p>
-                      <a:pPr lvl="0" indent="0" marL="0">
-                        <a:buNone/>
-                      </a:pPr>
-                      <a:r>
-                        <a:rPr/>
-                        <a:t>99.89%</a:t>
-                      </a:r>
-                    </a:p>
-                  </a:txBody>
-                </a:tc>
-              </a:tr>
-              <a:tr h="0">
-                <a:tc>
-                  <a:txBody>
-                    <a:bodyPr/>
-                    <a:lstStyle/>
-                    <a:p>
-                      <a:pPr lvl="0" indent="0" marL="0">
-                        <a:buNone/>
-                      </a:pPr>
-                      <a:r>
-                        <a:rPr/>
-                        <a:t>Alta</a:t>
-                      </a:r>
-                    </a:p>
-                  </a:txBody>
-                </a:tc>
-                <a:tc>
-                  <a:txBody>
-                    <a:bodyPr/>
-                    <a:lstStyle/>
-                    <a:p>
-                      <a:pPr lvl="0" indent="0" marL="0">
-                        <a:buNone/>
-                      </a:pPr>
-                      <a:r>
-                        <a:rPr/>
-                        <a:t>74.39%</a:t>
-                      </a:r>
-                    </a:p>
-                  </a:txBody>
-                </a:tc>
-                <a:tc>
-                  <a:txBody>
-                    <a:bodyPr/>
-                    <a:lstStyle/>
-                    <a:p>
-                      <a:pPr lvl="0" indent="0" marL="0">
-                        <a:buNone/>
-                      </a:pPr>
-                      <a:r>
-                        <a:rPr/>
-                        <a:t>23.07%</a:t>
-                      </a:r>
-                    </a:p>
-                  </a:txBody>
-                </a:tc>
-                <a:tc>
-                  <a:txBody>
-                    <a:bodyPr/>
-                    <a:lstStyle/>
-                    <a:p>
-                      <a:pPr lvl="0" indent="0" marL="0">
-                        <a:buNone/>
-                      </a:pPr>
-                      <a:r>
-                        <a:rPr/>
-                        <a:t>2.42%</a:t>
-                      </a:r>
-                    </a:p>
-                  </a:txBody>
-                </a:tc>
-                <a:tc>
-                  <a:txBody>
-                    <a:bodyPr/>
-                    <a:lstStyle/>
-                    <a:p>
-                      <a:pPr lvl="0" indent="0" marL="0">
-                        <a:buNone/>
-                      </a:pPr>
-                      <a:r>
-                        <a:rPr/>
-                        <a:t>0.12%</a:t>
-                      </a:r>
-                    </a:p>
-                  </a:txBody>
-                </a:tc>
-                <a:tc>
-                  <a:txBody>
-                    <a:bodyPr/>
-                    <a:lstStyle/>
-                    <a:p>
-                      <a:pPr lvl="0" indent="0" marL="0">
-                        <a:buNone/>
-                      </a:pPr>
-                      <a:r>
-                        <a:rPr/>
-                        <a:t>0.01%</a:t>
-                      </a:r>
-                    </a:p>
-                  </a:txBody>
-                </a:tc>
-                <a:tc>
-                  <a:txBody>
-                    <a:bodyPr/>
-                    <a:lstStyle/>
-                    <a:p>
-                      <a:pPr lvl="0" indent="0" marL="0">
-                        <a:buNone/>
-                      </a:pPr>
-                      <a:r>
-                        <a:rPr/>
-                        <a:t>-</a:t>
-                      </a:r>
-                    </a:p>
-                  </a:txBody>
-                </a:tc>
-              </a:tr>
-            </a:tbl>
-          </a:graphicData>
-        </a:graphic>
-      </p:graphicFrame>
+              <a:t>Triagem:</a:t>
+            </a:r>
+            <a:r>
+              <a:rPr/>
+              <a:t> Primeiro atendimento e classificação de pacientes</a:t>
+            </a:r>
+          </a:p>
+          <a:p>
+            <a:pPr lvl="0"/>
+            <a:r>
+              <a:rPr b="1"/>
+              <a:t>Emergência:</a:t>
+            </a:r>
+            <a:r>
+              <a:rPr/>
+              <a:t> Atendimento de casos críticos</a:t>
+            </a:r>
+          </a:p>
+          <a:p>
+            <a:pPr lvl="0"/>
+            <a:r>
+              <a:rPr b="1"/>
+              <a:t>Consulta:</a:t>
+            </a:r>
+            <a:r>
+              <a:rPr/>
+              <a:t> Atendimento médico especializado</a:t>
+            </a:r>
+          </a:p>
+          <a:p>
+            <a:pPr lvl="0"/>
+            <a:r>
+              <a:rPr b="1"/>
+              <a:t>Internação:</a:t>
+            </a:r>
+            <a:r>
+              <a:rPr/>
+              <a:t> Cuidados intensivos e monitoramento</a:t>
+            </a:r>
+          </a:p>
+          <a:p>
+            <a:pPr lvl="0"/>
+            <a:r>
+              <a:rPr b="1"/>
+              <a:t>Alta:</a:t>
+            </a:r>
+            <a:r>
+              <a:rPr/>
+              <a:t> Processo de liberação do paciente</a:t>
+            </a:r>
+          </a:p>
+        </p:txBody>
+      </p:sp>
     </p:spTree>
   </p:cSld>
 </p:sld>
@@ -6329,7 +10209,12 @@
             <p:ph type="title"/>
           </p:nvPr>
         </p:nvSpPr>
-        <p:spPr/>
+        <p:spPr>
+          <a:xfrm>
+            <a:off x="722313" y="3305176"/>
+            <a:ext cx="7772400" cy="1021556"/>
+          </a:xfrm>
+        </p:spPr>
         <p:txBody>
           <a:bodyPr/>
           <a:lstStyle/>
@@ -6339,175 +10224,7 @@
             </a:pPr>
             <a:r>
               <a:rPr/>
-              <a:t>Análise de Gargalos</a:t>
-            </a:r>
-          </a:p>
-        </p:txBody>
-      </p:sp>
-      <p:sp>
-        <p:nvSpPr>
-          <p:cNvPr id="3" name="Content Placeholder 2"/>
-          <p:cNvSpPr>
-            <a:spLocks noGrp="1"/>
-          </p:cNvSpPr>
-          <p:nvPr>
-            <p:ph idx="1"/>
-          </p:nvPr>
-        </p:nvSpPr>
-        <p:spPr/>
-        <p:txBody>
-          <a:bodyPr/>
-          <a:lstStyle/>
-          <a:p>
-            <a:pPr lvl="0" indent="0" marL="0">
-              <a:buNone/>
-            </a:pPr>
-            <a:r>
-              <a:rPr/>
-              <a:t>Com base nos resultados da simulação, identificamos os seguintes gargalos no sistema:</a:t>
-            </a:r>
-          </a:p>
-          <a:p>
-            <a:pPr lvl="0" indent="-342900" marL="342900">
-              <a:buAutoNum type="arabicPeriod"/>
-            </a:pPr>
-            <a:r>
-              <a:rPr b="1"/>
-              <a:t>Internação</a:t>
-            </a:r>
-            <a:r>
-              <a:rPr/>
-              <a:t>:</a:t>
-            </a:r>
-          </a:p>
-          <a:p>
-            <a:pPr lvl="1"/>
-            <a:r>
-              <a:rPr/>
-              <a:t>Utilização extremamente alta (99.99%)</a:t>
-            </a:r>
-          </a:p>
-          <a:p>
-            <a:pPr lvl="1"/>
-            <a:r>
-              <a:rPr/>
-              <a:t>Tempo médio de resposta crítico (1047.94 minutos)</a:t>
-            </a:r>
-          </a:p>
-          <a:p>
-            <a:pPr lvl="1"/>
-            <a:r>
-              <a:rPr/>
-              <a:t>7066 clientes perdidos</a:t>
-            </a:r>
-          </a:p>
-          <a:p>
-            <a:pPr lvl="1"/>
-            <a:r>
-              <a:rPr/>
-              <a:t>Throughput muito baixo (0.0056 clientes/min)</a:t>
-            </a:r>
-          </a:p>
-          <a:p>
-            <a:pPr lvl="0" indent="-342900" marL="342900">
-              <a:buAutoNum type="arabicPeriod"/>
-            </a:pPr>
-            <a:r>
-              <a:rPr b="1"/>
-              <a:t>Consulta</a:t>
-            </a:r>
-            <a:r>
-              <a:rPr/>
-              <a:t>:</a:t>
-            </a:r>
-          </a:p>
-          <a:p>
-            <a:pPr lvl="1"/>
-            <a:r>
-              <a:rPr/>
-              <a:t>Alta utilização (69.78%)</a:t>
-            </a:r>
-          </a:p>
-          <a:p>
-            <a:pPr lvl="1"/>
-            <a:r>
-              <a:rPr/>
-              <a:t>Tempo médio de resposta elevado (2.44 minutos)</a:t>
-            </a:r>
-          </a:p>
-          <a:p>
-            <a:pPr lvl="1"/>
-            <a:r>
-              <a:rPr/>
-              <a:t>População média alta (1.57 pacientes)</a:t>
-            </a:r>
-          </a:p>
-          <a:p>
-            <a:pPr lvl="0" indent="-342900" marL="342900">
-              <a:buAutoNum type="arabicPeriod"/>
-            </a:pPr>
-            <a:r>
-              <a:rPr b="1"/>
-              <a:t>Emergência</a:t>
-            </a:r>
-            <a:r>
-              <a:rPr/>
-              <a:t>:</a:t>
-            </a:r>
-          </a:p>
-          <a:p>
-            <a:pPr lvl="1"/>
-            <a:r>
-              <a:rPr/>
-              <a:t>Utilização moderada (30.53%)</a:t>
-            </a:r>
-          </a:p>
-          <a:p>
-            <a:pPr lvl="1"/>
-            <a:r>
-              <a:rPr/>
-              <a:t>Tempo de resposta aceitável (0.14 minutos)</a:t>
-            </a:r>
-          </a:p>
-          <a:p>
-            <a:pPr lvl="1"/>
-            <a:r>
-              <a:rPr/>
-              <a:t>População média moderada (0.92 pacientes)</a:t>
-            </a:r>
-          </a:p>
-          <a:p>
-            <a:pPr lvl="0" indent="-342900" marL="342900">
-              <a:buAutoNum type="arabicPeriod"/>
-            </a:pPr>
-            <a:r>
-              <a:rPr b="1"/>
-              <a:t>Triagem e Alta</a:t>
-            </a:r>
-            <a:r>
-              <a:rPr/>
-              <a:t>:</a:t>
-            </a:r>
-          </a:p>
-          <a:p>
-            <a:pPr lvl="1"/>
-            <a:r>
-              <a:rPr/>
-              <a:t>Utilização baixa (27.48% e 25.61%)</a:t>
-            </a:r>
-          </a:p>
-          <a:p>
-            <a:pPr lvl="1"/>
-            <a:r>
-              <a:rPr/>
-              <a:t>Tempos de resposta adequados</a:t>
-            </a:r>
-          </a:p>
-          <a:p>
-            <a:pPr lvl="1"/>
-            <a:r>
-              <a:rPr/>
-              <a:t>Sem perda de clientes</a:t>
+              <a:t>Modelo da Rede de Filas</a:t>
             </a:r>
           </a:p>
         </p:txBody>
@@ -6554,7 +10271,7 @@
             </a:pPr>
             <a:r>
               <a:rPr/>
-              <a:t>Proposta de Melhoria</a:t>
+              <a:t>Notação de Kendall</a:t>
             </a:r>
           </a:p>
         </p:txBody>
@@ -6579,177 +10296,39 @@
             </a:pPr>
             <a:r>
               <a:rPr/>
-              <a:t>Para resolver os gargalos identificados, implementamos as seguintes melhorias:</a:t>
-            </a:r>
-          </a:p>
-          <a:p>
-            <a:pPr lvl="0" indent="-342900" marL="342900">
-              <a:buAutoNum type="arabicPeriod"/>
-            </a:pPr>
+              <a:t>O sistema utiliza a notação M/M/s/K onde: - </a:t>
+            </a:r>
             <a:r>
               <a:rPr b="1"/>
-              <a:t>Triagem</a:t>
+              <a:t>M:</a:t>
             </a:r>
             <a:r>
               <a:rPr/>
-              <a:t>:</a:t>
-            </a:r>
-          </a:p>
-          <a:p>
-            <a:pPr lvl="1"/>
+              <a:t> Distribuição de chegadas Poisson - </a:t>
+            </a:r>
+            <a:r>
+              <a:rPr b="1"/>
+              <a:t>M:</a:t>
+            </a:r>
             <a:r>
               <a:rPr/>
-              <a:t>Aumentar o número de servidores de 2 para 3</a:t>
-            </a:r>
-          </a:p>
-          <a:p>
-            <a:pPr lvl="1"/>
+              <a:t> Distribuição de serviço Exponencial - </a:t>
+            </a:r>
+            <a:r>
+              <a:rPr b="1"/>
+              <a:t>s:</a:t>
+            </a:r>
             <a:r>
               <a:rPr/>
-              <a:t>Aumentar a capacidade da fila de 10 para 15</a:t>
-            </a:r>
-          </a:p>
-          <a:p>
-            <a:pPr lvl="1"/>
+              <a:t> Número de servidores - </a:t>
+            </a:r>
+            <a:r>
+              <a:rPr b="1"/>
+              <a:t>K:</a:t>
+            </a:r>
             <a:r>
               <a:rPr/>
-              <a:t>Reduzir o tempo máximo de serviço de 8 para 6 minutos</a:t>
-            </a:r>
-          </a:p>
-          <a:p>
-            <a:pPr lvl="0" indent="-342900" marL="342900">
-              <a:buAutoNum type="arabicPeriod"/>
-            </a:pPr>
-            <a:r>
-              <a:rPr b="1"/>
-              <a:t>Emergência</a:t>
-            </a:r>
-            <a:r>
-              <a:rPr/>
-              <a:t>:</a:t>
-            </a:r>
-          </a:p>
-          <a:p>
-            <a:pPr lvl="1"/>
-            <a:r>
-              <a:rPr/>
-              <a:t>Aumentar o número de servidores de 3 para 4</a:t>
-            </a:r>
-          </a:p>
-          <a:p>
-            <a:pPr lvl="1"/>
-            <a:r>
-              <a:rPr/>
-              <a:t>Aumentar a capacidade da fila de 8 para 12</a:t>
-            </a:r>
-          </a:p>
-          <a:p>
-            <a:pPr lvl="1"/>
-            <a:r>
-              <a:rPr/>
-              <a:t>Reduzir o tempo máximo de serviço de 45 para 35 minutos</a:t>
-            </a:r>
-          </a:p>
-          <a:p>
-            <a:pPr lvl="0" indent="-342900" marL="342900">
-              <a:buAutoNum type="arabicPeriod"/>
-            </a:pPr>
-            <a:r>
-              <a:rPr b="1"/>
-              <a:t>Consulta</a:t>
-            </a:r>
-            <a:r>
-              <a:rPr/>
-              <a:t>:</a:t>
-            </a:r>
-          </a:p>
-          <a:p>
-            <a:pPr lvl="1"/>
-            <a:r>
-              <a:rPr/>
-              <a:t>Aumentar o número de servidores de 2 para 4</a:t>
-            </a:r>
-          </a:p>
-          <a:p>
-            <a:pPr lvl="1"/>
-            <a:r>
-              <a:rPr/>
-              <a:t>Aumentar a capacidade da fila de 12 para 20</a:t>
-            </a:r>
-          </a:p>
-          <a:p>
-            <a:pPr lvl="1"/>
-            <a:r>
-              <a:rPr/>
-              <a:t>Reduzir o tempo máximo de serviço de 30 para 25 minutos</a:t>
-            </a:r>
-          </a:p>
-          <a:p>
-            <a:pPr lvl="0" indent="-342900" marL="342900">
-              <a:buAutoNum type="arabicPeriod"/>
-            </a:pPr>
-            <a:r>
-              <a:rPr b="1"/>
-              <a:t>Internação</a:t>
-            </a:r>
-            <a:r>
-              <a:rPr/>
-              <a:t>:</a:t>
-            </a:r>
-          </a:p>
-          <a:p>
-            <a:pPr lvl="1"/>
-            <a:r>
-              <a:rPr/>
-              <a:t>Aumentar o número de servidores de 1 para 4</a:t>
-            </a:r>
-          </a:p>
-          <a:p>
-            <a:pPr lvl="1"/>
-            <a:r>
-              <a:rPr/>
-              <a:t>Aumentar a capacidade da fila de 6 para 15</a:t>
-            </a:r>
-          </a:p>
-          <a:p>
-            <a:pPr lvl="1"/>
-            <a:r>
-              <a:rPr/>
-              <a:t>Reduzir o tempo máximo de serviço de 240 para 180 minutos</a:t>
-            </a:r>
-          </a:p>
-          <a:p>
-            <a:pPr lvl="0" indent="-342900" marL="342900">
-              <a:buAutoNum type="arabicPeriod"/>
-            </a:pPr>
-            <a:r>
-              <a:rPr b="1"/>
-              <a:t>Alta</a:t>
-            </a:r>
-            <a:r>
-              <a:rPr/>
-              <a:t>:</a:t>
-            </a:r>
-          </a:p>
-          <a:p>
-            <a:pPr lvl="1"/>
-            <a:r>
-              <a:rPr/>
-              <a:t>Aumentar o número de servidores de 1 para 2</a:t>
-            </a:r>
-          </a:p>
-          <a:p>
-            <a:pPr lvl="1"/>
-            <a:r>
-              <a:rPr/>
-              <a:t>Aumentar a capacidade da fila de 20 para 25</a:t>
-            </a:r>
-          </a:p>
-          <a:p>
-            <a:pPr lvl="1"/>
-            <a:r>
-              <a:rPr/>
-              <a:t>Reduzir o tempo máximo de serviço de 5 para 4 minutos</a:t>
+              <a:t> Capacidade da fila</a:t>
             </a:r>
           </a:p>
         </p:txBody>
